--- a/25 Препроцессор языка Си.pptx
+++ b/25 Препроцессор языка Си.pptx
@@ -14,17 +14,19 @@
     <p:sldId id="280" r:id="rId8"/>
     <p:sldId id="283" r:id="rId9"/>
     <p:sldId id="279" r:id="rId10"/>
-    <p:sldId id="282" r:id="rId11"/>
-    <p:sldId id="270" r:id="rId12"/>
-    <p:sldId id="286" r:id="rId13"/>
-    <p:sldId id="287" r:id="rId14"/>
-    <p:sldId id="285" r:id="rId15"/>
-    <p:sldId id="269" r:id="rId16"/>
-    <p:sldId id="284" r:id="rId17"/>
-    <p:sldId id="271" r:id="rId18"/>
-    <p:sldId id="273" r:id="rId19"/>
-    <p:sldId id="288" r:id="rId20"/>
-    <p:sldId id="272" r:id="rId21"/>
+    <p:sldId id="289" r:id="rId11"/>
+    <p:sldId id="282" r:id="rId12"/>
+    <p:sldId id="270" r:id="rId13"/>
+    <p:sldId id="271" r:id="rId14"/>
+    <p:sldId id="290" r:id="rId15"/>
+    <p:sldId id="291" r:id="rId16"/>
+    <p:sldId id="287" r:id="rId17"/>
+    <p:sldId id="284" r:id="rId18"/>
+    <p:sldId id="294" r:id="rId19"/>
+    <p:sldId id="293" r:id="rId20"/>
+    <p:sldId id="273" r:id="rId21"/>
+    <p:sldId id="292" r:id="rId22"/>
+    <p:sldId id="288" r:id="rId23"/>
   </p:sldIdLst>
   <p:sldSz cx="12192000" cy="6858000"/>
   <p:notesSz cx="6858000" cy="9144000"/>
@@ -323,7 +325,7 @@
           <a:p>
             <a:fld id="{8318113B-3B55-4CDC-B7C7-FCD3EFFDAC82}" type="datetimeFigureOut">
               <a:rPr lang="ru-RU" smtClean="0"/>
-              <a:t>29.03.2018</a:t>
+              <a:t>11.04.2019</a:t>
             </a:fld>
             <a:endParaRPr lang="ru-RU"/>
           </a:p>
@@ -493,7 +495,7 @@
           <a:p>
             <a:fld id="{8318113B-3B55-4CDC-B7C7-FCD3EFFDAC82}" type="datetimeFigureOut">
               <a:rPr lang="ru-RU" smtClean="0"/>
-              <a:t>29.03.2018</a:t>
+              <a:t>11.04.2019</a:t>
             </a:fld>
             <a:endParaRPr lang="ru-RU"/>
           </a:p>
@@ -673,7 +675,7 @@
           <a:p>
             <a:fld id="{8318113B-3B55-4CDC-B7C7-FCD3EFFDAC82}" type="datetimeFigureOut">
               <a:rPr lang="ru-RU" smtClean="0"/>
-              <a:t>29.03.2018</a:t>
+              <a:t>11.04.2019</a:t>
             </a:fld>
             <a:endParaRPr lang="ru-RU"/>
           </a:p>
@@ -843,7 +845,7 @@
           <a:p>
             <a:fld id="{8318113B-3B55-4CDC-B7C7-FCD3EFFDAC82}" type="datetimeFigureOut">
               <a:rPr lang="ru-RU" smtClean="0"/>
-              <a:t>29.03.2018</a:t>
+              <a:t>11.04.2019</a:t>
             </a:fld>
             <a:endParaRPr lang="ru-RU"/>
           </a:p>
@@ -1089,7 +1091,7 @@
           <a:p>
             <a:fld id="{8318113B-3B55-4CDC-B7C7-FCD3EFFDAC82}" type="datetimeFigureOut">
               <a:rPr lang="ru-RU" smtClean="0"/>
-              <a:t>29.03.2018</a:t>
+              <a:t>11.04.2019</a:t>
             </a:fld>
             <a:endParaRPr lang="ru-RU"/>
           </a:p>
@@ -1377,7 +1379,7 @@
           <a:p>
             <a:fld id="{8318113B-3B55-4CDC-B7C7-FCD3EFFDAC82}" type="datetimeFigureOut">
               <a:rPr lang="ru-RU" smtClean="0"/>
-              <a:t>29.03.2018</a:t>
+              <a:t>11.04.2019</a:t>
             </a:fld>
             <a:endParaRPr lang="ru-RU"/>
           </a:p>
@@ -1799,7 +1801,7 @@
           <a:p>
             <a:fld id="{8318113B-3B55-4CDC-B7C7-FCD3EFFDAC82}" type="datetimeFigureOut">
               <a:rPr lang="ru-RU" smtClean="0"/>
-              <a:t>29.03.2018</a:t>
+              <a:t>11.04.2019</a:t>
             </a:fld>
             <a:endParaRPr lang="ru-RU"/>
           </a:p>
@@ -1917,7 +1919,7 @@
           <a:p>
             <a:fld id="{8318113B-3B55-4CDC-B7C7-FCD3EFFDAC82}" type="datetimeFigureOut">
               <a:rPr lang="ru-RU" smtClean="0"/>
-              <a:t>29.03.2018</a:t>
+              <a:t>11.04.2019</a:t>
             </a:fld>
             <a:endParaRPr lang="ru-RU"/>
           </a:p>
@@ -2012,7 +2014,7 @@
           <a:p>
             <a:fld id="{8318113B-3B55-4CDC-B7C7-FCD3EFFDAC82}" type="datetimeFigureOut">
               <a:rPr lang="ru-RU" smtClean="0"/>
-              <a:t>29.03.2018</a:t>
+              <a:t>11.04.2019</a:t>
             </a:fld>
             <a:endParaRPr lang="ru-RU"/>
           </a:p>
@@ -2289,7 +2291,7 @@
           <a:p>
             <a:fld id="{8318113B-3B55-4CDC-B7C7-FCD3EFFDAC82}" type="datetimeFigureOut">
               <a:rPr lang="ru-RU" smtClean="0"/>
-              <a:t>29.03.2018</a:t>
+              <a:t>11.04.2019</a:t>
             </a:fld>
             <a:endParaRPr lang="ru-RU"/>
           </a:p>
@@ -2542,7 +2544,7 @@
           <a:p>
             <a:fld id="{8318113B-3B55-4CDC-B7C7-FCD3EFFDAC82}" type="datetimeFigureOut">
               <a:rPr lang="ru-RU" smtClean="0"/>
-              <a:t>29.03.2018</a:t>
+              <a:t>11.04.2019</a:t>
             </a:fld>
             <a:endParaRPr lang="ru-RU"/>
           </a:p>
@@ -2755,7 +2757,7 @@
           <a:p>
             <a:fld id="{8318113B-3B55-4CDC-B7C7-FCD3EFFDAC82}" type="datetimeFigureOut">
               <a:rPr lang="ru-RU" smtClean="0"/>
-              <a:t>29.03.2018</a:t>
+              <a:t>11.04.2019</a:t>
             </a:fld>
             <a:endParaRPr lang="ru-RU"/>
           </a:p>
@@ -3151,15 +3153,7 @@
             </a:r>
             <a:r>
               <a:rPr lang="ru-RU" dirty="0" smtClean="0"/>
-              <a:t>репроцессор </a:t>
-            </a:r>
-            <a:r>
-              <a:rPr lang="ru-RU" dirty="0" smtClean="0"/>
-              <a:t>языка </a:t>
-            </a:r>
-            <a:r>
-              <a:rPr lang="ru-RU" dirty="0" smtClean="0"/>
-              <a:t>Си</a:t>
+              <a:t>репроцессор языка Си</a:t>
             </a:r>
             <a:endParaRPr lang="ru-RU" dirty="0"/>
           </a:p>
@@ -3231,12 +3225,37 @@
       </p:grpSpPr>
       <p:sp>
         <p:nvSpPr>
-          <p:cNvPr id="2" name="Title 1"/>
+          <p:cNvPr id="2" name="Заголовок 1"/>
           <p:cNvSpPr>
             <a:spLocks noGrp="1"/>
           </p:cNvSpPr>
           <p:nvPr>
             <p:ph type="title"/>
+          </p:nvPr>
+        </p:nvSpPr>
+        <p:spPr/>
+        <p:txBody>
+          <a:bodyPr>
+            <a:normAutofit/>
+          </a:bodyPr>
+          <a:lstStyle/>
+          <a:p>
+            <a:r>
+              <a:rPr lang="ru-RU" dirty="0" smtClean="0"/>
+              <a:t>Что ещё может препроцессор языка Си?</a:t>
+            </a:r>
+            <a:endParaRPr lang="ru-RU" dirty="0"/>
+          </a:p>
+        </p:txBody>
+      </p:sp>
+      <p:sp>
+        <p:nvSpPr>
+          <p:cNvPr id="3" name="Объект 2"/>
+          <p:cNvSpPr>
+            <a:spLocks noGrp="1"/>
+          </p:cNvSpPr>
+          <p:nvPr>
+            <p:ph idx="1"/>
           </p:nvPr>
         </p:nvSpPr>
         <p:spPr/>
@@ -3246,81 +3265,34 @@
           <a:p>
             <a:r>
               <a:rPr lang="ru-RU" dirty="0" smtClean="0"/>
-              <a:t>Директивы препроцессора Си</a:t>
-            </a:r>
-            <a:endParaRPr lang="ru-RU" dirty="0"/>
-          </a:p>
-        </p:txBody>
-      </p:sp>
-      <p:sp>
-        <p:nvSpPr>
-          <p:cNvPr id="4" name="Content Placeholder 3"/>
-          <p:cNvSpPr>
-            <a:spLocks noGrp="1"/>
-          </p:cNvSpPr>
-          <p:nvPr>
-            <p:ph idx="1"/>
-          </p:nvPr>
-        </p:nvSpPr>
-        <p:spPr/>
-        <p:txBody>
-          <a:bodyPr>
-            <a:normAutofit fontScale="92500" lnSpcReduction="20000"/>
-          </a:bodyPr>
-          <a:lstStyle/>
-          <a:p>
-            <a:r>
-              <a:rPr lang="ru-RU" dirty="0" smtClean="0"/>
-              <a:t>Директивы препроцессора языка Си записываются на специальном языке</a:t>
-            </a:r>
-          </a:p>
-          <a:p>
-            <a:pPr lvl="1"/>
-            <a:r>
-              <a:rPr lang="ru-RU" dirty="0" smtClean="0"/>
-              <a:t>Грамматика языка препроцессора языка </a:t>
-            </a:r>
-            <a:r>
-              <a:rPr lang="ru-RU" dirty="0"/>
-              <a:t>Си </a:t>
-            </a:r>
-            <a:r>
-              <a:rPr lang="ru-RU" dirty="0" smtClean="0"/>
-              <a:t>отличается от грамматики языка </a:t>
-            </a:r>
-            <a:r>
-              <a:rPr lang="ru-RU" dirty="0"/>
-              <a:t>Си </a:t>
-            </a:r>
+              <a:t>Объединение нескольких единиц компиляции в одну</a:t>
+            </a:r>
+          </a:p>
+          <a:p>
             <a:endParaRPr lang="ru-RU" dirty="0" smtClean="0"/>
           </a:p>
           <a:p>
+            <a:r>
+              <a:rPr lang="ru-RU" dirty="0" smtClean="0"/>
+              <a:t>Выбор диапазона строк для дальнейшего </a:t>
+            </a:r>
+            <a:r>
+              <a:rPr lang="ru-RU" dirty="0" err="1" smtClean="0"/>
+              <a:t>препроцессирования</a:t>
+            </a:r>
+            <a:r>
+              <a:rPr lang="ru-RU" dirty="0" smtClean="0"/>
+              <a:t> («условная компиляция»)</a:t>
+            </a:r>
+          </a:p>
+          <a:p>
             <a:endParaRPr lang="ru-RU" dirty="0" smtClean="0"/>
           </a:p>
           <a:p>
             <a:r>
               <a:rPr lang="ru-RU" dirty="0" smtClean="0"/>
-              <a:t>Строки единицы компиляции на языке препроцессора языка Си начинаются с символа </a:t>
-            </a:r>
-            <a:r>
-              <a:rPr lang="en-US" dirty="0" smtClean="0"/>
-              <a:t>#</a:t>
-            </a:r>
-            <a:endParaRPr lang="ru-RU" dirty="0" smtClean="0"/>
-          </a:p>
-          <a:p>
-            <a:endParaRPr lang="ru-RU" dirty="0" smtClean="0"/>
-          </a:p>
-          <a:p>
-            <a:r>
-              <a:rPr lang="ru-RU" dirty="0" smtClean="0"/>
-              <a:t>Все остальные строки единицы компиляции являются входными данными для препроцессора языка Си</a:t>
-            </a:r>
-          </a:p>
-          <a:p>
-            <a:endParaRPr lang="ru-RU" dirty="0" smtClean="0"/>
-          </a:p>
-          <a:p>
+              <a:t>Контекстная замена с подстановочными знаками («макро подстановка»)</a:t>
+            </a:r>
             <a:endParaRPr lang="ru-RU" dirty="0"/>
           </a:p>
         </p:txBody>
@@ -3328,20 +3300,13 @@
     </p:spTree>
     <p:extLst>
       <p:ext uri="{BB962C8B-B14F-4D97-AF65-F5344CB8AC3E}">
-        <p14:creationId xmlns:p14="http://schemas.microsoft.com/office/powerpoint/2010/main" val="2038121439"/>
+        <p14:creationId xmlns:p14="http://schemas.microsoft.com/office/powerpoint/2010/main" val="2218783914"/>
       </p:ext>
     </p:extLst>
   </p:cSld>
   <p:clrMapOvr>
     <a:masterClrMapping/>
   </p:clrMapOvr>
-  <p:timing>
-    <p:tnLst>
-      <p:par>
-        <p:cTn id="1" dur="indefinite" restart="never" nodeType="tmRoot"/>
-      </p:par>
-    </p:tnLst>
-  </p:timing>
 </p:sld>
 </file>
 
@@ -3374,111 +3339,75 @@
         </p:nvSpPr>
         <p:spPr/>
         <p:txBody>
+          <a:bodyPr/>
+          <a:lstStyle/>
+          <a:p>
+            <a:r>
+              <a:rPr lang="ru-RU" dirty="0" smtClean="0"/>
+              <a:t>Директивы препроцессора языка Си</a:t>
+            </a:r>
+            <a:endParaRPr lang="ru-RU" dirty="0"/>
+          </a:p>
+        </p:txBody>
+      </p:sp>
+      <p:sp>
+        <p:nvSpPr>
+          <p:cNvPr id="4" name="Content Placeholder 3"/>
+          <p:cNvSpPr>
+            <a:spLocks noGrp="1"/>
+          </p:cNvSpPr>
+          <p:nvPr>
+            <p:ph idx="1"/>
+          </p:nvPr>
+        </p:nvSpPr>
+        <p:spPr/>
+        <p:txBody>
           <a:bodyPr>
-            <a:normAutofit/>
+            <a:normAutofit fontScale="92500"/>
           </a:bodyPr>
           <a:lstStyle/>
           <a:p>
             <a:r>
               <a:rPr lang="ru-RU" dirty="0" smtClean="0"/>
-              <a:t>Внутреннее устройство препроцессора</a:t>
-            </a:r>
-            <a:endParaRPr lang="ru-RU" dirty="0"/>
-          </a:p>
-        </p:txBody>
-      </p:sp>
-      <p:sp>
-        <p:nvSpPr>
-          <p:cNvPr id="3" name="Content Placeholder 2"/>
-          <p:cNvSpPr>
-            <a:spLocks noGrp="1"/>
-          </p:cNvSpPr>
-          <p:nvPr>
-            <p:ph idx="1"/>
-          </p:nvPr>
-        </p:nvSpPr>
-        <p:spPr/>
-        <p:txBody>
-          <a:bodyPr>
-            <a:normAutofit fontScale="92500" lnSpcReduction="10000"/>
-          </a:bodyPr>
-          <a:lstStyle/>
-          <a:p>
-            <a:r>
-              <a:rPr lang="ru-RU" dirty="0" smtClean="0"/>
-              <a:t>Вход -- последовательность байтов в строках единицы компиляции</a:t>
-            </a:r>
-          </a:p>
-          <a:p>
-            <a:r>
-              <a:rPr lang="ru-RU" dirty="0" smtClean="0"/>
-              <a:t>Выход -- последовательность лексем для компилятора</a:t>
-            </a:r>
-            <a:endParaRPr lang="en-US" dirty="0" smtClean="0"/>
-          </a:p>
-          <a:p>
-            <a:r>
-              <a:rPr lang="ru-RU" dirty="0" smtClean="0"/>
-              <a:t>Таблица макросов</a:t>
-            </a:r>
-          </a:p>
-          <a:p>
-            <a:pPr lvl="1"/>
-            <a:r>
-              <a:rPr lang="ru-RU" dirty="0" smtClean="0"/>
-              <a:t>Состояние </a:t>
-            </a:r>
-            <a:r>
-              <a:rPr lang="ru-RU" dirty="0"/>
-              <a:t>препроцессора </a:t>
-            </a:r>
-            <a:r>
-              <a:rPr lang="ru-RU" dirty="0" smtClean="0"/>
-              <a:t>изменяемое директивами препроцессора</a:t>
-            </a:r>
-          </a:p>
-          <a:p>
-            <a:pPr lvl="1"/>
-            <a:r>
-              <a:rPr lang="ru-RU" dirty="0" smtClean="0"/>
-              <a:t>Идентификатор макроса </a:t>
-            </a:r>
-            <a:r>
-              <a:rPr lang="ru-RU" dirty="0"/>
-              <a:t>и цепочка лексем «правая </a:t>
-            </a:r>
-            <a:r>
-              <a:rPr lang="ru-RU" dirty="0" smtClean="0"/>
-              <a:t>часть макроса», на которую препроцессор заменяет этот идентификатор</a:t>
+              <a:t>Директива -- это строка, начинающаяся с </a:t>
             </a:r>
             <a:r>
               <a:rPr lang="en-US" dirty="0" smtClean="0"/>
-              <a:t> </a:t>
-            </a:r>
-            <a:r>
-              <a:rPr lang="ru-RU" dirty="0" smtClean="0"/>
-              <a:t>в процессе раскрытия</a:t>
-            </a:r>
-          </a:p>
-          <a:p>
-            <a:pPr lvl="1"/>
-            <a:r>
-              <a:rPr lang="ru-RU" dirty="0" smtClean="0"/>
-              <a:t>Заполняется по ходу  работы препроцессора в соответствии с директивами </a:t>
-            </a:r>
-          </a:p>
-          <a:p>
+              <a:t>#</a:t>
+            </a:r>
             <a:endParaRPr lang="ru-RU" dirty="0" smtClean="0"/>
           </a:p>
           <a:p>
-            <a:pPr lvl="1"/>
             <a:endParaRPr lang="ru-RU" dirty="0" smtClean="0"/>
           </a:p>
           <a:p>
-            <a:pPr lvl="1"/>
-            <a:endParaRPr lang="ru-RU" dirty="0"/>
-          </a:p>
-          <a:p>
+            <a:r>
+              <a:rPr lang="ru-RU" dirty="0" smtClean="0"/>
+              <a:t>Все остальные строки являются входными данными для препроцессора языка Си</a:t>
+            </a:r>
+          </a:p>
+          <a:p>
+            <a:endParaRPr lang="ru-RU" dirty="0" smtClean="0"/>
+          </a:p>
+          <a:p>
+            <a:r>
+              <a:rPr lang="ru-RU" dirty="0" smtClean="0"/>
+              <a:t>Директивы записываются на специальном языке</a:t>
+            </a:r>
+          </a:p>
+          <a:p>
+            <a:endParaRPr lang="ru-RU" dirty="0" smtClean="0"/>
+          </a:p>
+          <a:p>
+            <a:r>
+              <a:rPr lang="ru-RU" dirty="0" smtClean="0"/>
+              <a:t>Грамматика языка директив отличается от грамматики языка Си </a:t>
+            </a:r>
+          </a:p>
+          <a:p>
+            <a:pPr marL="0" indent="0">
+              <a:buNone/>
+            </a:pPr>
             <a:endParaRPr lang="ru-RU" dirty="0"/>
           </a:p>
         </p:txBody>
@@ -3486,7 +3415,7 @@
     </p:spTree>
     <p:extLst>
       <p:ext uri="{BB962C8B-B14F-4D97-AF65-F5344CB8AC3E}">
-        <p14:creationId xmlns:p14="http://schemas.microsoft.com/office/powerpoint/2010/main" val="2477281551"/>
+        <p14:creationId xmlns:p14="http://schemas.microsoft.com/office/powerpoint/2010/main" val="2038121439"/>
       </p:ext>
     </p:extLst>
   </p:cSld>
@@ -3532,12 +3461,51 @@
         </p:nvSpPr>
         <p:spPr/>
         <p:txBody>
-          <a:bodyPr/>
+          <a:bodyPr>
+            <a:normAutofit fontScale="90000"/>
+          </a:bodyPr>
           <a:lstStyle/>
           <a:p>
             <a:r>
               <a:rPr lang="ru-RU" dirty="0" smtClean="0"/>
-              <a:t>Константы</a:t>
+              <a:t>Алгоритм исполнения директив препроцессора</a:t>
+            </a:r>
+            <a:endParaRPr lang="ru-RU" dirty="0"/>
+          </a:p>
+        </p:txBody>
+      </p:sp>
+      <p:sp>
+        <p:nvSpPr>
+          <p:cNvPr id="3" name="Content Placeholder 2"/>
+          <p:cNvSpPr>
+            <a:spLocks noGrp="1"/>
+          </p:cNvSpPr>
+          <p:nvPr>
+            <p:ph idx="1"/>
+          </p:nvPr>
+        </p:nvSpPr>
+        <p:spPr/>
+        <p:txBody>
+          <a:bodyPr>
+            <a:normAutofit/>
+          </a:bodyPr>
+          <a:lstStyle/>
+          <a:p>
+            <a:r>
+              <a:rPr lang="ru-RU" dirty="0" smtClean="0"/>
+              <a:t>Вход -- последовательность строк единицы </a:t>
+            </a:r>
+            <a:r>
+              <a:rPr lang="ru-RU" dirty="0"/>
+              <a:t>компиляции после </a:t>
+            </a:r>
+            <a:r>
+              <a:rPr lang="ru-RU" dirty="0" smtClean="0"/>
+              <a:t>замены </a:t>
+            </a:r>
+            <a:r>
+              <a:rPr lang="ru-RU" dirty="0" err="1"/>
+              <a:t>триграфов</a:t>
             </a:r>
             <a:r>
               <a:rPr lang="ru-RU" dirty="0"/>
@@ -3545,157 +3513,81 @@
             </a:r>
             <a:r>
               <a:rPr lang="ru-RU" dirty="0" smtClean="0"/>
-              <a:t>макросы, операции</a:t>
-            </a:r>
+              <a:t>склейки </a:t>
+            </a:r>
+            <a:r>
+              <a:rPr lang="ru-RU" dirty="0"/>
+              <a:t>строк и </a:t>
+            </a:r>
+            <a:r>
+              <a:rPr lang="ru-RU" dirty="0" smtClean="0"/>
+              <a:t>удаления </a:t>
+            </a:r>
+            <a:r>
+              <a:rPr lang="ru-RU" dirty="0"/>
+              <a:t>комментариев</a:t>
+            </a:r>
+          </a:p>
+          <a:p>
+            <a:r>
+              <a:rPr lang="ru-RU" dirty="0" smtClean="0"/>
+              <a:t>Выход -- последовательность лексем для компилятора</a:t>
+            </a:r>
+            <a:endParaRPr lang="en-US" dirty="0" smtClean="0"/>
+          </a:p>
+          <a:p>
+            <a:endParaRPr lang="ru-RU" dirty="0" smtClean="0"/>
+          </a:p>
+          <a:p>
+            <a:r>
+              <a:rPr lang="ru-RU" dirty="0" smtClean="0"/>
+              <a:t>Пока </a:t>
+            </a:r>
+            <a:r>
+              <a:rPr lang="ru-RU" dirty="0"/>
+              <a:t>есть строка С на входе:</a:t>
+            </a:r>
+          </a:p>
+          <a:p>
+            <a:pPr lvl="1"/>
+            <a:r>
+              <a:rPr lang="ru-RU" dirty="0"/>
+              <a:t>если С начинается с </a:t>
+            </a:r>
+            <a:r>
+              <a:rPr lang="en-US" dirty="0"/>
+              <a:t>#</a:t>
+            </a:r>
+            <a:r>
+              <a:rPr lang="ru-RU" dirty="0"/>
+              <a:t>, то обработать </a:t>
+            </a:r>
+            <a:r>
+              <a:rPr lang="ru-RU" dirty="0" smtClean="0"/>
+              <a:t>С как директиву</a:t>
+            </a:r>
+            <a:r>
+              <a:rPr lang="ru-RU" dirty="0"/>
+              <a:t>;</a:t>
+            </a:r>
+          </a:p>
+          <a:p>
+            <a:pPr lvl="1"/>
+            <a:r>
+              <a:rPr lang="ru-RU" dirty="0"/>
+              <a:t>иначе выполнить макро подстановки в С</a:t>
+            </a:r>
+          </a:p>
+          <a:p>
+            <a:endParaRPr lang="ru-RU" dirty="0" smtClean="0"/>
+          </a:p>
+          <a:p>
+            <a:pPr lvl="1"/>
+            <a:endParaRPr lang="ru-RU" dirty="0" smtClean="0"/>
+          </a:p>
+          <a:p>
+            <a:pPr lvl="1"/>
             <a:endParaRPr lang="ru-RU" dirty="0"/>
-          </a:p>
-        </p:txBody>
-      </p:sp>
-      <p:sp>
-        <p:nvSpPr>
-          <p:cNvPr id="3" name="Content Placeholder 2"/>
-          <p:cNvSpPr>
-            <a:spLocks noGrp="1"/>
-          </p:cNvSpPr>
-          <p:nvPr>
-            <p:ph idx="1"/>
-          </p:nvPr>
-        </p:nvSpPr>
-        <p:spPr/>
-        <p:txBody>
-          <a:bodyPr>
-            <a:normAutofit fontScale="70000" lnSpcReduction="20000"/>
-          </a:bodyPr>
-          <a:lstStyle/>
-          <a:p>
-            <a:r>
-              <a:rPr lang="ru-RU" dirty="0" smtClean="0"/>
-              <a:t>Константы</a:t>
-            </a:r>
-          </a:p>
-          <a:p>
-            <a:pPr lvl="1"/>
-            <a:r>
-              <a:rPr lang="ru-RU" dirty="0" smtClean="0"/>
-              <a:t>Целые числа</a:t>
-            </a:r>
-            <a:r>
-              <a:rPr lang="en-US" dirty="0"/>
-              <a:t>,</a:t>
-            </a:r>
-            <a:r>
-              <a:rPr lang="ru-RU" dirty="0" smtClean="0"/>
-              <a:t> символы</a:t>
-            </a:r>
-            <a:r>
-              <a:rPr lang="en-US" dirty="0" smtClean="0"/>
-              <a:t>, </a:t>
-            </a:r>
-            <a:r>
-              <a:rPr lang="ru-RU" dirty="0" smtClean="0"/>
-              <a:t>строки</a:t>
-            </a:r>
-          </a:p>
-          <a:p>
-            <a:pPr lvl="1"/>
-            <a:r>
-              <a:rPr lang="ru-RU" dirty="0" smtClean="0"/>
-              <a:t>Записываются как соотв. константы в Си</a:t>
-            </a:r>
-          </a:p>
-          <a:p>
-            <a:endParaRPr lang="ru-RU" dirty="0" smtClean="0"/>
-          </a:p>
-          <a:p>
-            <a:r>
-              <a:rPr lang="ru-RU" dirty="0" smtClean="0"/>
-              <a:t>Макросы</a:t>
-            </a:r>
-          </a:p>
-          <a:p>
-            <a:pPr lvl="1"/>
-            <a:r>
-              <a:rPr lang="ru-RU" dirty="0" smtClean="0"/>
-              <a:t>Записываются как идентификаторы в Си</a:t>
-            </a:r>
-          </a:p>
-          <a:p>
-            <a:pPr lvl="1"/>
-            <a:r>
-              <a:rPr lang="ru-RU" dirty="0" smtClean="0"/>
-              <a:t>Предопределенные макросы __</a:t>
-            </a:r>
-            <a:r>
-              <a:rPr lang="en-US" dirty="0" smtClean="0"/>
-              <a:t>FILE__, __LINE__, __FUNCTION__, __TIME__</a:t>
-            </a:r>
-            <a:endParaRPr lang="ru-RU" dirty="0" smtClean="0"/>
-          </a:p>
-          <a:p>
-            <a:pPr marL="411480" lvl="1" indent="-342900">
-              <a:spcBef>
-                <a:spcPts val="700"/>
-              </a:spcBef>
-              <a:buClr>
-                <a:schemeClr val="tx2"/>
-              </a:buClr>
-              <a:buSzPct val="95000"/>
-              <a:buFont typeface="Wingdings"/>
-              <a:buChar char=""/>
-            </a:pPr>
-            <a:endParaRPr lang="ru-RU" dirty="0" smtClean="0"/>
-          </a:p>
-          <a:p>
-            <a:pPr marL="411480" lvl="1" indent="-342900">
-              <a:spcBef>
-                <a:spcPts val="700"/>
-              </a:spcBef>
-              <a:buClr>
-                <a:schemeClr val="tx2"/>
-              </a:buClr>
-              <a:buSzPct val="95000"/>
-              <a:buFont typeface="Wingdings"/>
-              <a:buChar char=""/>
-            </a:pPr>
-            <a:r>
-              <a:rPr lang="ru-RU" sz="3100" dirty="0"/>
-              <a:t>Арифметические</a:t>
-            </a:r>
-            <a:r>
-              <a:rPr lang="ru-RU" sz="3100" dirty="0"/>
-              <a:t>, побитовые, </a:t>
-            </a:r>
-            <a:r>
-              <a:rPr lang="ru-RU" sz="3100" dirty="0"/>
-              <a:t>логические операции</a:t>
-            </a:r>
-          </a:p>
-          <a:p>
-            <a:pPr lvl="1"/>
-            <a:r>
-              <a:rPr lang="ru-RU" dirty="0" smtClean="0"/>
-              <a:t>Записываются как в языке Си</a:t>
-            </a:r>
-          </a:p>
-          <a:p>
-            <a:endParaRPr lang="ru-RU" dirty="0" smtClean="0"/>
-          </a:p>
-          <a:p>
-            <a:r>
-              <a:rPr lang="ru-RU" dirty="0" smtClean="0"/>
-              <a:t>Проверка наличия определения макроса</a:t>
-            </a:r>
-          </a:p>
-          <a:p>
-            <a:pPr lvl="1"/>
-            <a:r>
-              <a:rPr lang="en-US" dirty="0"/>
-              <a:t>defined </a:t>
-            </a:r>
-            <a:r>
-              <a:rPr lang="ru-RU" dirty="0" smtClean="0"/>
-              <a:t>имя_макроса</a:t>
-            </a:r>
           </a:p>
           <a:p>
             <a:endParaRPr lang="ru-RU" dirty="0"/>
@@ -3705,7 +3597,7 @@
     </p:spTree>
     <p:extLst>
       <p:ext uri="{BB962C8B-B14F-4D97-AF65-F5344CB8AC3E}">
-        <p14:creationId xmlns:p14="http://schemas.microsoft.com/office/powerpoint/2010/main" val="2380221220"/>
+        <p14:creationId xmlns:p14="http://schemas.microsoft.com/office/powerpoint/2010/main" val="2477281551"/>
       </p:ext>
     </p:extLst>
   </p:cSld>
@@ -3751,12 +3643,14 @@
         </p:nvSpPr>
         <p:spPr/>
         <p:txBody>
-          <a:bodyPr/>
+          <a:bodyPr>
+            <a:normAutofit fontScale="90000"/>
+          </a:bodyPr>
           <a:lstStyle/>
           <a:p>
             <a:r>
               <a:rPr lang="ru-RU" dirty="0" smtClean="0"/>
-              <a:t>Константные выражения</a:t>
+              <a:t>Использование другой единицы компиляции</a:t>
             </a:r>
             <a:endParaRPr lang="ru-RU" dirty="0"/>
           </a:p>
@@ -3769,18 +3663,207 @@
             <a:spLocks noGrp="1"/>
           </p:cNvSpPr>
           <p:nvPr>
-            <p:ph idx="1"/>
+            <p:ph sz="half" idx="1"/>
           </p:nvPr>
         </p:nvSpPr>
         <p:spPr/>
         <p:txBody>
-          <a:bodyPr/>
+          <a:bodyPr>
+            <a:normAutofit fontScale="77500" lnSpcReduction="20000"/>
+          </a:bodyPr>
           <a:lstStyle/>
           <a:p>
             <a:r>
-              <a:rPr lang="ru-RU" dirty="0" smtClean="0"/>
-              <a:t>Константным выражением языка препроцессора языка Си называется выражение, построенное по правилам языка Си из скобок ( и ) и констант, макросов и операций языка препроцессора языка Си</a:t>
-            </a:r>
+              <a:rPr lang="en-US" dirty="0" smtClean="0"/>
+              <a:t>#include &lt;</a:t>
+            </a:r>
+            <a:r>
+              <a:rPr lang="ru-RU" dirty="0" smtClean="0"/>
+              <a:t> путь к файлу </a:t>
+            </a:r>
+            <a:r>
+              <a:rPr lang="en-US" dirty="0" smtClean="0"/>
+              <a:t>&gt;</a:t>
+            </a:r>
+            <a:endParaRPr lang="ru-RU" dirty="0" smtClean="0"/>
+          </a:p>
+          <a:p>
+            <a:endParaRPr lang="ru-RU" dirty="0" smtClean="0"/>
+          </a:p>
+          <a:p>
+            <a:r>
+              <a:rPr lang="en-US" dirty="0" smtClean="0"/>
+              <a:t>#include </a:t>
+            </a:r>
+            <a:r>
+              <a:rPr lang="ru-RU" dirty="0"/>
+              <a:t>" путь к файлу </a:t>
+            </a:r>
+            <a:r>
+              <a:rPr lang="ru-RU" dirty="0" smtClean="0"/>
+              <a:t>"</a:t>
+            </a:r>
+          </a:p>
+          <a:p>
+            <a:endParaRPr lang="ru-RU" dirty="0" smtClean="0"/>
+          </a:p>
+          <a:p>
+            <a:r>
+              <a:rPr lang="en-US" dirty="0" smtClean="0"/>
+              <a:t>#include</a:t>
+            </a:r>
+            <a:r>
+              <a:rPr lang="ru-RU" dirty="0" smtClean="0"/>
+              <a:t> последовательность лексем</a:t>
+            </a:r>
+          </a:p>
+          <a:p>
+            <a:endParaRPr lang="ru-RU" dirty="0" smtClean="0"/>
+          </a:p>
+          <a:p>
+            <a:endParaRPr lang="ru-RU" dirty="0"/>
+          </a:p>
+          <a:p>
+            <a:endParaRPr lang="ru-RU" dirty="0"/>
+          </a:p>
+        </p:txBody>
+      </p:sp>
+      <p:sp>
+        <p:nvSpPr>
+          <p:cNvPr id="4" name="Объект 3"/>
+          <p:cNvSpPr>
+            <a:spLocks noGrp="1"/>
+          </p:cNvSpPr>
+          <p:nvPr>
+            <p:ph sz="half" idx="2"/>
+          </p:nvPr>
+        </p:nvSpPr>
+        <p:spPr/>
+        <p:txBody>
+          <a:bodyPr>
+            <a:normAutofit fontScale="77500" lnSpcReduction="20000"/>
+          </a:bodyPr>
+          <a:lstStyle/>
+          <a:p>
+            <a:r>
+              <a:rPr lang="ru-RU" dirty="0"/>
+              <a:t>Заменить </a:t>
+            </a:r>
+            <a:r>
+              <a:rPr lang="ru-RU" dirty="0" smtClean="0"/>
+              <a:t>строку с </a:t>
+            </a:r>
+            <a:r>
+              <a:rPr lang="en-US" dirty="0" smtClean="0"/>
+              <a:t>#include </a:t>
+            </a:r>
+            <a:r>
+              <a:rPr lang="ru-RU" dirty="0"/>
+              <a:t>на </a:t>
+            </a:r>
+            <a:r>
+              <a:rPr lang="ru-RU" dirty="0" smtClean="0"/>
+              <a:t>строки из указанного файла</a:t>
+            </a:r>
+          </a:p>
+          <a:p>
+            <a:r>
+              <a:rPr lang="ru-RU" dirty="0" smtClean="0"/>
+              <a:t>Если путь абсолютный, то файл ищется относительно корня файловой системы</a:t>
+            </a:r>
+            <a:endParaRPr lang="ru-RU" dirty="0"/>
+          </a:p>
+          <a:p>
+            <a:r>
+              <a:rPr lang="ru-RU" dirty="0" smtClean="0"/>
+              <a:t>Порядок просмотра директорий, если </a:t>
+            </a:r>
+            <a:r>
+              <a:rPr lang="ru-RU" dirty="0"/>
+              <a:t>путь </a:t>
+            </a:r>
+            <a:r>
+              <a:rPr lang="ru-RU" dirty="0" smtClean="0"/>
+              <a:t>относительный:</a:t>
+            </a:r>
+          </a:p>
+          <a:p>
+            <a:pPr lvl="1"/>
+            <a:r>
+              <a:rPr lang="ru-RU" dirty="0" smtClean="0"/>
+              <a:t>директории со стандартными библиотеками, если использованы </a:t>
+            </a:r>
+            <a:r>
+              <a:rPr lang="en-US" dirty="0" smtClean="0"/>
+              <a:t>&lt;&gt;</a:t>
+            </a:r>
+            <a:endParaRPr lang="ru-RU" dirty="0" smtClean="0"/>
+          </a:p>
+          <a:p>
+            <a:pPr lvl="1"/>
+            <a:r>
+              <a:rPr lang="ru-RU" dirty="0" smtClean="0"/>
+              <a:t>директории, указанные при запуске компилятора (обычно, через </a:t>
+            </a:r>
+            <a:r>
+              <a:rPr lang="ru-RU" dirty="0" smtClean="0">
+                <a:latin typeface="Consolas" panose="020B0609020204030204" pitchFamily="49" charset="0"/>
+              </a:rPr>
+              <a:t>-</a:t>
+            </a:r>
+            <a:r>
+              <a:rPr lang="en-US" dirty="0" smtClean="0">
+                <a:latin typeface="Consolas" panose="020B0609020204030204" pitchFamily="49" charset="0"/>
+              </a:rPr>
+              <a:t>I</a:t>
+            </a:r>
+            <a:r>
+              <a:rPr lang="ru-RU" dirty="0" smtClean="0"/>
+              <a:t>)</a:t>
+            </a:r>
+          </a:p>
+          <a:p>
+            <a:pPr lvl="1"/>
+            <a:r>
+              <a:rPr lang="ru-RU" dirty="0" smtClean="0"/>
+              <a:t>директория с единицей компиляции</a:t>
+            </a:r>
+            <a:endParaRPr lang="ru-RU" dirty="0"/>
+          </a:p>
+          <a:p>
+            <a:endParaRPr lang="ru-RU" dirty="0" smtClean="0"/>
+          </a:p>
+          <a:p>
+            <a:r>
+              <a:rPr lang="ru-RU" dirty="0" smtClean="0"/>
+              <a:t>Последовательность лексем после макро подстановок должна быть либо </a:t>
+            </a:r>
+            <a:r>
+              <a:rPr lang="en-US" dirty="0" smtClean="0"/>
+              <a:t>&lt;</a:t>
+            </a:r>
+            <a:r>
+              <a:rPr lang="ru-RU" dirty="0" smtClean="0"/>
+              <a:t> путь к файлу </a:t>
+            </a:r>
+            <a:r>
+              <a:rPr lang="en-US" dirty="0"/>
+              <a:t>&gt;</a:t>
+            </a:r>
+            <a:r>
+              <a:rPr lang="ru-RU" dirty="0"/>
+              <a:t>, либо </a:t>
+            </a:r>
+            <a:r>
+              <a:rPr lang="ru-RU" dirty="0" smtClean="0"/>
+              <a:t>" путь к файлу </a:t>
+            </a:r>
+            <a:r>
+              <a:rPr lang="ru-RU" dirty="0"/>
+              <a:t>"</a:t>
+            </a:r>
+          </a:p>
+          <a:p>
             <a:endParaRPr lang="ru-RU" dirty="0"/>
           </a:p>
         </p:txBody>
@@ -3788,7 +3871,7 @@
     </p:spTree>
     <p:extLst>
       <p:ext uri="{BB962C8B-B14F-4D97-AF65-F5344CB8AC3E}">
-        <p14:creationId xmlns:p14="http://schemas.microsoft.com/office/powerpoint/2010/main" val="1935091221"/>
+        <p14:creationId xmlns:p14="http://schemas.microsoft.com/office/powerpoint/2010/main" val="225037381"/>
       </p:ext>
     </p:extLst>
   </p:cSld>
@@ -3834,238 +3917,301 @@
         </p:nvSpPr>
         <p:spPr/>
         <p:txBody>
+          <a:bodyPr/>
+          <a:lstStyle/>
+          <a:p>
+            <a:r>
+              <a:rPr lang="ru-RU" dirty="0" smtClean="0"/>
+              <a:t>Условная компиляция</a:t>
+            </a:r>
+            <a:endParaRPr lang="ru-RU" dirty="0"/>
+          </a:p>
+        </p:txBody>
+      </p:sp>
+      <p:sp>
+        <p:nvSpPr>
+          <p:cNvPr id="3" name="Content Placeholder 2"/>
+          <p:cNvSpPr>
+            <a:spLocks noGrp="1"/>
+          </p:cNvSpPr>
+          <p:nvPr>
+            <p:ph sz="half" idx="1"/>
+          </p:nvPr>
+        </p:nvSpPr>
+        <p:spPr/>
+        <p:txBody>
           <a:bodyPr>
-            <a:normAutofit/>
+            <a:normAutofit fontScale="92500" lnSpcReduction="10000"/>
           </a:bodyPr>
           <a:lstStyle/>
           <a:p>
             <a:r>
               <a:rPr lang="ru-RU" dirty="0" smtClean="0"/>
-              <a:t>Ключевые слова препроцессора Си</a:t>
+              <a:t>#</a:t>
+            </a:r>
+            <a:r>
+              <a:rPr lang="ru-RU" dirty="0" err="1" smtClean="0"/>
+              <a:t>if</a:t>
+            </a:r>
+            <a:r>
+              <a:rPr lang="ru-RU" dirty="0" smtClean="0"/>
+              <a:t> условие</a:t>
+            </a:r>
+            <a:br>
+              <a:rPr lang="ru-RU" dirty="0" smtClean="0"/>
+            </a:br>
+            <a:r>
+              <a:rPr lang="ru-RU" dirty="0" smtClean="0"/>
+              <a:t>текст-1</a:t>
+            </a:r>
+            <a:br>
+              <a:rPr lang="ru-RU" dirty="0" smtClean="0"/>
+            </a:br>
+            <a:r>
+              <a:rPr lang="ru-RU" dirty="0"/>
+              <a:t>#</a:t>
+            </a:r>
+            <a:r>
+              <a:rPr lang="ru-RU" dirty="0" smtClean="0"/>
+              <a:t>el</a:t>
+            </a:r>
+            <a:r>
+              <a:rPr lang="en-US" dirty="0" smtClean="0"/>
+              <a:t>se</a:t>
+            </a:r>
+            <a:r>
+              <a:rPr lang="ru-RU" dirty="0"/>
+              <a:t/>
+            </a:r>
+            <a:br>
+              <a:rPr lang="ru-RU" dirty="0"/>
+            </a:br>
+            <a:r>
+              <a:rPr lang="ru-RU" dirty="0" smtClean="0"/>
+              <a:t>текст-0</a:t>
+            </a:r>
+            <a:r>
+              <a:rPr lang="ru-RU" dirty="0"/>
+              <a:t/>
+            </a:r>
+            <a:br>
+              <a:rPr lang="ru-RU" dirty="0"/>
+            </a:br>
+            <a:r>
+              <a:rPr lang="ru-RU" dirty="0" smtClean="0"/>
+              <a:t>#</a:t>
+            </a:r>
+            <a:r>
+              <a:rPr lang="ru-RU" dirty="0" err="1" smtClean="0"/>
+              <a:t>endif</a:t>
             </a:r>
             <a:endParaRPr lang="ru-RU" dirty="0"/>
           </a:p>
-        </p:txBody>
-      </p:sp>
-      <p:sp>
-        <p:nvSpPr>
-          <p:cNvPr id="4" name="Content Placeholder 3"/>
-          <p:cNvSpPr>
-            <a:spLocks noGrp="1"/>
-          </p:cNvSpPr>
-          <p:nvPr>
-            <p:ph idx="1"/>
-          </p:nvPr>
-        </p:nvSpPr>
-        <p:spPr>
-          <a:xfrm>
-            <a:off x="2423592" y="1772816"/>
-            <a:ext cx="7772400" cy="4572000"/>
-          </a:xfrm>
-        </p:spPr>
+          <a:p>
+            <a:endParaRPr lang="ru-RU" dirty="0" smtClean="0"/>
+          </a:p>
+          <a:p>
+            <a:r>
+              <a:rPr lang="ru-RU" dirty="0" smtClean="0"/>
+              <a:t>Ещё варианты:</a:t>
+            </a:r>
+            <a:endParaRPr lang="en-US" dirty="0" smtClean="0"/>
+          </a:p>
+          <a:p>
+            <a:pPr lvl="1"/>
+            <a:r>
+              <a:rPr lang="ru-RU" dirty="0" smtClean="0"/>
+              <a:t>#</a:t>
+            </a:r>
+            <a:r>
+              <a:rPr lang="ru-RU" dirty="0" err="1"/>
+              <a:t>if</a:t>
+            </a:r>
+            <a:r>
+              <a:rPr lang="ru-RU" dirty="0"/>
+              <a:t> </a:t>
+            </a:r>
+            <a:r>
+              <a:rPr lang="ru-RU" dirty="0" smtClean="0"/>
+              <a:t>- #</a:t>
+            </a:r>
+            <a:r>
+              <a:rPr lang="ru-RU" dirty="0" err="1" smtClean="0"/>
+              <a:t>endif</a:t>
+            </a:r>
+            <a:endParaRPr lang="ru-RU" dirty="0" smtClean="0"/>
+          </a:p>
+          <a:p>
+            <a:pPr lvl="1"/>
+            <a:r>
+              <a:rPr lang="ru-RU" dirty="0" smtClean="0"/>
+              <a:t>#</a:t>
+            </a:r>
+            <a:r>
+              <a:rPr lang="ru-RU" dirty="0" err="1"/>
+              <a:t>if</a:t>
+            </a:r>
+            <a:r>
+              <a:rPr lang="ru-RU" dirty="0"/>
+              <a:t> </a:t>
+            </a:r>
+            <a:r>
+              <a:rPr lang="ru-RU" dirty="0" smtClean="0"/>
+              <a:t>- #</a:t>
+            </a:r>
+            <a:r>
+              <a:rPr lang="ru-RU" dirty="0" err="1" smtClean="0"/>
+              <a:t>el</a:t>
+            </a:r>
+            <a:r>
+              <a:rPr lang="en-US" dirty="0" smtClean="0"/>
+              <a:t>if</a:t>
+            </a:r>
+            <a:r>
+              <a:rPr lang="ru-RU" dirty="0" smtClean="0"/>
+              <a:t> … - </a:t>
+            </a:r>
+            <a:r>
+              <a:rPr lang="ru-RU" dirty="0"/>
+              <a:t>#</a:t>
+            </a:r>
+            <a:r>
+              <a:rPr lang="ru-RU" dirty="0" err="1"/>
+              <a:t>el</a:t>
+            </a:r>
+            <a:r>
+              <a:rPr lang="en-US" dirty="0"/>
+              <a:t>if </a:t>
+            </a:r>
+            <a:r>
+              <a:rPr lang="ru-RU" dirty="0" smtClean="0"/>
+              <a:t>- </a:t>
+            </a:r>
+            <a:r>
+              <a:rPr lang="en-US" dirty="0" smtClean="0"/>
+              <a:t>#else</a:t>
+            </a:r>
+            <a:r>
+              <a:rPr lang="ru-RU" dirty="0" smtClean="0"/>
+              <a:t> -</a:t>
+            </a:r>
+            <a:r>
+              <a:rPr lang="en-US" dirty="0" smtClean="0"/>
+              <a:t> </a:t>
+            </a:r>
+            <a:r>
+              <a:rPr lang="ru-RU" dirty="0" smtClean="0"/>
+              <a:t>#</a:t>
+            </a:r>
+            <a:r>
+              <a:rPr lang="ru-RU" dirty="0" err="1" smtClean="0"/>
+              <a:t>endif</a:t>
+            </a:r>
+            <a:endParaRPr lang="ru-RU" dirty="0" smtClean="0"/>
+          </a:p>
+          <a:p>
+            <a:pPr lvl="1"/>
+            <a:r>
+              <a:rPr lang="en-US" dirty="0" smtClean="0"/>
+              <a:t>#</a:t>
+            </a:r>
+            <a:r>
+              <a:rPr lang="en-US" dirty="0" err="1" smtClean="0"/>
+              <a:t>ifdef</a:t>
+            </a:r>
+            <a:r>
+              <a:rPr lang="en-US" dirty="0" smtClean="0"/>
+              <a:t> …</a:t>
+            </a:r>
+          </a:p>
+          <a:p>
+            <a:pPr lvl="1"/>
+            <a:r>
+              <a:rPr lang="en-US" dirty="0" smtClean="0"/>
+              <a:t>#</a:t>
+            </a:r>
+            <a:r>
+              <a:rPr lang="en-US" dirty="0" err="1" smtClean="0"/>
+              <a:t>ifndef</a:t>
+            </a:r>
+            <a:r>
+              <a:rPr lang="en-US" dirty="0" smtClean="0"/>
+              <a:t> …</a:t>
+            </a:r>
+            <a:endParaRPr lang="ru-RU" dirty="0"/>
+          </a:p>
+          <a:p>
+            <a:endParaRPr lang="ru-RU" dirty="0"/>
+          </a:p>
+          <a:p>
+            <a:endParaRPr lang="ru-RU" dirty="0" smtClean="0"/>
+          </a:p>
+          <a:p>
+            <a:pPr marL="0" indent="0">
+              <a:buNone/>
+            </a:pPr>
+            <a:endParaRPr lang="ru-RU" dirty="0"/>
+          </a:p>
+        </p:txBody>
+      </p:sp>
+      <p:sp>
+        <p:nvSpPr>
+          <p:cNvPr id="4" name="Объект 3"/>
+          <p:cNvSpPr>
+            <a:spLocks noGrp="1"/>
+          </p:cNvSpPr>
+          <p:nvPr>
+            <p:ph sz="half" idx="2"/>
+          </p:nvPr>
+        </p:nvSpPr>
+        <p:spPr/>
         <p:txBody>
           <a:bodyPr>
-            <a:normAutofit fontScale="55000" lnSpcReduction="20000"/>
+            <a:normAutofit fontScale="92500" lnSpcReduction="10000"/>
           </a:bodyPr>
           <a:lstStyle/>
           <a:p>
             <a:r>
+              <a:rPr lang="ru-RU" dirty="0" smtClean="0"/>
+              <a:t>Если значение выражения условие != 0, то добавить в выходную последовательность результат </a:t>
+            </a:r>
+            <a:r>
+              <a:rPr lang="ru-RU" dirty="0" err="1" smtClean="0"/>
+              <a:t>препроцессирования</a:t>
+            </a:r>
+            <a:r>
+              <a:rPr lang="ru-RU" dirty="0" smtClean="0"/>
+              <a:t> текст-1</a:t>
+            </a:r>
+          </a:p>
+          <a:p>
+            <a:endParaRPr lang="ru-RU" dirty="0" smtClean="0"/>
+          </a:p>
+          <a:p>
+            <a:r>
+              <a:rPr lang="ru-RU" dirty="0" smtClean="0"/>
+              <a:t>Иначе </a:t>
+            </a:r>
+            <a:r>
               <a:rPr lang="ru-RU" dirty="0"/>
-              <a:t>define — </a:t>
-            </a:r>
-            <a:r>
-              <a:rPr lang="ru-RU" dirty="0" smtClean="0"/>
-              <a:t>определить макрос препроцессора</a:t>
-            </a:r>
-            <a:endParaRPr lang="ru-RU" dirty="0"/>
-          </a:p>
-          <a:p>
+              <a:t>добавить в выходную последовательность </a:t>
+            </a:r>
+            <a:r>
+              <a:rPr lang="ru-RU" dirty="0" smtClean="0"/>
+              <a:t>результат </a:t>
+            </a:r>
+            <a:r>
+              <a:rPr lang="ru-RU" dirty="0" err="1"/>
+              <a:t>препроцессирования</a:t>
+            </a:r>
             <a:r>
               <a:rPr lang="ru-RU" dirty="0"/>
-              <a:t>undef — </a:t>
-            </a:r>
-            <a:r>
-              <a:rPr lang="ru-RU" dirty="0" smtClean="0"/>
-              <a:t>отменить текущее определение макроса</a:t>
-            </a:r>
-            <a:endParaRPr lang="ru-RU" dirty="0"/>
-          </a:p>
-          <a:p>
-            <a:r>
-              <a:rPr lang="ru-RU" dirty="0"/>
-              <a:t>include — </a:t>
-            </a:r>
-            <a:r>
-              <a:rPr lang="ru-RU" dirty="0" smtClean="0"/>
-              <a:t>вставить текст </a:t>
-            </a:r>
-            <a:r>
-              <a:rPr lang="ru-RU" dirty="0"/>
-              <a:t>из указанного файла</a:t>
-            </a:r>
-          </a:p>
-          <a:p>
-            <a:r>
-              <a:rPr lang="ru-RU" dirty="0"/>
-              <a:t>if </a:t>
-            </a:r>
-            <a:r>
-              <a:rPr lang="ru-RU" dirty="0" smtClean="0"/>
-              <a:t>— передать строки до соотв. </a:t>
-            </a:r>
-            <a:r>
-              <a:rPr lang="en-US" dirty="0" err="1" smtClean="0"/>
-              <a:t>elif</a:t>
-            </a:r>
-            <a:r>
-              <a:rPr lang="en-US" dirty="0" smtClean="0"/>
-              <a:t>/else/</a:t>
-            </a:r>
-            <a:r>
-              <a:rPr lang="en-US" dirty="0" err="1" smtClean="0"/>
-              <a:t>endif</a:t>
-            </a:r>
-            <a:r>
-              <a:rPr lang="en-US" dirty="0" smtClean="0"/>
               <a:t> </a:t>
             </a:r>
             <a:r>
               <a:rPr lang="ru-RU" dirty="0" smtClean="0"/>
-              <a:t>на компиляцию, если выражение истинно</a:t>
-            </a:r>
-            <a:endParaRPr lang="ru-RU" dirty="0"/>
-          </a:p>
-          <a:p>
-            <a:r>
-              <a:rPr lang="ru-RU" dirty="0" smtClean="0"/>
-              <a:t>if</a:t>
-            </a:r>
-            <a:r>
-              <a:rPr lang="en-US" dirty="0" err="1" smtClean="0"/>
-              <a:t>def</a:t>
-            </a:r>
-            <a:r>
-              <a:rPr lang="ru-RU" dirty="0" smtClean="0"/>
-              <a:t> — то же, что </a:t>
-            </a:r>
-            <a:r>
-              <a:rPr lang="en-US" dirty="0" smtClean="0"/>
-              <a:t>if defined</a:t>
-            </a:r>
-            <a:endParaRPr lang="ru-RU" dirty="0"/>
-          </a:p>
-          <a:p>
-            <a:r>
-              <a:rPr lang="ru-RU" dirty="0"/>
-              <a:t>ifndef — </a:t>
-            </a:r>
-            <a:r>
-              <a:rPr lang="ru-RU" dirty="0" smtClean="0"/>
-              <a:t>то же, что </a:t>
-            </a:r>
-            <a:r>
-              <a:rPr lang="en-US" dirty="0"/>
-              <a:t>if </a:t>
-            </a:r>
-            <a:r>
-              <a:rPr lang="ru-RU" dirty="0" smtClean="0"/>
-              <a:t>!</a:t>
-            </a:r>
-            <a:r>
-              <a:rPr lang="en-US" dirty="0" smtClean="0"/>
-              <a:t>defined</a:t>
-            </a:r>
-            <a:endParaRPr lang="ru-RU" dirty="0"/>
-          </a:p>
-          <a:p>
-            <a:r>
-              <a:rPr lang="ru-RU" dirty="0" smtClean="0"/>
-              <a:t>else </a:t>
-            </a:r>
-            <a:r>
-              <a:rPr lang="ru-RU" dirty="0"/>
-              <a:t>— передать строки до соотв. </a:t>
-            </a:r>
-            <a:r>
-              <a:rPr lang="en-US" dirty="0" err="1" smtClean="0"/>
-              <a:t>endif</a:t>
-            </a:r>
-            <a:r>
-              <a:rPr lang="en-US" dirty="0" smtClean="0"/>
-              <a:t> </a:t>
-            </a:r>
-            <a:r>
-              <a:rPr lang="ru-RU" dirty="0" smtClean="0"/>
-              <a:t>на </a:t>
-            </a:r>
-            <a:r>
-              <a:rPr lang="ru-RU" dirty="0"/>
-              <a:t>компиляцию, если </a:t>
-            </a:r>
-            <a:r>
-              <a:rPr lang="ru-RU" dirty="0" smtClean="0"/>
-              <a:t>соотв. выражение ложно</a:t>
-            </a:r>
-            <a:endParaRPr lang="ru-RU" dirty="0"/>
-          </a:p>
-          <a:p>
-            <a:r>
-              <a:rPr lang="ru-RU" dirty="0" smtClean="0"/>
-              <a:t>elif — то же, что else if</a:t>
-            </a:r>
-          </a:p>
-          <a:p>
-            <a:r>
-              <a:rPr lang="ru-RU" dirty="0" smtClean="0"/>
-              <a:t>endif </a:t>
-            </a:r>
-            <a:r>
-              <a:rPr lang="ru-RU" dirty="0"/>
-              <a:t>— конец ветки условной компиляции</a:t>
-            </a:r>
-          </a:p>
-          <a:p>
-            <a:r>
-              <a:rPr lang="ru-RU" dirty="0"/>
-              <a:t>line </a:t>
-            </a:r>
-            <a:r>
-              <a:rPr lang="ru-RU" dirty="0" smtClean="0"/>
-              <a:t>— сообщить компилятору указанные номер строки и имя файла вместо фактических</a:t>
-            </a:r>
-            <a:endParaRPr lang="ru-RU" dirty="0"/>
-          </a:p>
-          <a:p>
-            <a:r>
-              <a:rPr lang="ru-RU" dirty="0"/>
-              <a:t>error — </a:t>
-            </a:r>
-            <a:r>
-              <a:rPr lang="ru-RU" dirty="0" smtClean="0"/>
-              <a:t>завершить работу с ошибкой</a:t>
-            </a:r>
-            <a:endParaRPr lang="ru-RU" dirty="0"/>
-          </a:p>
-          <a:p>
-            <a:r>
-              <a:rPr lang="ru-RU" dirty="0"/>
-              <a:t>pragma </a:t>
-            </a:r>
-            <a:r>
-              <a:rPr lang="ru-RU" dirty="0" smtClean="0"/>
-              <a:t>— добавить в выходной поток лексем лексемы, зависящие </a:t>
-            </a:r>
-            <a:r>
-              <a:rPr lang="ru-RU" dirty="0"/>
-              <a:t>от </a:t>
-            </a:r>
-            <a:r>
-              <a:rPr lang="ru-RU" dirty="0" smtClean="0"/>
-              <a:t>компилятора</a:t>
-            </a:r>
-            <a:endParaRPr lang="ru-RU" dirty="0"/>
-          </a:p>
-          <a:p>
+              <a:t>текст-0 </a:t>
+            </a:r>
             <a:endParaRPr lang="ru-RU" dirty="0"/>
           </a:p>
         </p:txBody>
@@ -4073,7 +4219,7 @@
     </p:spTree>
     <p:extLst>
       <p:ext uri="{BB962C8B-B14F-4D97-AF65-F5344CB8AC3E}">
-        <p14:creationId xmlns:p14="http://schemas.microsoft.com/office/powerpoint/2010/main" val="1601956587"/>
+        <p14:creationId xmlns:p14="http://schemas.microsoft.com/office/powerpoint/2010/main" val="2659440626"/>
       </p:ext>
     </p:extLst>
   </p:cSld>
@@ -4109,7 +4255,7 @@
       </p:grpSpPr>
       <p:sp>
         <p:nvSpPr>
-          <p:cNvPr id="2" name="Title 1"/>
+          <p:cNvPr id="7" name="Заголовок 6"/>
           <p:cNvSpPr>
             <a:spLocks noGrp="1"/>
           </p:cNvSpPr>
@@ -4124,7 +4270,7 @@
           <a:p>
             <a:r>
               <a:rPr lang="ru-RU" dirty="0" smtClean="0"/>
-              <a:t>Препроцессор Си</a:t>
+              <a:t>Примеры условной компиляции</a:t>
             </a:r>
             <a:endParaRPr lang="ru-RU" dirty="0"/>
           </a:p>
@@ -4132,153 +4278,767 @@
       </p:sp>
       <p:sp>
         <p:nvSpPr>
-          <p:cNvPr id="3" name="Content Placeholder 2"/>
-          <p:cNvSpPr>
-            <a:spLocks noGrp="1"/>
-          </p:cNvSpPr>
-          <p:nvPr>
-            <p:ph idx="1"/>
+          <p:cNvPr id="8" name="Объект 7"/>
+          <p:cNvSpPr>
+            <a:spLocks noGrp="1"/>
+          </p:cNvSpPr>
+          <p:nvPr>
+            <p:ph sz="half" idx="1"/>
           </p:nvPr>
         </p:nvSpPr>
         <p:spPr/>
         <p:txBody>
           <a:bodyPr>
-            <a:normAutofit/>
+            <a:normAutofit fontScale="77500" lnSpcReduction="20000"/>
           </a:bodyPr>
           <a:lstStyle/>
           <a:p>
-            <a:r>
-              <a:rPr lang="ru-RU" dirty="0" smtClean="0"/>
-              <a:t>Пока входной поток байтов не пуст</a:t>
-            </a:r>
-          </a:p>
-          <a:p>
-            <a:pPr lvl="1"/>
-            <a:r>
-              <a:rPr lang="ru-RU" dirty="0" smtClean="0"/>
-              <a:t>С = строка, полученная заменой триграфов, склейкой строк</a:t>
-            </a:r>
-            <a:r>
-              <a:rPr lang="ru-RU" dirty="0"/>
+            <a:pPr marL="0" indent="0">
+              <a:buNone/>
+            </a:pPr>
+            <a:r>
+              <a:rPr lang="en-US" dirty="0">
+                <a:solidFill>
+                  <a:srgbClr val="808080"/>
+                </a:solidFill>
+                <a:latin typeface="Consolas" panose="020B0609020204030204" pitchFamily="49" charset="0"/>
+              </a:rPr>
+              <a:t>#include</a:t>
+            </a:r>
+            <a:r>
+              <a:rPr lang="en-US" dirty="0">
+                <a:solidFill>
+                  <a:srgbClr val="000000"/>
+                </a:solidFill>
+                <a:latin typeface="Consolas" panose="020B0609020204030204" pitchFamily="49" charset="0"/>
+              </a:rPr>
               <a:t> </a:t>
             </a:r>
             <a:r>
-              <a:rPr lang="ru-RU" dirty="0" smtClean="0"/>
-              <a:t>и удалением комментариев</a:t>
-            </a:r>
-          </a:p>
-          <a:p>
-            <a:pPr lvl="1"/>
-            <a:r>
-              <a:rPr lang="ru-RU" dirty="0" smtClean="0"/>
-              <a:t>Если С начинается с </a:t>
-            </a:r>
-            <a:r>
-              <a:rPr lang="en-US" dirty="0" smtClean="0"/>
+              <a:rPr lang="en-US" dirty="0">
+                <a:solidFill>
+                  <a:srgbClr val="A31515"/>
+                </a:solidFill>
+                <a:latin typeface="Consolas" panose="020B0609020204030204" pitchFamily="49" charset="0"/>
+              </a:rPr>
+              <a:t>&lt;</a:t>
+            </a:r>
+            <a:r>
+              <a:rPr lang="en-US" dirty="0" err="1">
+                <a:solidFill>
+                  <a:srgbClr val="A31515"/>
+                </a:solidFill>
+                <a:latin typeface="Consolas" panose="020B0609020204030204" pitchFamily="49" charset="0"/>
+              </a:rPr>
+              <a:t>assert.h</a:t>
+            </a:r>
+            <a:r>
+              <a:rPr lang="en-US" dirty="0">
+                <a:solidFill>
+                  <a:srgbClr val="A31515"/>
+                </a:solidFill>
+                <a:latin typeface="Consolas" panose="020B0609020204030204" pitchFamily="49" charset="0"/>
+              </a:rPr>
+              <a:t>&gt;</a:t>
+            </a:r>
+            <a:endParaRPr lang="en-US" dirty="0">
+              <a:solidFill>
+                <a:srgbClr val="000000"/>
+              </a:solidFill>
+              <a:latin typeface="Consolas" panose="020B0609020204030204" pitchFamily="49" charset="0"/>
+            </a:endParaRPr>
+          </a:p>
+          <a:p>
+            <a:pPr marL="0" indent="0">
+              <a:buNone/>
+            </a:pPr>
+            <a:endParaRPr lang="ru-RU" dirty="0">
+              <a:solidFill>
+                <a:srgbClr val="000000"/>
+              </a:solidFill>
+              <a:latin typeface="Consolas" panose="020B0609020204030204" pitchFamily="49" charset="0"/>
+            </a:endParaRPr>
+          </a:p>
+          <a:p>
+            <a:pPr marL="0" indent="0">
+              <a:buNone/>
+            </a:pPr>
+            <a:r>
+              <a:rPr lang="en-US" dirty="0">
+                <a:solidFill>
+                  <a:srgbClr val="0000FF"/>
+                </a:solidFill>
+                <a:latin typeface="Consolas" panose="020B0609020204030204" pitchFamily="49" charset="0"/>
+              </a:rPr>
+              <a:t>void</a:t>
+            </a:r>
+            <a:r>
+              <a:rPr lang="en-US" dirty="0">
+                <a:solidFill>
+                  <a:srgbClr val="000000"/>
+                </a:solidFill>
+                <a:latin typeface="Consolas" panose="020B0609020204030204" pitchFamily="49" charset="0"/>
+              </a:rPr>
+              <a:t> DoSomething(</a:t>
+            </a:r>
+            <a:r>
+              <a:rPr lang="en-US" dirty="0" smtClean="0">
+                <a:solidFill>
+                  <a:srgbClr val="0000FF"/>
+                </a:solidFill>
+                <a:latin typeface="Consolas" panose="020B0609020204030204" pitchFamily="49" charset="0"/>
+              </a:rPr>
+              <a:t>void</a:t>
+            </a:r>
+            <a:r>
+              <a:rPr lang="en-US" dirty="0">
+                <a:solidFill>
+                  <a:srgbClr val="000000"/>
+                </a:solidFill>
+                <a:latin typeface="Consolas" panose="020B0609020204030204" pitchFamily="49" charset="0"/>
+              </a:rPr>
+              <a:t>* </a:t>
+            </a:r>
+            <a:r>
+              <a:rPr lang="en-US" dirty="0">
+                <a:solidFill>
+                  <a:srgbClr val="808080"/>
+                </a:solidFill>
+                <a:latin typeface="Consolas" panose="020B0609020204030204" pitchFamily="49" charset="0"/>
+              </a:rPr>
+              <a:t>pointer</a:t>
+            </a:r>
+            <a:r>
+              <a:rPr lang="en-US" dirty="0">
+                <a:solidFill>
+                  <a:srgbClr val="000000"/>
+                </a:solidFill>
+                <a:latin typeface="Consolas" panose="020B0609020204030204" pitchFamily="49" charset="0"/>
+              </a:rPr>
+              <a:t>) {</a:t>
+            </a:r>
+          </a:p>
+          <a:p>
+            <a:pPr marL="0" indent="0">
+              <a:buNone/>
+            </a:pPr>
+            <a:r>
+              <a:rPr lang="en-US" dirty="0">
+                <a:solidFill>
+                  <a:srgbClr val="808080"/>
+                </a:solidFill>
+                <a:latin typeface="Consolas" panose="020B0609020204030204" pitchFamily="49" charset="0"/>
+              </a:rPr>
               <a:t>#</a:t>
             </a:r>
             <a:r>
-              <a:rPr lang="ru-RU" dirty="0" smtClean="0"/>
-              <a:t>, то обработать директиву</a:t>
-            </a:r>
-          </a:p>
-          <a:p>
-            <a:pPr lvl="1"/>
-            <a:r>
-              <a:rPr lang="ru-RU" dirty="0" smtClean="0"/>
-              <a:t>Иначе для каждой лексемы Л в С</a:t>
-            </a:r>
-          </a:p>
-          <a:p>
-            <a:pPr lvl="2"/>
-            <a:r>
-              <a:rPr lang="ru-RU" dirty="0" smtClean="0"/>
-              <a:t>Если Л является макросом с определением Х, то положить во входной поток </a:t>
-            </a:r>
-            <a:r>
-              <a:rPr lang="ru-RU" dirty="0"/>
-              <a:t>байтов "</a:t>
-            </a:r>
-            <a:r>
-              <a:rPr lang="en-US" dirty="0" smtClean="0"/>
+              <a:rPr lang="en-US" dirty="0" smtClean="0">
+                <a:solidFill>
+                  <a:srgbClr val="808080"/>
+                </a:solidFill>
+                <a:latin typeface="Consolas" panose="020B0609020204030204" pitchFamily="49" charset="0"/>
+              </a:rPr>
+              <a:t>if</a:t>
+            </a:r>
+            <a:r>
+              <a:rPr lang="ru-RU" dirty="0" smtClean="0">
+                <a:solidFill>
+                  <a:srgbClr val="808080"/>
+                </a:solidFill>
+                <a:latin typeface="Consolas" panose="020B0609020204030204" pitchFamily="49" charset="0"/>
+              </a:rPr>
+              <a:t> </a:t>
+            </a:r>
+            <a:r>
+              <a:rPr lang="en-US" dirty="0" smtClean="0">
+                <a:solidFill>
+                  <a:srgbClr val="808080"/>
+                </a:solidFill>
+                <a:latin typeface="Consolas" panose="020B0609020204030204" pitchFamily="49" charset="0"/>
+              </a:rPr>
+              <a:t>defined</a:t>
+            </a:r>
+            <a:r>
+              <a:rPr lang="en-US" dirty="0" smtClean="0">
+                <a:solidFill>
+                  <a:srgbClr val="000000"/>
+                </a:solidFill>
+                <a:latin typeface="Consolas" panose="020B0609020204030204" pitchFamily="49" charset="0"/>
+              </a:rPr>
+              <a:t> </a:t>
+            </a:r>
+            <a:r>
+              <a:rPr lang="en-US" dirty="0">
+                <a:solidFill>
+                  <a:srgbClr val="000000"/>
+                </a:solidFill>
+                <a:latin typeface="Consolas" panose="020B0609020204030204" pitchFamily="49" charset="0"/>
+              </a:rPr>
+              <a:t>_WIN64</a:t>
+            </a:r>
+          </a:p>
+          <a:p>
+            <a:pPr marL="0" indent="0">
+              <a:buNone/>
+            </a:pPr>
+            <a:r>
+              <a:rPr lang="en-US" dirty="0">
+                <a:solidFill>
+                  <a:srgbClr val="000000"/>
+                </a:solidFill>
+                <a:latin typeface="Consolas" panose="020B0609020204030204" pitchFamily="49" charset="0"/>
+              </a:rPr>
+              <a:t>    assert(</a:t>
+            </a:r>
+            <a:r>
+              <a:rPr lang="en-US" dirty="0" err="1">
+                <a:solidFill>
+                  <a:srgbClr val="0000FF"/>
+                </a:solidFill>
+                <a:latin typeface="Consolas" panose="020B0609020204030204" pitchFamily="49" charset="0"/>
+              </a:rPr>
+              <a:t>sizeof</a:t>
+            </a:r>
+            <a:r>
+              <a:rPr lang="en-US" dirty="0">
+                <a:solidFill>
+                  <a:srgbClr val="000000"/>
+                </a:solidFill>
+                <a:latin typeface="Consolas" panose="020B0609020204030204" pitchFamily="49" charset="0"/>
+              </a:rPr>
+              <a:t>(pointer) == 8);</a:t>
+            </a:r>
+          </a:p>
+          <a:p>
+            <a:pPr marL="0" indent="0">
+              <a:buNone/>
+            </a:pPr>
+            <a:r>
+              <a:rPr lang="ru-RU" dirty="0">
+                <a:solidFill>
+                  <a:srgbClr val="000000"/>
+                </a:solidFill>
+                <a:latin typeface="Consolas" panose="020B0609020204030204" pitchFamily="49" charset="0"/>
+              </a:rPr>
+              <a:t>    </a:t>
+            </a:r>
+            <a:r>
+              <a:rPr lang="ru-RU" dirty="0">
+                <a:solidFill>
+                  <a:srgbClr val="008000"/>
+                </a:solidFill>
+                <a:latin typeface="Consolas" panose="020B0609020204030204" pitchFamily="49" charset="0"/>
+              </a:rPr>
+              <a:t>// код для 64-битной ОС</a:t>
+            </a:r>
+            <a:endParaRPr lang="ru-RU" dirty="0">
+              <a:solidFill>
+                <a:srgbClr val="000000"/>
+              </a:solidFill>
+              <a:latin typeface="Consolas" panose="020B0609020204030204" pitchFamily="49" charset="0"/>
+            </a:endParaRPr>
+          </a:p>
+          <a:p>
+            <a:pPr marL="0" indent="0">
+              <a:buNone/>
+            </a:pPr>
+            <a:r>
+              <a:rPr lang="en-US" dirty="0">
+                <a:solidFill>
+                  <a:srgbClr val="808080"/>
+                </a:solidFill>
+                <a:latin typeface="Consolas" panose="020B0609020204030204" pitchFamily="49" charset="0"/>
+              </a:rPr>
+              <a:t>#else</a:t>
+            </a:r>
+            <a:endParaRPr lang="en-US" dirty="0">
+              <a:solidFill>
+                <a:srgbClr val="000000"/>
+              </a:solidFill>
+              <a:latin typeface="Consolas" panose="020B0609020204030204" pitchFamily="49" charset="0"/>
+            </a:endParaRPr>
+          </a:p>
+          <a:p>
+            <a:pPr marL="0" indent="0">
+              <a:buNone/>
+            </a:pPr>
+            <a:r>
+              <a:rPr lang="en-US" dirty="0">
+                <a:solidFill>
+                  <a:srgbClr val="000000"/>
+                </a:solidFill>
+                <a:latin typeface="Consolas" panose="020B0609020204030204" pitchFamily="49" charset="0"/>
+              </a:rPr>
+              <a:t>    </a:t>
+            </a:r>
+            <a:r>
+              <a:rPr lang="en-US" dirty="0">
+                <a:solidFill>
+                  <a:srgbClr val="6F008A"/>
+                </a:solidFill>
+                <a:latin typeface="Consolas" panose="020B0609020204030204" pitchFamily="49" charset="0"/>
+              </a:rPr>
+              <a:t>assert</a:t>
+            </a:r>
+            <a:r>
+              <a:rPr lang="en-US" dirty="0">
+                <a:solidFill>
+                  <a:srgbClr val="000000"/>
+                </a:solidFill>
+                <a:latin typeface="Consolas" panose="020B0609020204030204" pitchFamily="49" charset="0"/>
+              </a:rPr>
+              <a:t>(</a:t>
+            </a:r>
+            <a:r>
+              <a:rPr lang="en-US" dirty="0" err="1">
+                <a:solidFill>
+                  <a:srgbClr val="0000FF"/>
+                </a:solidFill>
+                <a:latin typeface="Consolas" panose="020B0609020204030204" pitchFamily="49" charset="0"/>
+              </a:rPr>
+              <a:t>sizeof</a:t>
+            </a:r>
+            <a:r>
+              <a:rPr lang="en-US" dirty="0">
+                <a:solidFill>
+                  <a:srgbClr val="000000"/>
+                </a:solidFill>
+                <a:latin typeface="Consolas" panose="020B0609020204030204" pitchFamily="49" charset="0"/>
+              </a:rPr>
+              <a:t>(</a:t>
+            </a:r>
+            <a:r>
+              <a:rPr lang="en-US" dirty="0">
+                <a:solidFill>
+                  <a:srgbClr val="808080"/>
+                </a:solidFill>
+                <a:latin typeface="Consolas" panose="020B0609020204030204" pitchFamily="49" charset="0"/>
+              </a:rPr>
+              <a:t>pointer</a:t>
+            </a:r>
+            <a:r>
+              <a:rPr lang="en-US" dirty="0">
+                <a:solidFill>
+                  <a:srgbClr val="000000"/>
+                </a:solidFill>
+                <a:latin typeface="Consolas" panose="020B0609020204030204" pitchFamily="49" charset="0"/>
+              </a:rPr>
+              <a:t>) == 4);</a:t>
+            </a:r>
+          </a:p>
+          <a:p>
+            <a:pPr marL="0" indent="0">
+              <a:buNone/>
+            </a:pPr>
+            <a:r>
+              <a:rPr lang="ru-RU" dirty="0">
+                <a:solidFill>
+                  <a:srgbClr val="000000"/>
+                </a:solidFill>
+                <a:latin typeface="Consolas" panose="020B0609020204030204" pitchFamily="49" charset="0"/>
+              </a:rPr>
+              <a:t>    </a:t>
+            </a:r>
+            <a:r>
+              <a:rPr lang="ru-RU" dirty="0">
+                <a:solidFill>
+                  <a:srgbClr val="008000"/>
+                </a:solidFill>
+                <a:latin typeface="Consolas" panose="020B0609020204030204" pitchFamily="49" charset="0"/>
+              </a:rPr>
+              <a:t>// код для 32-битной ОС</a:t>
+            </a:r>
+            <a:endParaRPr lang="ru-RU" dirty="0">
+              <a:solidFill>
+                <a:srgbClr val="000000"/>
+              </a:solidFill>
+              <a:latin typeface="Consolas" panose="020B0609020204030204" pitchFamily="49" charset="0"/>
+            </a:endParaRPr>
+          </a:p>
+          <a:p>
+            <a:pPr marL="0" indent="0">
+              <a:buNone/>
+            </a:pPr>
+            <a:r>
+              <a:rPr lang="en-US" dirty="0">
+                <a:solidFill>
+                  <a:srgbClr val="808080"/>
+                </a:solidFill>
+                <a:latin typeface="Consolas" panose="020B0609020204030204" pitchFamily="49" charset="0"/>
+              </a:rPr>
               <a:t>#</a:t>
             </a:r>
             <a:r>
-              <a:rPr lang="en-US" dirty="0" err="1" smtClean="0"/>
-              <a:t>undef</a:t>
-            </a:r>
-            <a:r>
-              <a:rPr lang="en-US" dirty="0" smtClean="0"/>
+              <a:rPr lang="en-US" dirty="0" err="1">
+                <a:solidFill>
+                  <a:srgbClr val="808080"/>
+                </a:solidFill>
+                <a:latin typeface="Consolas" panose="020B0609020204030204" pitchFamily="49" charset="0"/>
+              </a:rPr>
+              <a:t>endif</a:t>
+            </a:r>
+            <a:endParaRPr lang="en-US" dirty="0">
+              <a:solidFill>
+                <a:srgbClr val="000000"/>
+              </a:solidFill>
+              <a:latin typeface="Consolas" panose="020B0609020204030204" pitchFamily="49" charset="0"/>
+            </a:endParaRPr>
+          </a:p>
+          <a:p>
+            <a:pPr marL="0" indent="0">
+              <a:buNone/>
+            </a:pPr>
+            <a:r>
+              <a:rPr lang="ru-RU" dirty="0">
+                <a:solidFill>
+                  <a:srgbClr val="000000"/>
+                </a:solidFill>
+                <a:latin typeface="Consolas" panose="020B0609020204030204" pitchFamily="49" charset="0"/>
+              </a:rPr>
+              <a:t>}</a:t>
+            </a:r>
+          </a:p>
+          <a:p>
+            <a:pPr marL="0" indent="0">
+              <a:buNone/>
+            </a:pPr>
+            <a:endParaRPr lang="ru-RU" dirty="0"/>
+          </a:p>
+        </p:txBody>
+      </p:sp>
+      <p:sp>
+        <p:nvSpPr>
+          <p:cNvPr id="9" name="Объект 8"/>
+          <p:cNvSpPr>
+            <a:spLocks noGrp="1"/>
+          </p:cNvSpPr>
+          <p:nvPr>
+            <p:ph sz="half" idx="2"/>
+          </p:nvPr>
+        </p:nvSpPr>
+        <p:spPr/>
+        <p:txBody>
+          <a:bodyPr>
+            <a:normAutofit fontScale="77500" lnSpcReduction="20000"/>
+          </a:bodyPr>
+          <a:lstStyle/>
+          <a:p>
+            <a:pPr marL="0" indent="0">
+              <a:buNone/>
+            </a:pPr>
+            <a:r>
+              <a:rPr lang="en-US" dirty="0" err="1">
+                <a:solidFill>
+                  <a:srgbClr val="0000FF"/>
+                </a:solidFill>
+                <a:latin typeface="Consolas" panose="020B0609020204030204" pitchFamily="49" charset="0"/>
+              </a:rPr>
+              <a:t>struct</a:t>
+            </a:r>
+            <a:r>
+              <a:rPr lang="en-US" dirty="0">
+                <a:solidFill>
+                  <a:srgbClr val="000000"/>
+                </a:solidFill>
+                <a:latin typeface="Consolas" panose="020B0609020204030204" pitchFamily="49" charset="0"/>
+              </a:rPr>
               <a:t> </a:t>
             </a:r>
             <a:r>
-              <a:rPr lang="ru-RU" dirty="0" smtClean="0"/>
-              <a:t>Л </a:t>
-            </a:r>
-            <a:r>
-              <a:rPr lang="en-US" dirty="0" smtClean="0"/>
-              <a:t>&lt;</a:t>
-            </a:r>
-            <a:r>
-              <a:rPr lang="ru-RU" dirty="0" smtClean="0"/>
-              <a:t>конец строки</a:t>
-            </a:r>
-            <a:r>
-              <a:rPr lang="en-US" dirty="0" smtClean="0"/>
-              <a:t>&gt; </a:t>
-            </a:r>
-            <a:r>
-              <a:rPr lang="ru-RU" dirty="0" smtClean="0"/>
-              <a:t>Х </a:t>
-            </a:r>
-            <a:r>
-              <a:rPr lang="en-US" dirty="0" smtClean="0"/>
-              <a:t>#define </a:t>
-            </a:r>
-            <a:r>
-              <a:rPr lang="ru-RU" dirty="0" smtClean="0"/>
-              <a:t>Л Х</a:t>
-            </a:r>
-            <a:r>
-              <a:rPr lang="en-US" dirty="0"/>
-              <a:t> &lt;</a:t>
-            </a:r>
-            <a:r>
-              <a:rPr lang="ru-RU" dirty="0"/>
-              <a:t>конец строки</a:t>
-            </a:r>
-            <a:r>
-              <a:rPr lang="en-US" dirty="0"/>
-              <a:t>&gt; </a:t>
-            </a:r>
-            <a:r>
-              <a:rPr lang="ru-RU" dirty="0" smtClean="0"/>
-              <a:t>"</a:t>
-            </a:r>
-          </a:p>
-          <a:p>
-            <a:pPr lvl="3"/>
-            <a:r>
-              <a:rPr lang="ru-RU" dirty="0" smtClean="0"/>
-              <a:t>Включает обработку параметров макроса – след. слайд</a:t>
-            </a:r>
-          </a:p>
-          <a:p>
-            <a:pPr lvl="2"/>
-            <a:r>
-              <a:rPr lang="ru-RU" dirty="0" smtClean="0"/>
-              <a:t>Иначе положить Л в выходной поток лексем</a:t>
-            </a:r>
-          </a:p>
-          <a:p>
-            <a:pPr lvl="2"/>
-            <a:endParaRPr lang="ru-RU" dirty="0" smtClean="0"/>
-          </a:p>
-          <a:p>
-            <a:pPr lvl="1"/>
-            <a:endParaRPr lang="ru-RU" dirty="0"/>
-          </a:p>
-          <a:p>
+              <a:rPr lang="en-US" dirty="0" err="1">
+                <a:solidFill>
+                  <a:srgbClr val="2B91AF"/>
+                </a:solidFill>
+                <a:latin typeface="Consolas" panose="020B0609020204030204" pitchFamily="49" charset="0"/>
+              </a:rPr>
+              <a:t>TTree</a:t>
+            </a:r>
+            <a:r>
+              <a:rPr lang="en-US" dirty="0">
+                <a:solidFill>
+                  <a:srgbClr val="000000"/>
+                </a:solidFill>
+                <a:latin typeface="Consolas" panose="020B0609020204030204" pitchFamily="49" charset="0"/>
+              </a:rPr>
+              <a:t> {</a:t>
+            </a:r>
+          </a:p>
+          <a:p>
+            <a:pPr marL="0" indent="0">
+              <a:buNone/>
+            </a:pPr>
+            <a:r>
+              <a:rPr lang="en-US" dirty="0">
+                <a:solidFill>
+                  <a:srgbClr val="000000"/>
+                </a:solidFill>
+                <a:latin typeface="Consolas" panose="020B0609020204030204" pitchFamily="49" charset="0"/>
+              </a:rPr>
+              <a:t>    </a:t>
+            </a:r>
+            <a:r>
+              <a:rPr lang="en-US" dirty="0" err="1">
+                <a:solidFill>
+                  <a:srgbClr val="0000FF"/>
+                </a:solidFill>
+                <a:latin typeface="Consolas" panose="020B0609020204030204" pitchFamily="49" charset="0"/>
+              </a:rPr>
+              <a:t>struct</a:t>
+            </a:r>
+            <a:r>
+              <a:rPr lang="en-US" dirty="0">
+                <a:solidFill>
+                  <a:srgbClr val="000000"/>
+                </a:solidFill>
+                <a:latin typeface="Consolas" panose="020B0609020204030204" pitchFamily="49" charset="0"/>
+              </a:rPr>
+              <a:t> </a:t>
+            </a:r>
+            <a:r>
+              <a:rPr lang="en-US" dirty="0" err="1">
+                <a:solidFill>
+                  <a:srgbClr val="2B91AF"/>
+                </a:solidFill>
+                <a:latin typeface="Consolas" panose="020B0609020204030204" pitchFamily="49" charset="0"/>
+              </a:rPr>
+              <a:t>TTree</a:t>
+            </a:r>
+            <a:r>
+              <a:rPr lang="en-US" dirty="0">
+                <a:solidFill>
+                  <a:srgbClr val="000000"/>
+                </a:solidFill>
+                <a:latin typeface="Consolas" panose="020B0609020204030204" pitchFamily="49" charset="0"/>
+              </a:rPr>
+              <a:t>* Left;</a:t>
+            </a:r>
+          </a:p>
+          <a:p>
+            <a:pPr marL="0" indent="0">
+              <a:buNone/>
+            </a:pPr>
+            <a:r>
+              <a:rPr lang="en-US" dirty="0">
+                <a:solidFill>
+                  <a:srgbClr val="000000"/>
+                </a:solidFill>
+                <a:latin typeface="Consolas" panose="020B0609020204030204" pitchFamily="49" charset="0"/>
+              </a:rPr>
+              <a:t>    </a:t>
+            </a:r>
+            <a:r>
+              <a:rPr lang="en-US" dirty="0" err="1">
+                <a:solidFill>
+                  <a:srgbClr val="0000FF"/>
+                </a:solidFill>
+                <a:latin typeface="Consolas" panose="020B0609020204030204" pitchFamily="49" charset="0"/>
+              </a:rPr>
+              <a:t>struct</a:t>
+            </a:r>
+            <a:r>
+              <a:rPr lang="en-US" dirty="0">
+                <a:solidFill>
+                  <a:srgbClr val="000000"/>
+                </a:solidFill>
+                <a:latin typeface="Consolas" panose="020B0609020204030204" pitchFamily="49" charset="0"/>
+              </a:rPr>
+              <a:t> </a:t>
+            </a:r>
+            <a:r>
+              <a:rPr lang="en-US" dirty="0" err="1">
+                <a:solidFill>
+                  <a:srgbClr val="2B91AF"/>
+                </a:solidFill>
+                <a:latin typeface="Consolas" panose="020B0609020204030204" pitchFamily="49" charset="0"/>
+              </a:rPr>
+              <a:t>TTree</a:t>
+            </a:r>
+            <a:r>
+              <a:rPr lang="en-US" dirty="0">
+                <a:solidFill>
+                  <a:srgbClr val="000000"/>
+                </a:solidFill>
+                <a:latin typeface="Consolas" panose="020B0609020204030204" pitchFamily="49" charset="0"/>
+              </a:rPr>
+              <a:t>* Right;</a:t>
+            </a:r>
+          </a:p>
+          <a:p>
+            <a:pPr marL="0" indent="0">
+              <a:buNone/>
+            </a:pPr>
+            <a:r>
+              <a:rPr lang="en-US" dirty="0">
+                <a:solidFill>
+                  <a:srgbClr val="000000"/>
+                </a:solidFill>
+                <a:latin typeface="Consolas" panose="020B0609020204030204" pitchFamily="49" charset="0"/>
+              </a:rPr>
+              <a:t>    </a:t>
+            </a:r>
+            <a:r>
+              <a:rPr lang="en-US" dirty="0" err="1">
+                <a:solidFill>
+                  <a:srgbClr val="0000FF"/>
+                </a:solidFill>
+                <a:latin typeface="Consolas" panose="020B0609020204030204" pitchFamily="49" charset="0"/>
+              </a:rPr>
+              <a:t>int</a:t>
+            </a:r>
+            <a:r>
+              <a:rPr lang="en-US" dirty="0">
+                <a:solidFill>
+                  <a:srgbClr val="000000"/>
+                </a:solidFill>
+                <a:latin typeface="Consolas" panose="020B0609020204030204" pitchFamily="49" charset="0"/>
+              </a:rPr>
+              <a:t> Value;</a:t>
+            </a:r>
+          </a:p>
+          <a:p>
+            <a:pPr marL="0" indent="0">
+              <a:buNone/>
+            </a:pPr>
+            <a:r>
+              <a:rPr lang="en-US" dirty="0">
+                <a:solidFill>
+                  <a:srgbClr val="808080"/>
+                </a:solidFill>
+                <a:latin typeface="Consolas" panose="020B0609020204030204" pitchFamily="49" charset="0"/>
+              </a:rPr>
+              <a:t>#</a:t>
+            </a:r>
+            <a:r>
+              <a:rPr lang="en-US" dirty="0" err="1">
+                <a:solidFill>
+                  <a:srgbClr val="808080"/>
+                </a:solidFill>
+                <a:latin typeface="Consolas" panose="020B0609020204030204" pitchFamily="49" charset="0"/>
+              </a:rPr>
+              <a:t>ifdef</a:t>
+            </a:r>
+            <a:r>
+              <a:rPr lang="en-US" dirty="0">
+                <a:solidFill>
+                  <a:srgbClr val="000000"/>
+                </a:solidFill>
+                <a:latin typeface="Consolas" panose="020B0609020204030204" pitchFamily="49" charset="0"/>
+              </a:rPr>
+              <a:t> </a:t>
+            </a:r>
+            <a:r>
+              <a:rPr lang="en-US" dirty="0">
+                <a:solidFill>
+                  <a:srgbClr val="6F008A"/>
+                </a:solidFill>
+                <a:latin typeface="Consolas" panose="020B0609020204030204" pitchFamily="49" charset="0"/>
+              </a:rPr>
+              <a:t>_DEBUG</a:t>
+            </a:r>
+            <a:endParaRPr lang="en-US" dirty="0">
+              <a:solidFill>
+                <a:srgbClr val="000000"/>
+              </a:solidFill>
+              <a:latin typeface="Consolas" panose="020B0609020204030204" pitchFamily="49" charset="0"/>
+            </a:endParaRPr>
+          </a:p>
+          <a:p>
+            <a:pPr marL="0" indent="0">
+              <a:buNone/>
+            </a:pPr>
+            <a:r>
+              <a:rPr lang="en-US" dirty="0">
+                <a:solidFill>
+                  <a:srgbClr val="000000"/>
+                </a:solidFill>
+                <a:latin typeface="Consolas" panose="020B0609020204030204" pitchFamily="49" charset="0"/>
+              </a:rPr>
+              <a:t>    </a:t>
+            </a:r>
+            <a:r>
+              <a:rPr lang="en-US" dirty="0" err="1">
+                <a:solidFill>
+                  <a:srgbClr val="0000FF"/>
+                </a:solidFill>
+                <a:latin typeface="Consolas" panose="020B0609020204030204" pitchFamily="49" charset="0"/>
+              </a:rPr>
+              <a:t>struct</a:t>
+            </a:r>
+            <a:r>
+              <a:rPr lang="en-US" dirty="0">
+                <a:solidFill>
+                  <a:srgbClr val="000000"/>
+                </a:solidFill>
+                <a:latin typeface="Consolas" panose="020B0609020204030204" pitchFamily="49" charset="0"/>
+              </a:rPr>
+              <a:t> </a:t>
+            </a:r>
+            <a:r>
+              <a:rPr lang="en-US" dirty="0" err="1">
+                <a:solidFill>
+                  <a:srgbClr val="2B91AF"/>
+                </a:solidFill>
+                <a:latin typeface="Consolas" panose="020B0609020204030204" pitchFamily="49" charset="0"/>
+              </a:rPr>
+              <a:t>TTree</a:t>
+            </a:r>
+            <a:r>
+              <a:rPr lang="en-US" dirty="0">
+                <a:solidFill>
+                  <a:srgbClr val="000000"/>
+                </a:solidFill>
+                <a:latin typeface="Consolas" panose="020B0609020204030204" pitchFamily="49" charset="0"/>
+              </a:rPr>
+              <a:t>* Parent;</a:t>
+            </a:r>
+          </a:p>
+          <a:p>
+            <a:pPr marL="0" indent="0">
+              <a:buNone/>
+            </a:pPr>
+            <a:r>
+              <a:rPr lang="en-US" dirty="0">
+                <a:solidFill>
+                  <a:srgbClr val="808080"/>
+                </a:solidFill>
+                <a:latin typeface="Consolas" panose="020B0609020204030204" pitchFamily="49" charset="0"/>
+              </a:rPr>
+              <a:t>#</a:t>
+            </a:r>
+            <a:r>
+              <a:rPr lang="en-US" dirty="0" err="1">
+                <a:solidFill>
+                  <a:srgbClr val="808080"/>
+                </a:solidFill>
+                <a:latin typeface="Consolas" panose="020B0609020204030204" pitchFamily="49" charset="0"/>
+              </a:rPr>
+              <a:t>endif</a:t>
+            </a:r>
+            <a:endParaRPr lang="en-US" dirty="0">
+              <a:solidFill>
+                <a:srgbClr val="000000"/>
+              </a:solidFill>
+              <a:latin typeface="Consolas" panose="020B0609020204030204" pitchFamily="49" charset="0"/>
+            </a:endParaRPr>
+          </a:p>
+          <a:p>
+            <a:pPr marL="0" indent="0">
+              <a:buNone/>
+            </a:pPr>
+            <a:r>
+              <a:rPr lang="ru-RU" dirty="0">
+                <a:solidFill>
+                  <a:srgbClr val="000000"/>
+                </a:solidFill>
+                <a:latin typeface="Consolas" panose="020B0609020204030204" pitchFamily="49" charset="0"/>
+              </a:rPr>
+              <a:t>};</a:t>
+            </a:r>
+          </a:p>
+          <a:p>
+            <a:pPr marL="0" indent="0">
+              <a:buNone/>
+            </a:pPr>
             <a:endParaRPr lang="ru-RU" dirty="0"/>
           </a:p>
         </p:txBody>
@@ -4286,7 +5046,7 @@
     </p:spTree>
     <p:extLst>
       <p:ext uri="{BB962C8B-B14F-4D97-AF65-F5344CB8AC3E}">
-        <p14:creationId xmlns:p14="http://schemas.microsoft.com/office/powerpoint/2010/main" val="4076349714"/>
+        <p14:creationId xmlns:p14="http://schemas.microsoft.com/office/powerpoint/2010/main" val="4181751568"/>
       </p:ext>
     </p:extLst>
   </p:cSld>
@@ -4332,286 +5092,143 @@
         </p:nvSpPr>
         <p:spPr/>
         <p:txBody>
-          <a:bodyPr/>
-          <a:lstStyle/>
-          <a:p>
-            <a:r>
-              <a:rPr lang="ru-RU" dirty="0" smtClean="0"/>
-              <a:t>Обработка директив</a:t>
-            </a:r>
-            <a:endParaRPr lang="ru-RU" dirty="0"/>
-          </a:p>
-        </p:txBody>
-      </p:sp>
-      <p:sp>
-        <p:nvSpPr>
-          <p:cNvPr id="3" name="Content Placeholder 2"/>
-          <p:cNvSpPr>
-            <a:spLocks noGrp="1"/>
-          </p:cNvSpPr>
-          <p:nvPr>
-            <p:ph idx="1"/>
-          </p:nvPr>
-        </p:nvSpPr>
-        <p:spPr>
-          <a:xfrm>
-            <a:off x="2438400" y="1484784"/>
-            <a:ext cx="7772400" cy="4870776"/>
-          </a:xfrm>
-        </p:spPr>
-        <p:txBody>
           <a:bodyPr>
-            <a:normAutofit fontScale="77500" lnSpcReduction="20000"/>
+            <a:normAutofit/>
           </a:bodyPr>
           <a:lstStyle/>
           <a:p>
             <a:r>
-              <a:rPr lang="ru-RU" dirty="0" smtClean="0">
-                <a:solidFill>
-                  <a:srgbClr val="FFC000"/>
-                </a:solidFill>
-              </a:rPr>
-              <a:t>#define </a:t>
-            </a:r>
-            <a:r>
-              <a:rPr lang="ru-RU" i="1" dirty="0" smtClean="0"/>
-              <a:t>макрос</a:t>
+              <a:rPr lang="ru-RU" dirty="0" smtClean="0"/>
+              <a:t>Запись условий в директивах </a:t>
             </a:r>
             <a:r>
               <a:rPr lang="en-US" dirty="0" smtClean="0"/>
-              <a:t> [ </a:t>
-            </a:r>
-            <a:r>
-              <a:rPr lang="en-US" dirty="0" smtClean="0">
-                <a:solidFill>
-                  <a:srgbClr val="FFC000"/>
-                </a:solidFill>
-              </a:rPr>
-              <a:t>(</a:t>
+              <a:t>#if </a:t>
+            </a:r>
+            <a:r>
+              <a:rPr lang="ru-RU" dirty="0" smtClean="0"/>
+              <a:t>и </a:t>
             </a:r>
             <a:r>
               <a:rPr lang="en-US" dirty="0" smtClean="0"/>
-              <a:t> </a:t>
-            </a:r>
-            <a:r>
-              <a:rPr lang="ru-RU" i="1" dirty="0" smtClean="0"/>
-              <a:t>парам</a:t>
-            </a:r>
-            <a:r>
-              <a:rPr lang="en-US" i="1" dirty="0"/>
-              <a:t> </a:t>
-            </a:r>
-            <a:r>
-              <a:rPr lang="en-US" dirty="0"/>
-              <a:t>[</a:t>
-            </a:r>
-            <a:r>
-              <a:rPr lang="en-US" i="1" dirty="0" smtClean="0">
-                <a:solidFill>
-                  <a:srgbClr val="FFC000"/>
-                </a:solidFill>
-              </a:rPr>
-              <a:t>,</a:t>
-            </a:r>
-            <a:r>
-              <a:rPr lang="en-US" i="1" dirty="0" smtClean="0"/>
-              <a:t> </a:t>
-            </a:r>
-            <a:r>
-              <a:rPr lang="ru-RU" i="1" dirty="0" smtClean="0"/>
-              <a:t>парам </a:t>
-            </a:r>
-            <a:r>
-              <a:rPr lang="en-US" i="1" dirty="0" smtClean="0"/>
-              <a:t>…</a:t>
-            </a:r>
-            <a:r>
-              <a:rPr lang="en-US" dirty="0" smtClean="0"/>
-              <a:t>] </a:t>
-            </a:r>
-            <a:r>
-              <a:rPr lang="en-US" dirty="0" smtClean="0">
-                <a:solidFill>
-                  <a:srgbClr val="FFC000"/>
-                </a:solidFill>
-              </a:rPr>
-              <a:t>)</a:t>
-            </a:r>
-            <a:r>
-              <a:rPr lang="en-US" dirty="0" smtClean="0"/>
-              <a:t> ] </a:t>
-            </a:r>
-            <a:r>
-              <a:rPr lang="ru-RU" i="1" dirty="0" smtClean="0"/>
-              <a:t>правая часть</a:t>
+              <a:t>#</a:t>
+            </a:r>
+            <a:r>
+              <a:rPr lang="en-US" dirty="0" err="1" smtClean="0"/>
+              <a:t>elif</a:t>
+            </a:r>
+            <a:endParaRPr lang="ru-RU" dirty="0"/>
+          </a:p>
+        </p:txBody>
+      </p:sp>
+      <p:sp>
+        <p:nvSpPr>
+          <p:cNvPr id="3" name="Content Placeholder 2"/>
+          <p:cNvSpPr>
+            <a:spLocks noGrp="1"/>
+          </p:cNvSpPr>
+          <p:nvPr>
+            <p:ph idx="1"/>
+          </p:nvPr>
+        </p:nvSpPr>
+        <p:spPr/>
+        <p:txBody>
+          <a:bodyPr>
+            <a:normAutofit fontScale="92500"/>
+          </a:bodyPr>
+          <a:lstStyle/>
+          <a:p>
+            <a:r>
+              <a:rPr lang="ru-RU" dirty="0" smtClean="0"/>
+              <a:t>Выражение, построенное с использованием скобок () из следующих лексем:</a:t>
             </a:r>
           </a:p>
           <a:p>
             <a:pPr lvl="1"/>
             <a:r>
               <a:rPr lang="ru-RU" dirty="0" smtClean="0"/>
-              <a:t>Добавить в таблицу макросов определение </a:t>
-            </a:r>
-            <a:endParaRPr lang="en-US" dirty="0" smtClean="0"/>
-          </a:p>
-          <a:p>
-            <a:r>
-              <a:rPr lang="en-US" dirty="0" smtClean="0">
-                <a:solidFill>
-                  <a:srgbClr val="FFC000"/>
-                </a:solidFill>
-              </a:rPr>
-              <a:t>#</a:t>
-            </a:r>
-            <a:r>
-              <a:rPr lang="en-US" dirty="0" err="1" smtClean="0">
-                <a:solidFill>
-                  <a:srgbClr val="FFC000"/>
-                </a:solidFill>
-              </a:rPr>
-              <a:t>undef</a:t>
-            </a:r>
-            <a:r>
-              <a:rPr lang="ru-RU" dirty="0" smtClean="0">
-                <a:solidFill>
-                  <a:srgbClr val="FFC000"/>
-                </a:solidFill>
-              </a:rPr>
-              <a:t> </a:t>
-            </a:r>
-            <a:r>
-              <a:rPr lang="ru-RU" i="1" dirty="0" smtClean="0"/>
-              <a:t>макрос</a:t>
-            </a:r>
-            <a:endParaRPr lang="ru-RU" dirty="0" smtClean="0"/>
+              <a:t>Целые числа и символы</a:t>
+            </a:r>
           </a:p>
           <a:p>
             <a:pPr lvl="1"/>
             <a:r>
               <a:rPr lang="ru-RU" dirty="0" smtClean="0"/>
-              <a:t>Удалить определение</a:t>
-            </a:r>
-          </a:p>
-          <a:p>
-            <a:r>
-              <a:rPr lang="ru-RU" dirty="0" smtClean="0">
-                <a:solidFill>
-                  <a:srgbClr val="FFC000"/>
-                </a:solidFill>
-              </a:rPr>
-              <a:t>#if </a:t>
-            </a:r>
-            <a:r>
-              <a:rPr lang="ru-RU" i="1" dirty="0" smtClean="0"/>
-              <a:t>константное выражение</a:t>
-            </a:r>
-            <a:r>
-              <a:rPr lang="ru-RU" dirty="0" smtClean="0"/>
-              <a:t/>
-            </a:r>
-            <a:br>
-              <a:rPr lang="ru-RU" dirty="0" smtClean="0"/>
-            </a:br>
-            <a:r>
-              <a:rPr lang="ru-RU" i="1" dirty="0" smtClean="0"/>
-              <a:t>текст 0</a:t>
-            </a:r>
-            <a:r>
-              <a:rPr lang="ru-RU" dirty="0" smtClean="0"/>
-              <a:t/>
-            </a:r>
-            <a:br>
-              <a:rPr lang="ru-RU" dirty="0" smtClean="0"/>
-            </a:br>
-            <a:r>
-              <a:rPr lang="ru-RU" dirty="0">
-                <a:solidFill>
-                  <a:srgbClr val="FFC000"/>
-                </a:solidFill>
-              </a:rPr>
-              <a:t>#</a:t>
-            </a:r>
-            <a:r>
-              <a:rPr lang="ru-RU" dirty="0" smtClean="0">
-                <a:solidFill>
-                  <a:srgbClr val="FFC000"/>
-                </a:solidFill>
-              </a:rPr>
-              <a:t>el</a:t>
-            </a:r>
-            <a:r>
-              <a:rPr lang="en-US" dirty="0" smtClean="0">
-                <a:solidFill>
-                  <a:srgbClr val="FFC000"/>
-                </a:solidFill>
-              </a:rPr>
-              <a:t>se</a:t>
+              <a:t>Имена макросов без параметров или с параметрами</a:t>
+            </a:r>
+            <a:endParaRPr lang="ru-RU" dirty="0"/>
+          </a:p>
+          <a:p>
+            <a:pPr lvl="2"/>
+            <a:r>
+              <a:rPr lang="ru-RU" dirty="0" smtClean="0"/>
+              <a:t>После макро подстановок должны раскрываться в правильное выражение</a:t>
+            </a:r>
+          </a:p>
+          <a:p>
+            <a:pPr lvl="2"/>
+            <a:r>
+              <a:rPr lang="ru-RU" dirty="0" smtClean="0"/>
+              <a:t>Как задавать определение макросов см. далее</a:t>
+            </a:r>
+            <a:endParaRPr lang="ru-RU" dirty="0"/>
+          </a:p>
+          <a:p>
+            <a:pPr lvl="1"/>
+            <a:r>
+              <a:rPr lang="ru-RU" dirty="0" smtClean="0"/>
+              <a:t>Арифметические</a:t>
             </a:r>
             <a:r>
               <a:rPr lang="ru-RU" dirty="0"/>
-              <a:t/>
-            </a:r>
-            <a:br>
+              <a:t>, побитовые, </a:t>
+            </a:r>
+            <a:r>
+              <a:rPr lang="ru-RU" dirty="0" smtClean="0"/>
+              <a:t>сравнения, логические операторы</a:t>
+            </a:r>
+            <a:endParaRPr lang="ru-RU" dirty="0"/>
+          </a:p>
+          <a:p>
+            <a:pPr lvl="2"/>
+            <a:r>
+              <a:rPr lang="ru-RU" dirty="0" smtClean="0"/>
+              <a:t>Запись, приоритеты, ассоциативность и правила вычисления как </a:t>
+            </a:r>
+            <a:r>
               <a:rPr lang="ru-RU" dirty="0"/>
-            </a:br>
-            <a:r>
-              <a:rPr lang="ru-RU" i="1" dirty="0" smtClean="0"/>
-              <a:t>текст 1</a:t>
-            </a:r>
-            <a:r>
-              <a:rPr lang="ru-RU" dirty="0"/>
-              <a:t/>
-            </a:r>
-            <a:br>
-              <a:rPr lang="ru-RU" dirty="0"/>
-            </a:br>
-            <a:r>
-              <a:rPr lang="ru-RU" dirty="0" smtClean="0">
-                <a:solidFill>
-                  <a:srgbClr val="FFC000"/>
-                </a:solidFill>
-              </a:rPr>
-              <a:t>#endif</a:t>
-            </a:r>
+              <a:t>в языке </a:t>
+            </a:r>
+            <a:r>
+              <a:rPr lang="ru-RU" dirty="0" smtClean="0"/>
+              <a:t>Си </a:t>
+            </a:r>
+            <a:endParaRPr lang="ru-RU" dirty="0"/>
           </a:p>
           <a:p>
             <a:pPr lvl="1"/>
             <a:r>
               <a:rPr lang="ru-RU" dirty="0" smtClean="0"/>
-              <a:t>Добавить во входной </a:t>
-            </a:r>
-            <a:r>
-              <a:rPr lang="ru-RU" dirty="0"/>
-              <a:t>поток байтов </a:t>
-            </a:r>
-            <a:r>
-              <a:rPr lang="ru-RU" dirty="0" smtClean="0"/>
-              <a:t>текст 0, если выражение истинно, или текст 1, если выражение ложно</a:t>
-            </a:r>
-          </a:p>
-          <a:p>
-            <a:r>
-              <a:rPr lang="en-US" dirty="0" smtClean="0">
-                <a:solidFill>
-                  <a:srgbClr val="FFC000"/>
-                </a:solidFill>
-              </a:rPr>
-              <a:t>#error</a:t>
-            </a:r>
-            <a:r>
-              <a:rPr lang="ru-RU" dirty="0" smtClean="0"/>
-              <a:t> сообщение</a:t>
-            </a:r>
-          </a:p>
-          <a:p>
-            <a:pPr lvl="1"/>
-            <a:r>
-              <a:rPr lang="ru-RU" dirty="0" smtClean="0"/>
-              <a:t>Завершить компиляцию с сообщением</a:t>
-            </a:r>
-          </a:p>
-          <a:p>
-            <a:pPr lvl="1"/>
+              <a:t>Унарный оператор </a:t>
+            </a:r>
+            <a:r>
+              <a:rPr lang="ru-RU" dirty="0" err="1" smtClean="0"/>
+              <a:t>defined</a:t>
+            </a:r>
+            <a:r>
+              <a:rPr lang="ru-RU" dirty="0" smtClean="0"/>
+              <a:t> макрос</a:t>
+            </a:r>
+          </a:p>
+          <a:p>
+            <a:pPr lvl="2"/>
+            <a:r>
+              <a:rPr lang="ru-RU" dirty="0" smtClean="0"/>
+              <a:t>0, если определение макроса не задано; 1 иначе</a:t>
+            </a:r>
+            <a:endParaRPr lang="ru-RU" dirty="0"/>
+          </a:p>
+          <a:p>
             <a:endParaRPr lang="ru-RU" dirty="0"/>
           </a:p>
           <a:p>
@@ -4622,7 +5239,7 @@
     </p:spTree>
     <p:extLst>
       <p:ext uri="{BB962C8B-B14F-4D97-AF65-F5344CB8AC3E}">
-        <p14:creationId xmlns:p14="http://schemas.microsoft.com/office/powerpoint/2010/main" val="772217174"/>
+        <p14:creationId xmlns:p14="http://schemas.microsoft.com/office/powerpoint/2010/main" val="1935091221"/>
       </p:ext>
     </p:extLst>
   </p:cSld>
@@ -4673,7 +5290,7 @@
           <a:p>
             <a:r>
               <a:rPr lang="ru-RU" dirty="0" smtClean="0"/>
-              <a:t>Обработка директив</a:t>
+              <a:t>Макросы и таблица макросов</a:t>
             </a:r>
             <a:endParaRPr lang="ru-RU" dirty="0"/>
           </a:p>
@@ -4686,272 +5303,216 @@
             <a:spLocks noGrp="1"/>
           </p:cNvSpPr>
           <p:nvPr>
-            <p:ph idx="1"/>
+            <p:ph sz="half" idx="1"/>
           </p:nvPr>
         </p:nvSpPr>
         <p:spPr/>
         <p:txBody>
           <a:bodyPr>
-            <a:normAutofit fontScale="92500"/>
+            <a:normAutofit fontScale="92500" lnSpcReduction="20000"/>
           </a:bodyPr>
           <a:lstStyle/>
           <a:p>
             <a:r>
-              <a:rPr lang="en-US" dirty="0" smtClean="0">
-                <a:solidFill>
-                  <a:srgbClr val="FFC000"/>
-                </a:solidFill>
-              </a:rPr>
-              <a:t>#include &lt;</a:t>
-            </a:r>
-            <a:r>
-              <a:rPr lang="ru-RU" dirty="0" smtClean="0"/>
-              <a:t> </a:t>
-            </a:r>
-            <a:r>
-              <a:rPr lang="ru-RU" i="1" dirty="0" smtClean="0"/>
-              <a:t>байты</a:t>
-            </a:r>
-            <a:r>
-              <a:rPr lang="ru-RU" dirty="0" smtClean="0"/>
-              <a:t> </a:t>
-            </a:r>
-            <a:r>
-              <a:rPr lang="en-US" dirty="0" smtClean="0">
-                <a:solidFill>
-                  <a:srgbClr val="FFC000"/>
-                </a:solidFill>
-              </a:rPr>
-              <a:t>&gt;</a:t>
-            </a:r>
-            <a:endParaRPr lang="ru-RU" dirty="0" smtClean="0">
-              <a:solidFill>
-                <a:srgbClr val="FFC000"/>
-              </a:solidFill>
-            </a:endParaRPr>
-          </a:p>
-          <a:p>
-            <a:r>
-              <a:rPr lang="en-US" dirty="0" smtClean="0">
-                <a:solidFill>
-                  <a:srgbClr val="FFC000"/>
-                </a:solidFill>
-              </a:rPr>
+              <a:rPr lang="ru-RU" dirty="0" smtClean="0"/>
               <a:t>#</a:t>
             </a:r>
             <a:r>
-              <a:rPr lang="en-US" dirty="0">
-                <a:solidFill>
-                  <a:srgbClr val="FFC000"/>
-                </a:solidFill>
-              </a:rPr>
-              <a:t>include </a:t>
-            </a:r>
-            <a:r>
-              <a:rPr lang="ru-RU" dirty="0" smtClean="0">
-                <a:solidFill>
-                  <a:srgbClr val="FFC000"/>
-                </a:solidFill>
-              </a:rPr>
-              <a:t>"</a:t>
-            </a:r>
-            <a:r>
-              <a:rPr lang="ru-RU" dirty="0" smtClean="0"/>
-              <a:t> </a:t>
-            </a:r>
-            <a:r>
-              <a:rPr lang="ru-RU" i="1" dirty="0"/>
-              <a:t>байты</a:t>
+              <a:rPr lang="ru-RU" dirty="0" err="1" smtClean="0"/>
+              <a:t>define</a:t>
+            </a:r>
+            <a:r>
+              <a:rPr lang="ru-RU" dirty="0"/>
+              <a:t> макрос </a:t>
+            </a:r>
+            <a:r>
+              <a:rPr lang="ru-RU" dirty="0" smtClean="0"/>
+              <a:t>правая-часть</a:t>
+            </a:r>
+          </a:p>
+          <a:p>
+            <a:endParaRPr lang="ru-RU" dirty="0" smtClean="0"/>
+          </a:p>
+          <a:p>
+            <a:r>
+              <a:rPr lang="ru-RU" dirty="0" smtClean="0"/>
+              <a:t>#</a:t>
+            </a:r>
+            <a:r>
+              <a:rPr lang="ru-RU" dirty="0" err="1"/>
+              <a:t>define</a:t>
             </a:r>
             <a:r>
               <a:rPr lang="ru-RU" dirty="0"/>
               <a:t> </a:t>
             </a:r>
             <a:r>
-              <a:rPr lang="ru-RU" dirty="0" smtClean="0">
-                <a:solidFill>
-                  <a:srgbClr val="FFC000"/>
-                </a:solidFill>
-              </a:rPr>
-              <a:t>"</a:t>
-            </a:r>
-            <a:endParaRPr lang="ru-RU" dirty="0">
-              <a:solidFill>
-                <a:srgbClr val="FFC000"/>
-              </a:solidFill>
-            </a:endParaRPr>
+              <a:rPr lang="ru-RU" dirty="0" smtClean="0"/>
+              <a:t>макрос(парам1, …, парам</a:t>
+            </a:r>
+            <a:r>
+              <a:rPr lang="en-US" dirty="0" smtClean="0"/>
+              <a:t>N</a:t>
+            </a:r>
+            <a:r>
+              <a:rPr lang="ru-RU" dirty="0" smtClean="0"/>
+              <a:t>) правая-часть</a:t>
+            </a:r>
+            <a:endParaRPr lang="en-US" dirty="0" smtClean="0"/>
           </a:p>
           <a:p>
             <a:pPr lvl="1"/>
             <a:r>
               <a:rPr lang="ru-RU" dirty="0" smtClean="0"/>
-              <a:t>Заменить </a:t>
-            </a:r>
+              <a:t>Начиная с С99 есть макросы с переменным числом параметров</a:t>
+            </a:r>
+          </a:p>
+          <a:p>
+            <a:endParaRPr lang="ru-RU" dirty="0" smtClean="0"/>
+          </a:p>
+          <a:p>
+            <a:endParaRPr lang="en-US" dirty="0" smtClean="0"/>
+          </a:p>
+          <a:p>
+            <a:endParaRPr lang="en-US" dirty="0"/>
+          </a:p>
+          <a:p>
+            <a:endParaRPr lang="en-US" dirty="0" smtClean="0"/>
+          </a:p>
+          <a:p>
             <a:r>
               <a:rPr lang="en-US" dirty="0" smtClean="0"/>
-              <a:t>#include </a:t>
-            </a:r>
-            <a:r>
-              <a:rPr lang="ru-RU" dirty="0" smtClean="0"/>
-              <a:t>на текст из файла с таким именем</a:t>
+              <a:t>#</a:t>
+            </a:r>
+            <a:r>
+              <a:rPr lang="en-US" dirty="0" err="1" smtClean="0"/>
+              <a:t>undef</a:t>
+            </a:r>
+            <a:r>
+              <a:rPr lang="ru-RU" dirty="0" smtClean="0"/>
+              <a:t> макрос</a:t>
+            </a:r>
+          </a:p>
+        </p:txBody>
+      </p:sp>
+      <p:sp>
+        <p:nvSpPr>
+          <p:cNvPr id="4" name="Объект 3"/>
+          <p:cNvSpPr>
+            <a:spLocks noGrp="1"/>
+          </p:cNvSpPr>
+          <p:nvPr>
+            <p:ph sz="half" idx="2"/>
+          </p:nvPr>
+        </p:nvSpPr>
+        <p:spPr/>
+        <p:txBody>
+          <a:bodyPr>
+            <a:normAutofit fontScale="92500" lnSpcReduction="20000"/>
+          </a:bodyPr>
+          <a:lstStyle/>
+          <a:p>
+            <a:r>
+              <a:rPr lang="ru-RU" dirty="0"/>
+              <a:t>Добавить в таблицу макросов для </a:t>
+            </a:r>
+            <a:r>
+              <a:rPr lang="ru-RU" dirty="0" smtClean="0"/>
+              <a:t>макрос </a:t>
+            </a:r>
+            <a:r>
+              <a:rPr lang="ru-RU" dirty="0"/>
+              <a:t>список </a:t>
+            </a:r>
+            <a:r>
+              <a:rPr lang="ru-RU" dirty="0" smtClean="0"/>
+              <a:t>имен параметров (возможно, пустой) и правую-часть (возможно, пустую)</a:t>
+            </a:r>
+          </a:p>
+          <a:p>
+            <a:r>
+              <a:rPr lang="ru-RU" dirty="0" smtClean="0"/>
+              <a:t>Если </a:t>
+            </a:r>
+            <a:r>
+              <a:rPr lang="en-US" dirty="0" smtClean="0"/>
+              <a:t>A </a:t>
+            </a:r>
+            <a:r>
+              <a:rPr lang="ru-RU" dirty="0" smtClean="0"/>
+              <a:t>и </a:t>
+            </a:r>
+            <a:r>
+              <a:rPr lang="en-US" dirty="0" smtClean="0"/>
+              <a:t>B – </a:t>
+            </a:r>
+            <a:r>
+              <a:rPr lang="ru-RU" dirty="0" smtClean="0"/>
+              <a:t>параметры макроса, то в правой-части:</a:t>
             </a:r>
           </a:p>
           <a:p>
             <a:pPr lvl="1"/>
             <a:r>
-              <a:rPr lang="ru-RU" dirty="0" smtClean="0"/>
-              <a:t>Две формы отличаются набором директорий, в которых препроцессор ищет файл -- для </a:t>
-            </a:r>
-            <a:r>
               <a:rPr lang="en-US" dirty="0" smtClean="0"/>
-              <a:t>&lt;</a:t>
-            </a:r>
-            <a:r>
-              <a:rPr lang="ru-RU" dirty="0" smtClean="0"/>
-              <a:t> </a:t>
+              <a:t>A </a:t>
+            </a:r>
+            <a:r>
+              <a:rPr lang="en-US" dirty="0"/>
+              <a:t>## B </a:t>
+            </a:r>
+            <a:r>
+              <a:rPr lang="ru-RU" dirty="0" smtClean="0"/>
+              <a:t>обозначает конкатенацию фактических значений </a:t>
             </a:r>
             <a:r>
               <a:rPr lang="en-US" dirty="0" smtClean="0"/>
-              <a:t>&gt; </a:t>
-            </a:r>
-            <a:r>
-              <a:rPr lang="ru-RU" dirty="0" smtClean="0"/>
-              <a:t>дополнительно просматриваются директории с файлами заголовков, поставляемых вместе с ОС</a:t>
-            </a:r>
-          </a:p>
-          <a:p>
-            <a:r>
-              <a:rPr lang="en-US" dirty="0">
-                <a:solidFill>
-                  <a:srgbClr val="FFC000"/>
-                </a:solidFill>
-              </a:rPr>
-              <a:t>#</a:t>
-            </a:r>
-            <a:r>
-              <a:rPr lang="en-US" dirty="0" smtClean="0">
-                <a:solidFill>
-                  <a:srgbClr val="FFC000"/>
-                </a:solidFill>
-              </a:rPr>
-              <a:t>include</a:t>
-            </a:r>
-            <a:r>
-              <a:rPr lang="ru-RU" dirty="0" smtClean="0">
-                <a:solidFill>
-                  <a:srgbClr val="FFC000"/>
-                </a:solidFill>
-              </a:rPr>
-              <a:t> </a:t>
-            </a:r>
-            <a:r>
-              <a:rPr lang="ru-RU" i="1" dirty="0" smtClean="0"/>
-              <a:t>последоват</a:t>
-            </a:r>
-            <a:r>
-              <a:rPr lang="ru-RU" i="1" dirty="0"/>
-              <a:t>е</a:t>
-            </a:r>
-            <a:r>
-              <a:rPr lang="ru-RU" i="1" dirty="0" smtClean="0"/>
-              <a:t>льность лексем</a:t>
-            </a:r>
+              <a:t>A </a:t>
+            </a:r>
+            <a:r>
+              <a:rPr lang="ru-RU" dirty="0" smtClean="0"/>
+              <a:t>и </a:t>
+            </a:r>
+            <a:r>
+              <a:rPr lang="en-US" dirty="0" smtClean="0"/>
+              <a:t>B</a:t>
+            </a:r>
+            <a:endParaRPr lang="ru-RU" dirty="0" smtClean="0"/>
           </a:p>
           <a:p>
             <a:pPr lvl="1"/>
             <a:r>
-              <a:rPr lang="ru-RU" dirty="0" smtClean="0"/>
-              <a:t>Последовательность лексем должна раскрываться либо в </a:t>
-            </a:r>
-            <a:r>
-              <a:rPr lang="en-US" dirty="0">
-                <a:solidFill>
-                  <a:srgbClr val="FFC000"/>
-                </a:solidFill>
-              </a:rPr>
-              <a:t>&lt;</a:t>
-            </a:r>
-            <a:r>
-              <a:rPr lang="ru-RU" dirty="0"/>
-              <a:t> </a:t>
-            </a:r>
-            <a:r>
-              <a:rPr lang="ru-RU" i="1" dirty="0"/>
-              <a:t>байты</a:t>
-            </a:r>
-            <a:r>
-              <a:rPr lang="ru-RU" dirty="0"/>
-              <a:t> </a:t>
-            </a:r>
-            <a:r>
-              <a:rPr lang="en-US" dirty="0" smtClean="0">
-                <a:solidFill>
-                  <a:srgbClr val="FFC000"/>
-                </a:solidFill>
-              </a:rPr>
-              <a:t>&gt;</a:t>
-            </a:r>
-            <a:r>
-              <a:rPr lang="ru-RU" dirty="0" smtClean="0"/>
-              <a:t>,</a:t>
-            </a:r>
-            <a:r>
-              <a:rPr lang="ru-RU" dirty="0" smtClean="0">
-                <a:solidFill>
-                  <a:srgbClr val="FFC000"/>
-                </a:solidFill>
-              </a:rPr>
-              <a:t> </a:t>
-            </a:r>
-            <a:r>
-              <a:rPr lang="ru-RU" dirty="0" smtClean="0"/>
-              <a:t>либо в </a:t>
-            </a:r>
-            <a:r>
-              <a:rPr lang="ru-RU" dirty="0">
-                <a:solidFill>
-                  <a:srgbClr val="FFC000"/>
-                </a:solidFill>
-              </a:rPr>
-              <a:t>"</a:t>
-            </a:r>
-            <a:r>
-              <a:rPr lang="ru-RU" dirty="0"/>
-              <a:t> </a:t>
-            </a:r>
-            <a:r>
-              <a:rPr lang="ru-RU" i="1" dirty="0"/>
-              <a:t>байты</a:t>
-            </a:r>
-            <a:r>
-              <a:rPr lang="ru-RU" dirty="0"/>
-              <a:t> </a:t>
-            </a:r>
-            <a:r>
-              <a:rPr lang="ru-RU" dirty="0">
-                <a:solidFill>
-                  <a:srgbClr val="FFC000"/>
-                </a:solidFill>
-              </a:rPr>
-              <a:t>"</a:t>
-            </a:r>
-            <a:endParaRPr lang="ru-RU" dirty="0"/>
-          </a:p>
-          <a:p>
+              <a:rPr lang="en-US" dirty="0" smtClean="0"/>
+              <a:t>#A </a:t>
+            </a:r>
+            <a:r>
+              <a:rPr lang="ru-RU" dirty="0" smtClean="0"/>
+              <a:t>обозначает строковый литерал, равный фактическому значению </a:t>
+            </a:r>
+            <a:r>
+              <a:rPr lang="en-US" dirty="0" smtClean="0"/>
+              <a:t>A</a:t>
+            </a:r>
             <a:endParaRPr lang="ru-RU" dirty="0" smtClean="0"/>
           </a:p>
           <a:p>
-            <a:endParaRPr lang="ru-RU" dirty="0"/>
-          </a:p>
-          <a:p>
-            <a:endParaRPr lang="ru-RU" dirty="0"/>
+            <a:endParaRPr lang="ru-RU" dirty="0" smtClean="0"/>
+          </a:p>
+          <a:p>
+            <a:r>
+              <a:rPr lang="ru-RU" dirty="0" smtClean="0"/>
+              <a:t>Удалить из таблицы макросов запись про макрос </a:t>
+            </a:r>
+          </a:p>
+          <a:p>
+            <a:endParaRPr lang="en-US" dirty="0"/>
           </a:p>
         </p:txBody>
       </p:sp>
     </p:spTree>
     <p:extLst>
       <p:ext uri="{BB962C8B-B14F-4D97-AF65-F5344CB8AC3E}">
-        <p14:creationId xmlns:p14="http://schemas.microsoft.com/office/powerpoint/2010/main" val="225037381"/>
+        <p14:creationId xmlns:p14="http://schemas.microsoft.com/office/powerpoint/2010/main" val="772217174"/>
       </p:ext>
     </p:extLst>
   </p:cSld>
@@ -4987,7 +5548,7 @@
       </p:grpSpPr>
       <p:sp>
         <p:nvSpPr>
-          <p:cNvPr id="2" name="Title 1"/>
+          <p:cNvPr id="2" name="Заголовок 1"/>
           <p:cNvSpPr>
             <a:spLocks noGrp="1"/>
           </p:cNvSpPr>
@@ -5002,7 +5563,7 @@
           <a:p>
             <a:r>
               <a:rPr lang="ru-RU" dirty="0" smtClean="0"/>
-              <a:t>Макросы с параметрами</a:t>
+              <a:t>Служебные макросы</a:t>
             </a:r>
             <a:endParaRPr lang="ru-RU" dirty="0"/>
           </a:p>
@@ -5010,7 +5571,7 @@
       </p:sp>
       <p:sp>
         <p:nvSpPr>
-          <p:cNvPr id="3" name="Content Placeholder 2"/>
+          <p:cNvPr id="3" name="Объект 2"/>
           <p:cNvSpPr>
             <a:spLocks noGrp="1"/>
           </p:cNvSpPr>
@@ -5020,237 +5581,86 @@
         </p:nvSpPr>
         <p:spPr/>
         <p:txBody>
-          <a:bodyPr>
-            <a:normAutofit/>
-          </a:bodyPr>
+          <a:bodyPr/>
           <a:lstStyle/>
           <a:p>
             <a:r>
               <a:rPr lang="en-US" dirty="0" smtClean="0"/>
-              <a:t>#</a:t>
-            </a:r>
-            <a:r>
-              <a:rPr lang="en-US" dirty="0"/>
-              <a:t>define</a:t>
+              <a:t>__LINE__</a:t>
+            </a:r>
+          </a:p>
+          <a:p>
+            <a:pPr lvl="1"/>
+            <a:r>
+              <a:rPr lang="ru-RU" dirty="0" smtClean="0"/>
+              <a:t>Номер текущей строки (целое)</a:t>
+            </a:r>
+            <a:endParaRPr lang="en-US" dirty="0" smtClean="0"/>
+          </a:p>
+          <a:p>
+            <a:r>
+              <a:rPr lang="en-US" dirty="0" smtClean="0"/>
+              <a:t>__FILE__</a:t>
+            </a:r>
+            <a:endParaRPr lang="ru-RU" dirty="0" smtClean="0"/>
+          </a:p>
+          <a:p>
+            <a:pPr lvl="1"/>
+            <a:r>
+              <a:rPr lang="ru-RU" dirty="0" smtClean="0"/>
+              <a:t>Имя текущего файла (строковый литерал)</a:t>
+            </a:r>
+            <a:endParaRPr lang="en-US" dirty="0" smtClean="0"/>
+          </a:p>
+          <a:p>
+            <a:r>
+              <a:rPr lang="en-US" dirty="0" smtClean="0"/>
+              <a:t>__TIME__</a:t>
+            </a:r>
+            <a:endParaRPr lang="ru-RU" dirty="0" smtClean="0"/>
+          </a:p>
+          <a:p>
+            <a:pPr lvl="1"/>
+            <a:r>
+              <a:rPr lang="ru-RU" dirty="0" smtClean="0"/>
+              <a:t>Время </a:t>
             </a:r>
             <a:r>
               <a:rPr lang="ru-RU" dirty="0"/>
-              <a:t> </a:t>
-            </a:r>
-            <a:r>
-              <a:rPr lang="en-US" dirty="0"/>
-              <a:t>M</a:t>
+              <a:t> (строковый литерал)</a:t>
+            </a:r>
+            <a:endParaRPr lang="en-US" dirty="0" smtClean="0"/>
+          </a:p>
+          <a:p>
+            <a:r>
+              <a:rPr lang="en-US" dirty="0" smtClean="0"/>
+              <a:t>__FUNCTION__</a:t>
+            </a:r>
+            <a:endParaRPr lang="ru-RU" dirty="0" smtClean="0"/>
+          </a:p>
+          <a:p>
+            <a:pPr lvl="1"/>
+            <a:r>
+              <a:rPr lang="ru-RU" dirty="0" smtClean="0"/>
+              <a:t>Имя текущей функции</a:t>
             </a:r>
             <a:r>
               <a:rPr lang="ru-RU" dirty="0"/>
-              <a:t>(</a:t>
-            </a:r>
-            <a:r>
-              <a:rPr lang="en-US" dirty="0" err="1"/>
-              <a:t>a,b</a:t>
-            </a:r>
-            <a:r>
-              <a:rPr lang="en-US" dirty="0"/>
-              <a:t>,…</a:t>
-            </a:r>
-            <a:r>
-              <a:rPr lang="ru-RU" dirty="0"/>
-              <a:t>)</a:t>
-            </a:r>
-            <a:r>
-              <a:rPr lang="en-US" dirty="0"/>
-              <a:t> </a:t>
-            </a:r>
-            <a:r>
-              <a:rPr lang="en-US" dirty="0" err="1"/>
-              <a:t>nextM</a:t>
-            </a:r>
-            <a:endParaRPr lang="ru-RU" dirty="0"/>
-          </a:p>
-          <a:p>
-            <a:pPr lvl="1"/>
-            <a:r>
-              <a:rPr lang="ru-RU" dirty="0"/>
-              <a:t>Добавить в таблицу макросов</a:t>
-            </a:r>
-            <a:r>
-              <a:rPr lang="en-US" dirty="0"/>
-              <a:t> </a:t>
-            </a:r>
-            <a:r>
-              <a:rPr lang="ru-RU" dirty="0"/>
-              <a:t>замену </a:t>
-            </a:r>
-            <a:r>
-              <a:rPr lang="en-US" dirty="0" smtClean="0"/>
-              <a:t>M(</a:t>
-            </a:r>
-            <a:r>
-              <a:rPr lang="en-US" dirty="0" err="1" smtClean="0"/>
-              <a:t>a,b</a:t>
-            </a:r>
-            <a:r>
-              <a:rPr lang="en-US" dirty="0" smtClean="0"/>
-              <a:t>,…) </a:t>
-            </a:r>
-            <a:r>
-              <a:rPr lang="en-US" dirty="0"/>
-              <a:t>-&gt; </a:t>
-            </a:r>
-            <a:r>
-              <a:rPr lang="en-US" dirty="0" err="1"/>
-              <a:t>nextM</a:t>
-            </a:r>
-            <a:endParaRPr lang="en-US" dirty="0"/>
-          </a:p>
-          <a:p>
-            <a:pPr lvl="1"/>
-            <a:r>
-              <a:rPr lang="ru-RU" dirty="0" smtClean="0"/>
-              <a:t>Если раскрываем </a:t>
-            </a:r>
-            <a:r>
-              <a:rPr lang="en-US" dirty="0" smtClean="0"/>
-              <a:t>M(A,B,…)</a:t>
-            </a:r>
-            <a:r>
-              <a:rPr lang="ru-RU" dirty="0" smtClean="0"/>
-              <a:t>,</a:t>
-            </a:r>
-            <a:r>
-              <a:rPr lang="en-US" dirty="0" smtClean="0"/>
-              <a:t> </a:t>
-            </a:r>
-            <a:r>
-              <a:rPr lang="ru-RU" dirty="0" smtClean="0"/>
-              <a:t>то </a:t>
-            </a:r>
-            <a:r>
-              <a:rPr lang="en-US" dirty="0" smtClean="0"/>
-              <a:t>a</a:t>
-            </a:r>
-            <a:r>
-              <a:rPr lang="en-US" dirty="0"/>
-              <a:t>, b, </a:t>
-            </a:r>
-            <a:r>
-              <a:rPr lang="ru-RU" dirty="0"/>
-              <a:t>и т.д. в  </a:t>
-            </a:r>
-            <a:r>
-              <a:rPr lang="en-US" dirty="0" err="1"/>
-              <a:t>nextM</a:t>
-            </a:r>
-            <a:r>
-              <a:rPr lang="en-US" dirty="0"/>
-              <a:t> </a:t>
-            </a:r>
-            <a:r>
-              <a:rPr lang="ru-RU" dirty="0"/>
-              <a:t>будет заменено на </a:t>
-            </a:r>
-            <a:r>
-              <a:rPr lang="en-US" dirty="0"/>
-              <a:t>A, </a:t>
-            </a:r>
-            <a:r>
-              <a:rPr lang="ru-RU" dirty="0"/>
-              <a:t>В</a:t>
-            </a:r>
-            <a:r>
-              <a:rPr lang="en-US" dirty="0"/>
-              <a:t>, </a:t>
-            </a:r>
-            <a:r>
-              <a:rPr lang="ru-RU" dirty="0"/>
-              <a:t>и т.д</a:t>
-            </a:r>
-            <a:r>
-              <a:rPr lang="ru-RU" dirty="0" smtClean="0"/>
-              <a:t>.</a:t>
-            </a:r>
-            <a:endParaRPr lang="en-US" dirty="0" smtClean="0"/>
-          </a:p>
-          <a:p>
-            <a:pPr lvl="1"/>
-            <a:r>
-              <a:rPr lang="en-US" dirty="0" smtClean="0"/>
-              <a:t>a##b </a:t>
-            </a:r>
-            <a:r>
-              <a:rPr lang="ru-RU" dirty="0" smtClean="0"/>
-              <a:t>– объединить </a:t>
-            </a:r>
-            <a:r>
-              <a:rPr lang="en-US" dirty="0" smtClean="0"/>
-              <a:t>a</a:t>
-            </a:r>
-            <a:r>
-              <a:rPr lang="ru-RU" dirty="0" smtClean="0"/>
-              <a:t> и </a:t>
-            </a:r>
-            <a:r>
-              <a:rPr lang="en-US" dirty="0" smtClean="0"/>
-              <a:t>b</a:t>
-            </a:r>
-            <a:r>
-              <a:rPr lang="ru-RU" dirty="0" smtClean="0"/>
-              <a:t> в одну лексему</a:t>
-            </a:r>
-          </a:p>
-          <a:p>
-            <a:pPr lvl="1"/>
-            <a:r>
-              <a:rPr lang="en-US" dirty="0" smtClean="0"/>
-              <a:t>#a – </a:t>
-            </a:r>
-            <a:r>
-              <a:rPr lang="ru-RU" dirty="0" smtClean="0"/>
-              <a:t>строковая константа, значением которой является </a:t>
-            </a:r>
-            <a:r>
-              <a:rPr lang="en-US" dirty="0"/>
-              <a:t>a</a:t>
-            </a:r>
-          </a:p>
-          <a:p>
-            <a:pPr lvl="1"/>
-            <a:r>
-              <a:rPr lang="en-US" dirty="0"/>
-              <a:t>#define max(</a:t>
-            </a:r>
-            <a:r>
-              <a:rPr lang="en-US" dirty="0" err="1"/>
-              <a:t>x,y</a:t>
-            </a:r>
-            <a:r>
-              <a:rPr lang="en-US" dirty="0"/>
-              <a:t>) ((x)&lt;(y)?(x):(y))</a:t>
-            </a:r>
-            <a:endParaRPr lang="ru-RU" dirty="0"/>
-          </a:p>
-          <a:p>
-            <a:endParaRPr lang="ru-RU" dirty="0"/>
+              <a:t> (строковый литерал)</a:t>
+            </a:r>
           </a:p>
         </p:txBody>
       </p:sp>
     </p:spTree>
     <p:extLst>
       <p:ext uri="{BB962C8B-B14F-4D97-AF65-F5344CB8AC3E}">
-        <p14:creationId xmlns:p14="http://schemas.microsoft.com/office/powerpoint/2010/main" val="2312605697"/>
+        <p14:creationId xmlns:p14="http://schemas.microsoft.com/office/powerpoint/2010/main" val="2268033636"/>
       </p:ext>
     </p:extLst>
   </p:cSld>
   <p:clrMapOvr>
     <a:masterClrMapping/>
   </p:clrMapOvr>
-  <p:timing>
-    <p:tnLst>
-      <p:par>
-        <p:cTn id="1" dur="indefinite" restart="never" nodeType="tmRoot"/>
-      </p:par>
-    </p:tnLst>
-  </p:timing>
 </p:sld>
 </file>
 
@@ -5273,7 +5683,7 @@
       </p:grpSpPr>
       <p:sp>
         <p:nvSpPr>
-          <p:cNvPr id="2" name="Title 1"/>
+          <p:cNvPr id="5" name="Заголовок 4"/>
           <p:cNvSpPr>
             <a:spLocks noGrp="1"/>
           </p:cNvSpPr>
@@ -5288,7 +5698,7 @@
           <a:p>
             <a:r>
               <a:rPr lang="ru-RU" dirty="0" smtClean="0"/>
-              <a:t>Заключение</a:t>
+              <a:t>Примеры определений макросов</a:t>
             </a:r>
             <a:endParaRPr lang="ru-RU" dirty="0"/>
           </a:p>
@@ -5296,7 +5706,7 @@
       </p:sp>
       <p:sp>
         <p:nvSpPr>
-          <p:cNvPr id="3" name="Content Placeholder 2"/>
+          <p:cNvPr id="3" name="Объект 2"/>
           <p:cNvSpPr>
             <a:spLocks noGrp="1"/>
           </p:cNvSpPr>
@@ -5307,45 +5717,583 @@
         <p:spPr/>
         <p:txBody>
           <a:bodyPr>
-            <a:normAutofit/>
+            <a:normAutofit fontScale="70000" lnSpcReduction="20000"/>
           </a:bodyPr>
           <a:lstStyle/>
           <a:p>
-            <a:r>
-              <a:rPr lang="ru-RU" dirty="0" smtClean="0"/>
-              <a:t>Препроцессор как часть компилятора</a:t>
-            </a:r>
-          </a:p>
-          <a:p>
-            <a:r>
-              <a:rPr lang="ru-RU" dirty="0" smtClean="0"/>
-              <a:t>Этапы работы и внутреннее устройтсво препроцессора</a:t>
-            </a:r>
-          </a:p>
-          <a:p>
-            <a:r>
-              <a:rPr lang="ru-RU" dirty="0" smtClean="0"/>
-              <a:t>Язык препроцессора языка Си</a:t>
-            </a:r>
-          </a:p>
-          <a:p>
-            <a:r>
-              <a:rPr lang="ru-RU" dirty="0"/>
-              <a:t>Алгоритм работы препроцессора языка Си</a:t>
-            </a:r>
-          </a:p>
-          <a:p>
-            <a:r>
-              <a:rPr lang="ru-RU" dirty="0" smtClean="0"/>
-              <a:t>Примеры</a:t>
-            </a:r>
+            <a:pPr marL="0" indent="0">
+              <a:buNone/>
+            </a:pPr>
+            <a:r>
+              <a:rPr lang="en-US" dirty="0">
+                <a:solidFill>
+                  <a:srgbClr val="808080"/>
+                </a:solidFill>
+                <a:latin typeface="Consolas" panose="020B0609020204030204" pitchFamily="49" charset="0"/>
+              </a:rPr>
+              <a:t>#define</a:t>
+            </a:r>
+            <a:r>
+              <a:rPr lang="en-US" dirty="0">
+                <a:solidFill>
+                  <a:srgbClr val="000000"/>
+                </a:solidFill>
+                <a:latin typeface="Consolas" panose="020B0609020204030204" pitchFamily="49" charset="0"/>
+              </a:rPr>
+              <a:t> </a:t>
+            </a:r>
+            <a:r>
+              <a:rPr lang="en-US" dirty="0">
+                <a:solidFill>
+                  <a:srgbClr val="6F008A"/>
+                </a:solidFill>
+                <a:latin typeface="Consolas" panose="020B0609020204030204" pitchFamily="49" charset="0"/>
+              </a:rPr>
+              <a:t>MAX_SIZE_OF_ARRAY</a:t>
+            </a:r>
+            <a:r>
+              <a:rPr lang="en-US" dirty="0">
+                <a:solidFill>
+                  <a:srgbClr val="000000"/>
+                </a:solidFill>
+                <a:latin typeface="Consolas" panose="020B0609020204030204" pitchFamily="49" charset="0"/>
+              </a:rPr>
+              <a:t> (1000 * 1000)</a:t>
+            </a:r>
+          </a:p>
+          <a:p>
+            <a:pPr marL="0" indent="0">
+              <a:buNone/>
+            </a:pPr>
+            <a:endParaRPr lang="en-US" dirty="0" smtClean="0">
+              <a:solidFill>
+                <a:srgbClr val="808080"/>
+              </a:solidFill>
+              <a:latin typeface="Consolas" panose="020B0609020204030204" pitchFamily="49" charset="0"/>
+            </a:endParaRPr>
+          </a:p>
+          <a:p>
+            <a:pPr marL="0" indent="0">
+              <a:buNone/>
+            </a:pPr>
+            <a:endParaRPr lang="en-US" dirty="0" smtClean="0">
+              <a:solidFill>
+                <a:srgbClr val="808080"/>
+              </a:solidFill>
+              <a:latin typeface="Consolas" panose="020B0609020204030204" pitchFamily="49" charset="0"/>
+            </a:endParaRPr>
+          </a:p>
+          <a:p>
+            <a:pPr marL="0" indent="0">
+              <a:buNone/>
+            </a:pPr>
+            <a:r>
+              <a:rPr lang="en-US" dirty="0" smtClean="0">
+                <a:solidFill>
+                  <a:srgbClr val="808080"/>
+                </a:solidFill>
+                <a:latin typeface="Consolas" panose="020B0609020204030204" pitchFamily="49" charset="0"/>
+              </a:rPr>
+              <a:t>#define</a:t>
+            </a:r>
+            <a:r>
+              <a:rPr lang="en-US" dirty="0" smtClean="0">
+                <a:solidFill>
+                  <a:srgbClr val="000000"/>
+                </a:solidFill>
+                <a:latin typeface="Consolas" panose="020B0609020204030204" pitchFamily="49" charset="0"/>
+              </a:rPr>
+              <a:t> </a:t>
+            </a:r>
+            <a:r>
+              <a:rPr lang="en-US" dirty="0" smtClean="0">
+                <a:solidFill>
+                  <a:srgbClr val="6F008A"/>
+                </a:solidFill>
+                <a:latin typeface="Consolas" panose="020B0609020204030204" pitchFamily="49" charset="0"/>
+              </a:rPr>
+              <a:t>MAX</a:t>
+            </a:r>
+            <a:r>
+              <a:rPr lang="en-US" dirty="0" smtClean="0">
+                <a:solidFill>
+                  <a:srgbClr val="000000"/>
+                </a:solidFill>
+                <a:latin typeface="Consolas" panose="020B0609020204030204" pitchFamily="49" charset="0"/>
+              </a:rPr>
+              <a:t>(LEFT, RIGHT) ((LEFT) &lt; (RIGHT) ? (RIGHT) : (LEFT))</a:t>
+            </a:r>
+          </a:p>
+          <a:p>
+            <a:pPr marL="0" indent="0">
+              <a:buNone/>
+            </a:pPr>
+            <a:endParaRPr lang="en-US" dirty="0" smtClean="0">
+              <a:solidFill>
+                <a:srgbClr val="000000"/>
+              </a:solidFill>
+              <a:latin typeface="Consolas" panose="020B0609020204030204" pitchFamily="49" charset="0"/>
+            </a:endParaRPr>
+          </a:p>
+          <a:p>
+            <a:pPr marL="0" indent="0">
+              <a:buNone/>
+            </a:pPr>
+            <a:endParaRPr lang="en-US" dirty="0" smtClean="0">
+              <a:solidFill>
+                <a:srgbClr val="000000"/>
+              </a:solidFill>
+              <a:latin typeface="Consolas" panose="020B0609020204030204" pitchFamily="49" charset="0"/>
+            </a:endParaRPr>
+          </a:p>
+          <a:p>
+            <a:pPr marL="0" indent="0">
+              <a:buNone/>
+            </a:pPr>
+            <a:r>
+              <a:rPr lang="en-US" dirty="0" smtClean="0">
+                <a:solidFill>
+                  <a:srgbClr val="808080"/>
+                </a:solidFill>
+                <a:latin typeface="Consolas" panose="020B0609020204030204" pitchFamily="49" charset="0"/>
+              </a:rPr>
+              <a:t>#</a:t>
+            </a:r>
+            <a:r>
+              <a:rPr lang="en-US" dirty="0">
+                <a:solidFill>
+                  <a:srgbClr val="808080"/>
+                </a:solidFill>
+                <a:latin typeface="Consolas" panose="020B0609020204030204" pitchFamily="49" charset="0"/>
+              </a:rPr>
+              <a:t>if</a:t>
+            </a:r>
+            <a:r>
+              <a:rPr lang="en-US" dirty="0">
+                <a:solidFill>
+                  <a:srgbClr val="000000"/>
+                </a:solidFill>
+                <a:latin typeface="Consolas" panose="020B0609020204030204" pitchFamily="49" charset="0"/>
+              </a:rPr>
+              <a:t> </a:t>
+            </a:r>
+            <a:r>
+              <a:rPr lang="en-US" dirty="0">
+                <a:solidFill>
+                  <a:srgbClr val="808080"/>
+                </a:solidFill>
+                <a:latin typeface="Consolas" panose="020B0609020204030204" pitchFamily="49" charset="0"/>
+              </a:rPr>
+              <a:t>defined</a:t>
+            </a:r>
+            <a:r>
+              <a:rPr lang="en-US" dirty="0">
+                <a:solidFill>
+                  <a:srgbClr val="000000"/>
+                </a:solidFill>
+                <a:latin typeface="Consolas" panose="020B0609020204030204" pitchFamily="49" charset="0"/>
+              </a:rPr>
+              <a:t> </a:t>
+            </a:r>
+            <a:r>
+              <a:rPr lang="en-US" dirty="0">
+                <a:solidFill>
+                  <a:srgbClr val="6F008A"/>
+                </a:solidFill>
+                <a:latin typeface="Consolas" panose="020B0609020204030204" pitchFamily="49" charset="0"/>
+              </a:rPr>
+              <a:t>_DEBUG</a:t>
+            </a:r>
+            <a:endParaRPr lang="en-US" dirty="0">
+              <a:solidFill>
+                <a:srgbClr val="000000"/>
+              </a:solidFill>
+              <a:latin typeface="Consolas" panose="020B0609020204030204" pitchFamily="49" charset="0"/>
+            </a:endParaRPr>
+          </a:p>
+          <a:p>
+            <a:pPr marL="0" indent="0">
+              <a:buNone/>
+            </a:pPr>
+            <a:r>
+              <a:rPr lang="en-US" dirty="0" smtClean="0">
+                <a:solidFill>
+                  <a:srgbClr val="808080"/>
+                </a:solidFill>
+                <a:latin typeface="Consolas" panose="020B0609020204030204" pitchFamily="49" charset="0"/>
+              </a:rPr>
+              <a:t>#</a:t>
+            </a:r>
+            <a:r>
+              <a:rPr lang="en-US" dirty="0">
+                <a:solidFill>
+                  <a:srgbClr val="808080"/>
+                </a:solidFill>
+                <a:latin typeface="Consolas" panose="020B0609020204030204" pitchFamily="49" charset="0"/>
+              </a:rPr>
+              <a:t>define</a:t>
+            </a:r>
+            <a:r>
+              <a:rPr lang="en-US" dirty="0">
+                <a:solidFill>
+                  <a:srgbClr val="000000"/>
+                </a:solidFill>
+                <a:latin typeface="Consolas" panose="020B0609020204030204" pitchFamily="49" charset="0"/>
+              </a:rPr>
+              <a:t> </a:t>
+            </a:r>
+            <a:r>
+              <a:rPr lang="en-US" dirty="0">
+                <a:solidFill>
+                  <a:srgbClr val="6F008A"/>
+                </a:solidFill>
+                <a:latin typeface="Consolas" panose="020B0609020204030204" pitchFamily="49" charset="0"/>
+              </a:rPr>
+              <a:t>DEBUG_I_AM_HERE</a:t>
+            </a:r>
+            <a:r>
+              <a:rPr lang="en-US" dirty="0">
+                <a:solidFill>
+                  <a:srgbClr val="000000"/>
+                </a:solidFill>
+                <a:latin typeface="Consolas" panose="020B0609020204030204" pitchFamily="49" charset="0"/>
+              </a:rPr>
+              <a:t> </a:t>
+            </a:r>
+            <a:r>
+              <a:rPr lang="en-US" dirty="0">
+                <a:solidFill>
+                  <a:srgbClr val="0000FF"/>
+                </a:solidFill>
+                <a:latin typeface="Consolas" panose="020B0609020204030204" pitchFamily="49" charset="0"/>
+              </a:rPr>
+              <a:t>do</a:t>
+            </a:r>
+            <a:r>
+              <a:rPr lang="en-US" dirty="0">
+                <a:solidFill>
+                  <a:srgbClr val="000000"/>
+                </a:solidFill>
+                <a:latin typeface="Consolas" panose="020B0609020204030204" pitchFamily="49" charset="0"/>
+              </a:rPr>
+              <a:t> </a:t>
+            </a:r>
+            <a:r>
+              <a:rPr lang="en-US" dirty="0" smtClean="0">
+                <a:solidFill>
+                  <a:srgbClr val="000000"/>
+                </a:solidFill>
+                <a:latin typeface="Consolas" panose="020B0609020204030204" pitchFamily="49" charset="0"/>
+              </a:rPr>
+              <a:t>{\</a:t>
+            </a:r>
+            <a:br>
+              <a:rPr lang="en-US" dirty="0" smtClean="0">
+                <a:solidFill>
+                  <a:srgbClr val="000000"/>
+                </a:solidFill>
+                <a:latin typeface="Consolas" panose="020B0609020204030204" pitchFamily="49" charset="0"/>
+              </a:rPr>
+            </a:br>
+            <a:r>
+              <a:rPr lang="en-US" dirty="0" smtClean="0">
+                <a:solidFill>
+                  <a:srgbClr val="000000"/>
+                </a:solidFill>
+                <a:latin typeface="Consolas" panose="020B0609020204030204" pitchFamily="49" charset="0"/>
+              </a:rPr>
+              <a:t>	</a:t>
+            </a:r>
+            <a:r>
+              <a:rPr lang="en-US" dirty="0" err="1" smtClean="0">
+                <a:solidFill>
+                  <a:srgbClr val="000000"/>
+                </a:solidFill>
+                <a:latin typeface="Consolas" panose="020B0609020204030204" pitchFamily="49" charset="0"/>
+              </a:rPr>
+              <a:t>printf</a:t>
+            </a:r>
+            <a:r>
+              <a:rPr lang="en-US" dirty="0">
+                <a:solidFill>
+                  <a:srgbClr val="000000"/>
+                </a:solidFill>
+                <a:latin typeface="Consolas" panose="020B0609020204030204" pitchFamily="49" charset="0"/>
+              </a:rPr>
+              <a:t>(</a:t>
+            </a:r>
+            <a:r>
+              <a:rPr lang="en-US" dirty="0">
+                <a:solidFill>
+                  <a:srgbClr val="A31515"/>
+                </a:solidFill>
+                <a:latin typeface="Consolas" panose="020B0609020204030204" pitchFamily="49" charset="0"/>
+              </a:rPr>
+              <a:t>"%s %d\n"</a:t>
+            </a:r>
+            <a:r>
+              <a:rPr lang="en-US" dirty="0">
+                <a:solidFill>
+                  <a:srgbClr val="000000"/>
+                </a:solidFill>
+                <a:latin typeface="Consolas" panose="020B0609020204030204" pitchFamily="49" charset="0"/>
+              </a:rPr>
+              <a:t>, </a:t>
+            </a:r>
+            <a:r>
+              <a:rPr lang="en-US" dirty="0">
+                <a:solidFill>
+                  <a:srgbClr val="6F008A"/>
+                </a:solidFill>
+                <a:latin typeface="Consolas" panose="020B0609020204030204" pitchFamily="49" charset="0"/>
+              </a:rPr>
+              <a:t>__FILE__</a:t>
+            </a:r>
+            <a:r>
+              <a:rPr lang="en-US" dirty="0">
+                <a:solidFill>
+                  <a:srgbClr val="000000"/>
+                </a:solidFill>
+                <a:latin typeface="Consolas" panose="020B0609020204030204" pitchFamily="49" charset="0"/>
+              </a:rPr>
+              <a:t>, </a:t>
+            </a:r>
+            <a:r>
+              <a:rPr lang="en-US" dirty="0">
+                <a:solidFill>
+                  <a:srgbClr val="6F008A"/>
+                </a:solidFill>
+                <a:latin typeface="Consolas" panose="020B0609020204030204" pitchFamily="49" charset="0"/>
+              </a:rPr>
+              <a:t>__LINE</a:t>
+            </a:r>
+            <a:r>
+              <a:rPr lang="en-US" dirty="0" smtClean="0">
+                <a:solidFill>
+                  <a:srgbClr val="6F008A"/>
+                </a:solidFill>
+                <a:latin typeface="Consolas" panose="020B0609020204030204" pitchFamily="49" charset="0"/>
+              </a:rPr>
+              <a:t>__</a:t>
+            </a:r>
+            <a:r>
+              <a:rPr lang="en-US" dirty="0" smtClean="0">
+                <a:solidFill>
+                  <a:srgbClr val="000000"/>
+                </a:solidFill>
+                <a:latin typeface="Consolas" panose="020B0609020204030204" pitchFamily="49" charset="0"/>
+              </a:rPr>
+              <a:t>);\</a:t>
+            </a:r>
+            <a:br>
+              <a:rPr lang="en-US" dirty="0" smtClean="0">
+                <a:solidFill>
+                  <a:srgbClr val="000000"/>
+                </a:solidFill>
+                <a:latin typeface="Consolas" panose="020B0609020204030204" pitchFamily="49" charset="0"/>
+              </a:rPr>
+            </a:br>
+            <a:r>
+              <a:rPr lang="en-US" dirty="0" smtClean="0">
+                <a:solidFill>
+                  <a:srgbClr val="000000"/>
+                </a:solidFill>
+                <a:latin typeface="Consolas" panose="020B0609020204030204" pitchFamily="49" charset="0"/>
+              </a:rPr>
+              <a:t>} </a:t>
+            </a:r>
+            <a:r>
+              <a:rPr lang="en-US" dirty="0">
+                <a:solidFill>
+                  <a:srgbClr val="0000FF"/>
+                </a:solidFill>
+                <a:latin typeface="Consolas" panose="020B0609020204030204" pitchFamily="49" charset="0"/>
+              </a:rPr>
+              <a:t>while</a:t>
+            </a:r>
+            <a:r>
+              <a:rPr lang="en-US" dirty="0">
+                <a:solidFill>
+                  <a:srgbClr val="000000"/>
+                </a:solidFill>
+                <a:latin typeface="Consolas" panose="020B0609020204030204" pitchFamily="49" charset="0"/>
+              </a:rPr>
+              <a:t> (0)</a:t>
+            </a:r>
+          </a:p>
+          <a:p>
+            <a:pPr marL="0" indent="0">
+              <a:buNone/>
+            </a:pPr>
+            <a:r>
+              <a:rPr lang="en-US" dirty="0" smtClean="0">
+                <a:solidFill>
+                  <a:srgbClr val="808080"/>
+                </a:solidFill>
+                <a:latin typeface="Consolas" panose="020B0609020204030204" pitchFamily="49" charset="0"/>
+              </a:rPr>
+              <a:t>#</a:t>
+            </a:r>
+            <a:r>
+              <a:rPr lang="en-US" dirty="0">
+                <a:solidFill>
+                  <a:srgbClr val="808080"/>
+                </a:solidFill>
+                <a:latin typeface="Consolas" panose="020B0609020204030204" pitchFamily="49" charset="0"/>
+              </a:rPr>
+              <a:t>else</a:t>
+            </a:r>
+            <a:endParaRPr lang="en-US" dirty="0">
+              <a:solidFill>
+                <a:srgbClr val="000000"/>
+              </a:solidFill>
+              <a:latin typeface="Consolas" panose="020B0609020204030204" pitchFamily="49" charset="0"/>
+            </a:endParaRPr>
+          </a:p>
+          <a:p>
+            <a:pPr marL="0" indent="0">
+              <a:buNone/>
+            </a:pPr>
+            <a:r>
+              <a:rPr lang="en-US" dirty="0" smtClean="0">
+                <a:solidFill>
+                  <a:srgbClr val="808080"/>
+                </a:solidFill>
+                <a:latin typeface="Consolas" panose="020B0609020204030204" pitchFamily="49" charset="0"/>
+              </a:rPr>
+              <a:t>#</a:t>
+            </a:r>
+            <a:r>
+              <a:rPr lang="en-US" dirty="0">
+                <a:solidFill>
+                  <a:srgbClr val="808080"/>
+                </a:solidFill>
+                <a:latin typeface="Consolas" panose="020B0609020204030204" pitchFamily="49" charset="0"/>
+              </a:rPr>
+              <a:t>define</a:t>
+            </a:r>
+            <a:r>
+              <a:rPr lang="en-US" dirty="0">
+                <a:solidFill>
+                  <a:srgbClr val="000000"/>
+                </a:solidFill>
+                <a:latin typeface="Consolas" panose="020B0609020204030204" pitchFamily="49" charset="0"/>
+              </a:rPr>
+              <a:t> DEBUG_I_AM_HERE </a:t>
+            </a:r>
+          </a:p>
+          <a:p>
+            <a:pPr marL="0" indent="0">
+              <a:buNone/>
+            </a:pPr>
+            <a:r>
+              <a:rPr lang="en-US" dirty="0" smtClean="0">
+                <a:solidFill>
+                  <a:srgbClr val="808080"/>
+                </a:solidFill>
+                <a:latin typeface="Consolas" panose="020B0609020204030204" pitchFamily="49" charset="0"/>
+              </a:rPr>
+              <a:t>#</a:t>
+            </a:r>
+            <a:r>
+              <a:rPr lang="en-US" dirty="0" err="1" smtClean="0">
+                <a:solidFill>
+                  <a:srgbClr val="808080"/>
+                </a:solidFill>
+                <a:latin typeface="Consolas" panose="020B0609020204030204" pitchFamily="49" charset="0"/>
+              </a:rPr>
+              <a:t>endif</a:t>
+            </a:r>
+            <a:endParaRPr lang="en-US" dirty="0" smtClean="0">
+              <a:solidFill>
+                <a:srgbClr val="808080"/>
+              </a:solidFill>
+              <a:latin typeface="Consolas" panose="020B0609020204030204" pitchFamily="49" charset="0"/>
+            </a:endParaRPr>
+          </a:p>
+          <a:p>
+            <a:pPr marL="0" indent="0">
+              <a:buNone/>
+            </a:pPr>
+            <a:endParaRPr lang="en-US" dirty="0" smtClean="0">
+              <a:solidFill>
+                <a:srgbClr val="808080"/>
+              </a:solidFill>
+              <a:latin typeface="Consolas" panose="020B0609020204030204" pitchFamily="49" charset="0"/>
+            </a:endParaRPr>
+          </a:p>
+          <a:p>
+            <a:pPr marL="0" indent="0">
+              <a:buNone/>
+            </a:pPr>
+            <a:endParaRPr lang="en-US" dirty="0">
+              <a:solidFill>
+                <a:srgbClr val="808080"/>
+              </a:solidFill>
+              <a:latin typeface="Consolas" panose="020B0609020204030204" pitchFamily="49" charset="0"/>
+            </a:endParaRPr>
+          </a:p>
+          <a:p>
+            <a:pPr marL="0" indent="0">
+              <a:buNone/>
+            </a:pPr>
+            <a:endParaRPr lang="en-US" dirty="0" smtClean="0">
+              <a:solidFill>
+                <a:srgbClr val="808080"/>
+              </a:solidFill>
+              <a:latin typeface="Consolas" panose="020B0609020204030204" pitchFamily="49" charset="0"/>
+            </a:endParaRPr>
+          </a:p>
+          <a:p>
+            <a:pPr marL="0" indent="0">
+              <a:buNone/>
+            </a:pPr>
+            <a:endParaRPr lang="en-US" dirty="0" smtClean="0">
+              <a:solidFill>
+                <a:srgbClr val="808080"/>
+              </a:solidFill>
+              <a:latin typeface="Consolas" panose="020B0609020204030204" pitchFamily="49" charset="0"/>
+            </a:endParaRPr>
+          </a:p>
+          <a:p>
+            <a:pPr marL="0" indent="0">
+              <a:buNone/>
+            </a:pPr>
+            <a:endParaRPr lang="en-US" dirty="0">
+              <a:solidFill>
+                <a:srgbClr val="808080"/>
+              </a:solidFill>
+              <a:latin typeface="Consolas" panose="020B0609020204030204" pitchFamily="49" charset="0"/>
+            </a:endParaRPr>
+          </a:p>
+          <a:p>
+            <a:pPr marL="0" indent="0">
+              <a:buNone/>
+            </a:pPr>
+            <a:endParaRPr lang="en-US" dirty="0">
+              <a:solidFill>
+                <a:srgbClr val="000000"/>
+              </a:solidFill>
+              <a:latin typeface="Consolas" panose="020B0609020204030204" pitchFamily="49" charset="0"/>
+            </a:endParaRPr>
+          </a:p>
+          <a:p>
+            <a:endParaRPr lang="ru-RU" dirty="0">
+              <a:solidFill>
+                <a:srgbClr val="000000"/>
+              </a:solidFill>
+              <a:latin typeface="Consolas" panose="020B0609020204030204" pitchFamily="49" charset="0"/>
+            </a:endParaRPr>
+          </a:p>
+          <a:p>
+            <a:endParaRPr lang="ru-RU" dirty="0"/>
           </a:p>
         </p:txBody>
       </p:sp>
     </p:spTree>
     <p:extLst>
       <p:ext uri="{BB962C8B-B14F-4D97-AF65-F5344CB8AC3E}">
-        <p14:creationId xmlns:p14="http://schemas.microsoft.com/office/powerpoint/2010/main" val="4284340766"/>
+        <p14:creationId xmlns:p14="http://schemas.microsoft.com/office/powerpoint/2010/main" val="1376826260"/>
       </p:ext>
     </p:extLst>
   </p:cSld>
@@ -5427,26 +6375,33 @@
           <a:p>
             <a:r>
               <a:rPr lang="ru-RU" dirty="0" smtClean="0"/>
-              <a:t>Этапы работы и внутреннее устройство препроцессора</a:t>
-            </a:r>
-          </a:p>
-          <a:p>
-            <a:r>
-              <a:rPr lang="ru-RU" dirty="0" smtClean="0"/>
-              <a:t>Язык препроцессора языка Си</a:t>
-            </a:r>
-          </a:p>
-          <a:p>
-            <a:r>
-              <a:rPr lang="ru-RU" dirty="0"/>
-              <a:t>Алгоритм работы препроцессора языка Си</a:t>
-            </a:r>
-          </a:p>
-          <a:p>
-            <a:r>
-              <a:rPr lang="ru-RU" dirty="0" smtClean="0"/>
-              <a:t>Примеры</a:t>
-            </a:r>
+              <a:t>Этапы работы</a:t>
+            </a:r>
+            <a:endParaRPr lang="en-US" dirty="0" smtClean="0"/>
+          </a:p>
+          <a:p>
+            <a:r>
+              <a:rPr lang="ru-RU" dirty="0" smtClean="0"/>
+              <a:t>Алгоритм исполнения директив препроцессора</a:t>
+            </a:r>
+          </a:p>
+          <a:p>
+            <a:pPr lvl="1"/>
+            <a:r>
+              <a:rPr lang="ru-RU" dirty="0" smtClean="0"/>
+              <a:t>Условная компиляция</a:t>
+            </a:r>
+          </a:p>
+          <a:p>
+            <a:pPr lvl="1"/>
+            <a:r>
+              <a:rPr lang="ru-RU" dirty="0" smtClean="0"/>
+              <a:t>Алгоритм макро подстановки</a:t>
+            </a:r>
+            <a:endParaRPr lang="ru-RU" dirty="0"/>
+          </a:p>
+          <a:p>
+            <a:endParaRPr lang="ru-RU" dirty="0" smtClean="0"/>
           </a:p>
         </p:txBody>
       </p:sp>
@@ -5504,7 +6459,7 @@
           <a:p>
             <a:r>
               <a:rPr lang="ru-RU" dirty="0" smtClean="0"/>
-              <a:t>Препроцессор Си</a:t>
+              <a:t>Алгоритм макро подстановки</a:t>
             </a:r>
             <a:endParaRPr lang="ru-RU" dirty="0"/>
           </a:p>
@@ -5523,269 +6478,1670 @@
         <p:spPr/>
         <p:txBody>
           <a:bodyPr>
-            <a:normAutofit fontScale="77500" lnSpcReduction="20000"/>
+            <a:normAutofit fontScale="85000" lnSpcReduction="20000"/>
           </a:bodyPr>
           <a:lstStyle/>
           <a:p>
-            <a:r>
-              <a:rPr lang="en-US" dirty="0" smtClean="0"/>
-              <a:t>#if</a:t>
-            </a:r>
-            <a:endParaRPr lang="ru-RU" dirty="0" smtClean="0"/>
-          </a:p>
-          <a:p>
-            <a:pPr lvl="1"/>
-            <a:r>
-              <a:rPr lang="en-US" dirty="0" smtClean="0"/>
-              <a:t>#if &lt;</a:t>
-            </a:r>
-            <a:r>
-              <a:rPr lang="ru-RU" dirty="0" smtClean="0"/>
-              <a:t>условие1</a:t>
-            </a:r>
-            <a:r>
-              <a:rPr lang="en-US" dirty="0" smtClean="0"/>
-              <a:t>&gt;</a:t>
-            </a:r>
-            <a:endParaRPr lang="ru-RU" dirty="0" smtClean="0"/>
-          </a:p>
-          <a:p>
-            <a:pPr lvl="2"/>
-            <a:r>
-              <a:rPr lang="en-US" dirty="0" smtClean="0"/>
-              <a:t>&lt;</a:t>
-            </a:r>
-            <a:r>
-              <a:rPr lang="ru-RU" dirty="0" smtClean="0"/>
-              <a:t>код1</a:t>
-            </a:r>
-            <a:r>
-              <a:rPr lang="en-US" dirty="0" smtClean="0"/>
-              <a:t>&gt;</a:t>
-            </a:r>
-            <a:endParaRPr lang="ru-RU" dirty="0" smtClean="0"/>
-          </a:p>
-          <a:p>
-            <a:pPr lvl="1"/>
-            <a:r>
-              <a:rPr lang="en-US" dirty="0" smtClean="0"/>
-              <a:t>#</a:t>
-            </a:r>
-            <a:r>
-              <a:rPr lang="en-US" dirty="0" err="1" smtClean="0"/>
-              <a:t>elif</a:t>
-            </a:r>
-            <a:r>
-              <a:rPr lang="en-US" dirty="0" smtClean="0"/>
+            <a:pPr marL="0" indent="0">
+              <a:buNone/>
+            </a:pPr>
+            <a:r>
+              <a:rPr lang="en-US" sz="2400" b="1" dirty="0" err="1">
+                <a:latin typeface="Consolas" panose="020B0609020204030204" pitchFamily="49" charset="0"/>
+              </a:rPr>
+              <a:t>def</a:t>
+            </a:r>
+            <a:r>
+              <a:rPr lang="en-US" sz="2400" dirty="0">
+                <a:latin typeface="Consolas" panose="020B0609020204030204" pitchFamily="49" charset="0"/>
+              </a:rPr>
               <a:t> </a:t>
             </a:r>
             <a:r>
-              <a:rPr lang="en-US" dirty="0"/>
-              <a:t>&lt;</a:t>
-            </a:r>
-            <a:r>
-              <a:rPr lang="ru-RU" dirty="0" smtClean="0"/>
-              <a:t>условие2</a:t>
-            </a:r>
-            <a:r>
-              <a:rPr lang="en-US" dirty="0" smtClean="0"/>
-              <a:t>&gt;</a:t>
-            </a:r>
-            <a:endParaRPr lang="ru-RU" dirty="0" smtClean="0"/>
-          </a:p>
-          <a:p>
-            <a:pPr lvl="2"/>
-            <a:r>
-              <a:rPr lang="en-US" dirty="0" smtClean="0"/>
-              <a:t>&lt;</a:t>
-            </a:r>
-            <a:r>
-              <a:rPr lang="ru-RU" dirty="0" smtClean="0"/>
-              <a:t>код2</a:t>
-            </a:r>
-            <a:r>
-              <a:rPr lang="en-US" dirty="0" smtClean="0"/>
-              <a:t>&gt;</a:t>
-            </a:r>
-            <a:endParaRPr lang="ru-RU" dirty="0" smtClean="0"/>
-          </a:p>
-          <a:p>
-            <a:pPr lvl="1"/>
-            <a:r>
-              <a:rPr lang="en-US" dirty="0" smtClean="0"/>
-              <a:t>#else</a:t>
-            </a:r>
-            <a:endParaRPr lang="ru-RU" dirty="0" smtClean="0"/>
-          </a:p>
-          <a:p>
-            <a:pPr lvl="2"/>
-            <a:r>
-              <a:rPr lang="en-US" dirty="0" smtClean="0"/>
-              <a:t>&lt;</a:t>
-            </a:r>
-            <a:r>
-              <a:rPr lang="ru-RU" dirty="0" smtClean="0"/>
-              <a:t>код</a:t>
-            </a:r>
-            <a:r>
-              <a:rPr lang="en-US" dirty="0" smtClean="0"/>
-              <a:t>N&gt;</a:t>
-            </a:r>
-            <a:endParaRPr lang="ru-RU" dirty="0" smtClean="0"/>
-          </a:p>
-          <a:p>
-            <a:pPr lvl="1"/>
-            <a:r>
-              <a:rPr lang="en-US" dirty="0" smtClean="0"/>
-              <a:t>#</a:t>
-            </a:r>
-            <a:r>
-              <a:rPr lang="en-US" dirty="0" err="1" smtClean="0"/>
-              <a:t>endif</a:t>
-            </a:r>
-            <a:endParaRPr lang="ru-RU" dirty="0" smtClean="0"/>
-          </a:p>
-          <a:p>
-            <a:pPr lvl="1"/>
-            <a:r>
-              <a:rPr lang="ru-RU" dirty="0" smtClean="0"/>
-              <a:t>Вычисляем условия по порядку</a:t>
-            </a:r>
-          </a:p>
-          <a:p>
-            <a:pPr lvl="1"/>
-            <a:r>
-              <a:rPr lang="ru-RU" dirty="0" smtClean="0"/>
-              <a:t>Когда получаем истину, помещаем во входной поток блок кода до следующей директивы</a:t>
-            </a:r>
-          </a:p>
-          <a:p>
-            <a:pPr lvl="1"/>
-            <a:r>
-              <a:rPr lang="en-US" dirty="0" smtClean="0"/>
-              <a:t>#</a:t>
-            </a:r>
-            <a:r>
-              <a:rPr lang="en-US" dirty="0" err="1" smtClean="0"/>
-              <a:t>elif</a:t>
-            </a:r>
-            <a:r>
-              <a:rPr lang="en-US" dirty="0" smtClean="0"/>
+              <a:rPr lang="en-US" sz="2400" dirty="0" err="1" smtClean="0">
+                <a:latin typeface="Consolas" panose="020B0609020204030204" pitchFamily="49" charset="0"/>
+              </a:rPr>
+              <a:t>ExpandMacros</a:t>
+            </a:r>
+            <a:r>
+              <a:rPr lang="en-US" sz="2400" dirty="0" smtClean="0">
+                <a:latin typeface="Consolas" panose="020B0609020204030204" pitchFamily="49" charset="0"/>
+              </a:rPr>
+              <a:t>(tokens</a:t>
+            </a:r>
+            <a:r>
+              <a:rPr lang="en-US" sz="2400" dirty="0">
+                <a:latin typeface="Consolas" panose="020B0609020204030204" pitchFamily="49" charset="0"/>
+              </a:rPr>
+              <a:t>, </a:t>
+            </a:r>
+            <a:r>
+              <a:rPr lang="en-US" sz="2400" dirty="0" smtClean="0">
+                <a:latin typeface="Consolas" panose="020B0609020204030204" pitchFamily="49" charset="0"/>
+              </a:rPr>
+              <a:t>macros):</a:t>
+            </a:r>
+            <a:endParaRPr lang="en-US" sz="2400" dirty="0">
+              <a:latin typeface="Consolas" panose="020B0609020204030204" pitchFamily="49" charset="0"/>
+            </a:endParaRPr>
+          </a:p>
+          <a:p>
+            <a:pPr marL="0" indent="0">
+              <a:buNone/>
+            </a:pPr>
+            <a:r>
+              <a:rPr lang="en-US" sz="2400" dirty="0">
+                <a:latin typeface="Consolas" panose="020B0609020204030204" pitchFamily="49" charset="0"/>
+              </a:rPr>
               <a:t> </a:t>
             </a:r>
             <a:r>
-              <a:rPr lang="ru-RU" dirty="0" smtClean="0"/>
-              <a:t>и/или </a:t>
-            </a:r>
-            <a:r>
-              <a:rPr lang="en-US" dirty="0" smtClean="0"/>
-              <a:t>#else </a:t>
-            </a:r>
-            <a:r>
-              <a:rPr lang="ru-RU" dirty="0" smtClean="0"/>
-              <a:t>могут отсутствовать</a:t>
-            </a:r>
-          </a:p>
-          <a:p>
-            <a:pPr lvl="1"/>
-            <a:r>
-              <a:rPr lang="ru-RU" dirty="0" smtClean="0"/>
-              <a:t>Можно вложенные </a:t>
-            </a:r>
-            <a:r>
-              <a:rPr lang="en-US" dirty="0" smtClean="0"/>
-              <a:t>#if</a:t>
-            </a:r>
-            <a:endParaRPr lang="ru-RU" dirty="0" smtClean="0"/>
-          </a:p>
-          <a:p>
-            <a:pPr lvl="1"/>
-            <a:endParaRPr lang="ru-RU" dirty="0"/>
-          </a:p>
-          <a:p>
-            <a:endParaRPr lang="ru-RU" dirty="0"/>
-          </a:p>
-        </p:txBody>
-      </p:sp>
-      <p:sp>
-        <p:nvSpPr>
-          <p:cNvPr id="4" name="TextBox 3"/>
-          <p:cNvSpPr txBox="1"/>
+              <a:rPr lang="en-US" sz="2400" dirty="0" smtClean="0">
+                <a:latin typeface="Consolas" panose="020B0609020204030204" pitchFamily="49" charset="0"/>
+              </a:rPr>
+              <a:t>   (</a:t>
+            </a:r>
+            <a:r>
+              <a:rPr lang="en-US" sz="2400" dirty="0">
+                <a:latin typeface="Consolas" panose="020B0609020204030204" pitchFamily="49" charset="0"/>
+              </a:rPr>
+              <a:t>token, t</a:t>
+            </a:r>
+            <a:r>
+              <a:rPr lang="en-US" sz="2400" dirty="0" smtClean="0">
+                <a:latin typeface="Consolas" panose="020B0609020204030204" pitchFamily="49" charset="0"/>
+              </a:rPr>
+              <a:t>okens</a:t>
+            </a:r>
+            <a:r>
+              <a:rPr lang="en-US" sz="2400" dirty="0">
+                <a:latin typeface="Consolas" panose="020B0609020204030204" pitchFamily="49" charset="0"/>
+              </a:rPr>
+              <a:t>) = </a:t>
+            </a:r>
+            <a:r>
+              <a:rPr lang="en-US" sz="2400" dirty="0" err="1">
+                <a:latin typeface="Consolas" panose="020B0609020204030204" pitchFamily="49" charset="0"/>
+              </a:rPr>
+              <a:t>GetFirstToken</a:t>
+            </a:r>
+            <a:r>
+              <a:rPr lang="en-US" sz="2400" dirty="0">
+                <a:latin typeface="Consolas" panose="020B0609020204030204" pitchFamily="49" charset="0"/>
+              </a:rPr>
+              <a:t>(tokens)</a:t>
+            </a:r>
+          </a:p>
+          <a:p>
+            <a:pPr marL="0" indent="0">
+              <a:buNone/>
+            </a:pPr>
+            <a:r>
+              <a:rPr lang="en-US" sz="2400" dirty="0">
+                <a:latin typeface="Consolas" panose="020B0609020204030204" pitchFamily="49" charset="0"/>
+              </a:rPr>
+              <a:t> </a:t>
+            </a:r>
+            <a:r>
+              <a:rPr lang="en-US" sz="2400" dirty="0" smtClean="0">
+                <a:latin typeface="Consolas" panose="020B0609020204030204" pitchFamily="49" charset="0"/>
+              </a:rPr>
+              <a:t>   </a:t>
+            </a:r>
+            <a:r>
+              <a:rPr lang="en-US" sz="2400" b="1" dirty="0" smtClean="0">
+                <a:latin typeface="Consolas" panose="020B0609020204030204" pitchFamily="49" charset="0"/>
+              </a:rPr>
+              <a:t>if</a:t>
+            </a:r>
+            <a:r>
+              <a:rPr lang="en-US" sz="2400" dirty="0" smtClean="0">
+                <a:latin typeface="Consolas" panose="020B0609020204030204" pitchFamily="49" charset="0"/>
+              </a:rPr>
+              <a:t> </a:t>
+            </a:r>
+            <a:r>
+              <a:rPr lang="en-US" sz="2400" b="1" dirty="0" smtClean="0">
+                <a:latin typeface="Consolas" panose="020B0609020204030204" pitchFamily="49" charset="0"/>
+              </a:rPr>
+              <a:t>not </a:t>
+            </a:r>
+            <a:r>
+              <a:rPr lang="en-US" sz="2400" dirty="0" smtClean="0">
+                <a:latin typeface="Consolas" panose="020B0609020204030204" pitchFamily="49" charset="0"/>
+              </a:rPr>
+              <a:t>token </a:t>
+            </a:r>
+            <a:r>
+              <a:rPr lang="en-US" sz="2400" b="1" dirty="0" smtClean="0">
+                <a:latin typeface="Consolas" panose="020B0609020204030204" pitchFamily="49" charset="0"/>
+              </a:rPr>
+              <a:t>in</a:t>
+            </a:r>
+            <a:r>
+              <a:rPr lang="en-US" sz="2400" dirty="0" smtClean="0">
+                <a:latin typeface="Consolas" panose="020B0609020204030204" pitchFamily="49" charset="0"/>
+              </a:rPr>
+              <a:t> macros:</a:t>
+            </a:r>
+            <a:endParaRPr lang="en-US" sz="2400" dirty="0">
+              <a:latin typeface="Consolas" panose="020B0609020204030204" pitchFamily="49" charset="0"/>
+            </a:endParaRPr>
+          </a:p>
+          <a:p>
+            <a:pPr marL="0" indent="0">
+              <a:buNone/>
+            </a:pPr>
+            <a:r>
+              <a:rPr lang="en-US" sz="2400" dirty="0" smtClean="0">
+                <a:latin typeface="Consolas" panose="020B0609020204030204" pitchFamily="49" charset="0"/>
+              </a:rPr>
+              <a:t>        </a:t>
+            </a:r>
+            <a:r>
+              <a:rPr lang="en-US" sz="2400" b="1" dirty="0" smtClean="0">
+                <a:latin typeface="Consolas" panose="020B0609020204030204" pitchFamily="49" charset="0"/>
+              </a:rPr>
+              <a:t>return</a:t>
+            </a:r>
+            <a:r>
+              <a:rPr lang="en-US" sz="2400" dirty="0" smtClean="0">
+                <a:latin typeface="Consolas" panose="020B0609020204030204" pitchFamily="49" charset="0"/>
+              </a:rPr>
+              <a:t> </a:t>
+            </a:r>
+            <a:r>
+              <a:rPr lang="en-US" sz="2400" dirty="0" smtClean="0">
+                <a:latin typeface="Consolas" panose="020B0609020204030204" pitchFamily="49" charset="0"/>
+              </a:rPr>
+              <a:t>[token]</a:t>
+            </a:r>
+            <a:r>
+              <a:rPr lang="en-US" sz="2400" b="1" dirty="0" smtClean="0">
+                <a:latin typeface="Consolas" panose="020B0609020204030204" pitchFamily="49" charset="0"/>
+              </a:rPr>
+              <a:t> </a:t>
+            </a:r>
+            <a:r>
+              <a:rPr lang="en-US" sz="2400" dirty="0" smtClean="0">
+                <a:latin typeface="Consolas" panose="020B0609020204030204" pitchFamily="49" charset="0"/>
+              </a:rPr>
+              <a:t>+ </a:t>
+            </a:r>
+            <a:r>
+              <a:rPr lang="en-US" sz="2400" dirty="0" err="1" smtClean="0">
+                <a:latin typeface="Consolas" panose="020B0609020204030204" pitchFamily="49" charset="0"/>
+              </a:rPr>
+              <a:t>ExpandMacro</a:t>
+            </a:r>
+            <a:r>
+              <a:rPr lang="en-US" sz="2400" dirty="0" smtClean="0">
+                <a:latin typeface="Consolas" panose="020B0609020204030204" pitchFamily="49" charset="0"/>
+              </a:rPr>
+              <a:t>(tokens, macros)</a:t>
+            </a:r>
+          </a:p>
+          <a:p>
+            <a:pPr marL="0" indent="0">
+              <a:buNone/>
+            </a:pPr>
+            <a:r>
+              <a:rPr lang="en-US" sz="2400" dirty="0" smtClean="0">
+                <a:latin typeface="Consolas" panose="020B0609020204030204" pitchFamily="49" charset="0"/>
+              </a:rPr>
+              <a:t>    (</a:t>
+            </a:r>
+            <a:r>
+              <a:rPr lang="en-US" sz="2400" dirty="0" err="1" smtClean="0">
+                <a:latin typeface="Consolas" panose="020B0609020204030204" pitchFamily="49" charset="0"/>
+              </a:rPr>
+              <a:t>tokensForParams</a:t>
+            </a:r>
+            <a:r>
+              <a:rPr lang="en-US" sz="2400" dirty="0" smtClean="0">
+                <a:latin typeface="Consolas" panose="020B0609020204030204" pitchFamily="49" charset="0"/>
+              </a:rPr>
+              <a:t>, </a:t>
+            </a:r>
+            <a:r>
+              <a:rPr lang="en-US" sz="2400" dirty="0">
+                <a:latin typeface="Consolas" panose="020B0609020204030204" pitchFamily="49" charset="0"/>
+              </a:rPr>
+              <a:t>t</a:t>
+            </a:r>
+            <a:r>
+              <a:rPr lang="en-US" sz="2400" dirty="0" smtClean="0">
+                <a:latin typeface="Consolas" panose="020B0609020204030204" pitchFamily="49" charset="0"/>
+              </a:rPr>
+              <a:t>okens</a:t>
+            </a:r>
+            <a:r>
+              <a:rPr lang="en-US" sz="2400" dirty="0">
+                <a:latin typeface="Consolas" panose="020B0609020204030204" pitchFamily="49" charset="0"/>
+              </a:rPr>
+              <a:t>) </a:t>
+            </a:r>
+            <a:r>
+              <a:rPr lang="en-US" sz="2400" dirty="0" smtClean="0">
+                <a:latin typeface="Consolas" panose="020B0609020204030204" pitchFamily="49" charset="0"/>
+              </a:rPr>
+              <a:t>=</a:t>
+            </a:r>
+          </a:p>
+          <a:p>
+            <a:pPr marL="0" indent="0">
+              <a:buNone/>
+            </a:pPr>
+            <a:r>
+              <a:rPr lang="en-US" sz="2400" dirty="0" smtClean="0">
+                <a:latin typeface="Consolas" panose="020B0609020204030204" pitchFamily="49" charset="0"/>
+              </a:rPr>
+              <a:t>                             </a:t>
+            </a:r>
+            <a:r>
+              <a:rPr lang="en-US" sz="2400" dirty="0" err="1" smtClean="0">
+                <a:latin typeface="Consolas" panose="020B0609020204030204" pitchFamily="49" charset="0"/>
+              </a:rPr>
+              <a:t>GetTokensForParams</a:t>
+            </a:r>
+            <a:r>
+              <a:rPr lang="en-US" sz="2400" dirty="0" smtClean="0">
+                <a:latin typeface="Consolas" panose="020B0609020204030204" pitchFamily="49" charset="0"/>
+              </a:rPr>
+              <a:t>(macros[token].</a:t>
+            </a:r>
+            <a:r>
+              <a:rPr lang="en-US" sz="2400" dirty="0" err="1" smtClean="0">
+                <a:latin typeface="Consolas" panose="020B0609020204030204" pitchFamily="49" charset="0"/>
+              </a:rPr>
+              <a:t>Params</a:t>
+            </a:r>
+            <a:r>
+              <a:rPr lang="en-US" sz="2400" dirty="0" smtClean="0">
+                <a:latin typeface="Consolas" panose="020B0609020204030204" pitchFamily="49" charset="0"/>
+              </a:rPr>
+              <a:t>, tokens)</a:t>
+            </a:r>
+          </a:p>
+          <a:p>
+            <a:pPr marL="0" indent="0">
+              <a:buNone/>
+            </a:pPr>
+            <a:r>
+              <a:rPr lang="en-US" sz="2400" dirty="0" smtClean="0">
+                <a:latin typeface="Consolas" panose="020B0609020204030204" pitchFamily="49" charset="0"/>
+              </a:rPr>
+              <a:t>    </a:t>
+            </a:r>
+            <a:r>
+              <a:rPr lang="en-US" sz="2400" dirty="0" err="1" smtClean="0">
+                <a:latin typeface="Consolas" panose="020B0609020204030204" pitchFamily="49" charset="0"/>
+              </a:rPr>
+              <a:t>valuesforParams</a:t>
+            </a:r>
+            <a:r>
+              <a:rPr lang="en-US" sz="2400" dirty="0" smtClean="0">
+                <a:latin typeface="Consolas" panose="020B0609020204030204" pitchFamily="49" charset="0"/>
+              </a:rPr>
+              <a:t> = [</a:t>
+            </a:r>
+            <a:r>
+              <a:rPr lang="en-US" sz="2400" dirty="0" err="1" smtClean="0">
+                <a:latin typeface="Consolas" panose="020B0609020204030204" pitchFamily="49" charset="0"/>
+              </a:rPr>
+              <a:t>ExpandMacros</a:t>
+            </a:r>
+            <a:r>
+              <a:rPr lang="en-US" sz="2400" dirty="0" smtClean="0">
+                <a:latin typeface="Consolas" panose="020B0609020204030204" pitchFamily="49" charset="0"/>
+              </a:rPr>
+              <a:t>(</a:t>
+            </a:r>
+            <a:r>
+              <a:rPr lang="en-US" sz="2400" dirty="0" err="1" smtClean="0">
+                <a:latin typeface="Consolas" panose="020B0609020204030204" pitchFamily="49" charset="0"/>
+              </a:rPr>
+              <a:t>tokensForParam</a:t>
+            </a:r>
+            <a:r>
+              <a:rPr lang="en-US" sz="2400" dirty="0" smtClean="0">
+                <a:latin typeface="Consolas" panose="020B0609020204030204" pitchFamily="49" charset="0"/>
+              </a:rPr>
+              <a:t>, macros) </a:t>
+            </a:r>
+            <a:r>
+              <a:rPr lang="en-US" sz="2400" b="1" dirty="0" smtClean="0">
+                <a:latin typeface="Consolas" panose="020B0609020204030204" pitchFamily="49" charset="0"/>
+              </a:rPr>
+              <a:t>for</a:t>
+            </a:r>
+          </a:p>
+          <a:p>
+            <a:pPr marL="0" indent="0">
+              <a:buNone/>
+            </a:pPr>
+            <a:r>
+              <a:rPr lang="en-US" sz="2400" dirty="0" smtClean="0">
+                <a:latin typeface="Consolas" panose="020B0609020204030204" pitchFamily="49" charset="0"/>
+              </a:rPr>
+              <a:t>       </a:t>
+            </a:r>
+            <a:r>
+              <a:rPr lang="en-US" sz="2400" dirty="0">
+                <a:latin typeface="Consolas" panose="020B0609020204030204" pitchFamily="49" charset="0"/>
+              </a:rPr>
+              <a:t> </a:t>
+            </a:r>
+            <a:r>
+              <a:rPr lang="en-US" sz="2400" dirty="0" smtClean="0">
+                <a:latin typeface="Consolas" panose="020B0609020204030204" pitchFamily="49" charset="0"/>
+              </a:rPr>
+              <a:t>                </a:t>
+            </a:r>
+            <a:r>
+              <a:rPr lang="en-US" sz="2400" dirty="0" err="1" smtClean="0">
+                <a:latin typeface="Consolas" panose="020B0609020204030204" pitchFamily="49" charset="0"/>
+              </a:rPr>
+              <a:t>tokensForParam</a:t>
+            </a:r>
+            <a:r>
+              <a:rPr lang="en-US" sz="2400" dirty="0" smtClean="0">
+                <a:latin typeface="Consolas" panose="020B0609020204030204" pitchFamily="49" charset="0"/>
+              </a:rPr>
+              <a:t> </a:t>
+            </a:r>
+            <a:r>
+              <a:rPr lang="en-US" sz="2400" b="1" dirty="0" smtClean="0">
+                <a:latin typeface="Consolas" panose="020B0609020204030204" pitchFamily="49" charset="0"/>
+              </a:rPr>
+              <a:t>in</a:t>
+            </a:r>
+            <a:r>
+              <a:rPr lang="en-US" sz="2400" dirty="0" smtClean="0">
+                <a:latin typeface="Consolas" panose="020B0609020204030204" pitchFamily="49" charset="0"/>
+              </a:rPr>
+              <a:t> </a:t>
+            </a:r>
+            <a:r>
+              <a:rPr lang="en-US" sz="2400" dirty="0" err="1" smtClean="0">
+                <a:latin typeface="Consolas" panose="020B0609020204030204" pitchFamily="49" charset="0"/>
+              </a:rPr>
+              <a:t>tokensForParams</a:t>
+            </a:r>
+            <a:r>
+              <a:rPr lang="en-US" sz="2400" dirty="0" smtClean="0">
+                <a:latin typeface="Consolas" panose="020B0609020204030204" pitchFamily="49" charset="0"/>
+              </a:rPr>
+              <a:t>]</a:t>
+            </a:r>
+          </a:p>
+          <a:p>
+            <a:pPr marL="0" indent="0">
+              <a:buNone/>
+            </a:pPr>
+            <a:r>
+              <a:rPr lang="en-US" sz="2400" dirty="0" smtClean="0">
+                <a:latin typeface="Consolas" panose="020B0609020204030204" pitchFamily="49" charset="0"/>
+              </a:rPr>
+              <a:t>    </a:t>
+            </a:r>
+            <a:r>
+              <a:rPr lang="en-US" sz="2400" dirty="0" err="1" smtClean="0">
+                <a:latin typeface="Consolas" panose="020B0609020204030204" pitchFamily="49" charset="0"/>
+              </a:rPr>
+              <a:t>expandedMacro</a:t>
+            </a:r>
+            <a:r>
+              <a:rPr lang="en-US" sz="2400" dirty="0" smtClean="0">
+                <a:latin typeface="Consolas" panose="020B0609020204030204" pitchFamily="49" charset="0"/>
+              </a:rPr>
+              <a:t> =</a:t>
+            </a:r>
+          </a:p>
+          <a:p>
+            <a:pPr marL="0" indent="0">
+              <a:buNone/>
+            </a:pPr>
+            <a:r>
+              <a:rPr lang="en-US" sz="2400" dirty="0" smtClean="0">
+                <a:latin typeface="Consolas" panose="020B0609020204030204" pitchFamily="49" charset="0"/>
+              </a:rPr>
+              <a:t>                    </a:t>
+            </a:r>
+            <a:r>
+              <a:rPr lang="en-US" sz="2400" dirty="0" err="1" smtClean="0">
+                <a:latin typeface="Consolas" panose="020B0609020204030204" pitchFamily="49" charset="0"/>
+              </a:rPr>
+              <a:t>ReplaceParamsWithValues</a:t>
+            </a:r>
+            <a:r>
+              <a:rPr lang="en-US" sz="2400" dirty="0" smtClean="0">
+                <a:latin typeface="Consolas" panose="020B0609020204030204" pitchFamily="49" charset="0"/>
+              </a:rPr>
+              <a:t>(</a:t>
+            </a:r>
+            <a:r>
+              <a:rPr lang="en-US" sz="2400" dirty="0" err="1" smtClean="0">
+                <a:latin typeface="Consolas" panose="020B0609020204030204" pitchFamily="49" charset="0"/>
+              </a:rPr>
+              <a:t>valuesForParams</a:t>
+            </a:r>
+            <a:r>
+              <a:rPr lang="en-US" sz="2400" dirty="0" smtClean="0">
+                <a:latin typeface="Consolas" panose="020B0609020204030204" pitchFamily="49" charset="0"/>
+              </a:rPr>
+              <a:t>, macros[token])</a:t>
+            </a:r>
+          </a:p>
+          <a:p>
+            <a:pPr marL="0" indent="0">
+              <a:buNone/>
+            </a:pPr>
+            <a:r>
+              <a:rPr lang="en-US" sz="2400" dirty="0" smtClean="0">
+                <a:latin typeface="Consolas" panose="020B0609020204030204" pitchFamily="49" charset="0"/>
+              </a:rPr>
+              <a:t>    </a:t>
+            </a:r>
+            <a:r>
+              <a:rPr lang="en-US" sz="2400" dirty="0" err="1" smtClean="0">
+                <a:latin typeface="Consolas" panose="020B0609020204030204" pitchFamily="49" charset="0"/>
+              </a:rPr>
+              <a:t>macrosCopy</a:t>
+            </a:r>
+            <a:r>
+              <a:rPr lang="en-US" sz="2400" dirty="0" smtClean="0">
+                <a:latin typeface="Consolas" panose="020B0609020204030204" pitchFamily="49" charset="0"/>
+              </a:rPr>
+              <a:t> = Copy(macros)</a:t>
+            </a:r>
+          </a:p>
+          <a:p>
+            <a:pPr marL="0" indent="0">
+              <a:buNone/>
+            </a:pPr>
+            <a:r>
+              <a:rPr lang="en-US" sz="2400" dirty="0" smtClean="0">
+                <a:latin typeface="Consolas" panose="020B0609020204030204" pitchFamily="49" charset="0"/>
+              </a:rPr>
+              <a:t>    </a:t>
+            </a:r>
+            <a:r>
+              <a:rPr lang="en-US" sz="2400" dirty="0" err="1" smtClean="0">
+                <a:latin typeface="Consolas" panose="020B0609020204030204" pitchFamily="49" charset="0"/>
+              </a:rPr>
+              <a:t>macrosCopy.pop</a:t>
+            </a:r>
+            <a:r>
+              <a:rPr lang="en-US" sz="2400" dirty="0" smtClean="0">
+                <a:latin typeface="Consolas" panose="020B0609020204030204" pitchFamily="49" charset="0"/>
+              </a:rPr>
+              <a:t>(token)</a:t>
+            </a:r>
+            <a:endParaRPr lang="ru-RU" sz="2400" dirty="0" smtClean="0">
+              <a:latin typeface="Consolas" panose="020B0609020204030204" pitchFamily="49" charset="0"/>
+            </a:endParaRPr>
+          </a:p>
+          <a:p>
+            <a:pPr marL="0" indent="0">
+              <a:buNone/>
+            </a:pPr>
+            <a:endParaRPr lang="en-US" sz="2400" dirty="0" smtClean="0">
+              <a:latin typeface="Consolas" panose="020B0609020204030204" pitchFamily="49" charset="0"/>
+            </a:endParaRPr>
+          </a:p>
+          <a:p>
+            <a:pPr marL="0" indent="0">
+              <a:buNone/>
+            </a:pPr>
+            <a:r>
+              <a:rPr lang="en-US" sz="2400" dirty="0" smtClean="0">
+                <a:latin typeface="Consolas" panose="020B0609020204030204" pitchFamily="49" charset="0"/>
+              </a:rPr>
+              <a:t>    </a:t>
+            </a:r>
+            <a:r>
+              <a:rPr lang="en-US" sz="2400" b="1" dirty="0" smtClean="0">
+                <a:latin typeface="Consolas" panose="020B0609020204030204" pitchFamily="49" charset="0"/>
+              </a:rPr>
+              <a:t>return</a:t>
+            </a:r>
+            <a:r>
+              <a:rPr lang="en-US" sz="2400" dirty="0" smtClean="0">
+                <a:latin typeface="Consolas" panose="020B0609020204030204" pitchFamily="49" charset="0"/>
+              </a:rPr>
+              <a:t> </a:t>
+            </a:r>
+            <a:r>
+              <a:rPr lang="en-US" sz="2400" dirty="0" err="1" smtClean="0">
+                <a:latin typeface="Consolas" panose="020B0609020204030204" pitchFamily="49" charset="0"/>
+              </a:rPr>
+              <a:t>ExpandMacros</a:t>
+            </a:r>
+            <a:r>
+              <a:rPr lang="en-US" sz="2400" dirty="0" smtClean="0">
+                <a:latin typeface="Consolas" panose="020B0609020204030204" pitchFamily="49" charset="0"/>
+              </a:rPr>
+              <a:t>(</a:t>
+            </a:r>
+            <a:r>
+              <a:rPr lang="en-US" sz="2400" dirty="0" err="1" smtClean="0">
+                <a:latin typeface="Consolas" panose="020B0609020204030204" pitchFamily="49" charset="0"/>
+              </a:rPr>
+              <a:t>expandedMacro</a:t>
+            </a:r>
+            <a:r>
+              <a:rPr lang="en-US" sz="2400" dirty="0" smtClean="0">
+                <a:latin typeface="Consolas" panose="020B0609020204030204" pitchFamily="49" charset="0"/>
+              </a:rPr>
+              <a:t> + tokens, </a:t>
+            </a:r>
+            <a:r>
+              <a:rPr lang="en-US" sz="2400" dirty="0" err="1" smtClean="0">
+                <a:latin typeface="Consolas" panose="020B0609020204030204" pitchFamily="49" charset="0"/>
+              </a:rPr>
+              <a:t>macrosCopy</a:t>
+            </a:r>
+            <a:r>
+              <a:rPr lang="en-US" sz="2400" dirty="0" smtClean="0">
+                <a:latin typeface="Consolas" panose="020B0609020204030204" pitchFamily="49" charset="0"/>
+              </a:rPr>
+              <a:t>)</a:t>
+            </a:r>
+            <a:endParaRPr lang="en-US" sz="2400" dirty="0">
+              <a:latin typeface="Consolas" panose="020B0609020204030204" pitchFamily="49" charset="0"/>
+            </a:endParaRPr>
+          </a:p>
+          <a:p>
+            <a:endParaRPr lang="ru-RU" sz="2400" dirty="0">
+              <a:latin typeface="Consolas" panose="020B0609020204030204" pitchFamily="49" charset="0"/>
+            </a:endParaRPr>
+          </a:p>
+        </p:txBody>
+      </p:sp>
+      <p:sp>
+        <p:nvSpPr>
+          <p:cNvPr id="5" name="Выноска 1 4"/>
+          <p:cNvSpPr/>
           <p:nvPr/>
         </p:nvSpPr>
         <p:spPr>
           <a:xfrm>
-            <a:off x="5807968" y="1988841"/>
-            <a:ext cx="4680520" cy="2246769"/>
+            <a:off x="8904312" y="3861048"/>
+            <a:ext cx="2304256" cy="396624"/>
           </a:xfrm>
-          <a:prstGeom prst="rect">
-            <a:avLst/>
+          <a:prstGeom prst="borderCallout1">
+            <a:avLst>
+              <a:gd name="adj1" fmla="val 53767"/>
+              <a:gd name="adj2" fmla="val -3328"/>
+              <a:gd name="adj3" fmla="val 123318"/>
+              <a:gd name="adj4" fmla="val -206664"/>
+            </a:avLst>
           </a:prstGeom>
           <a:noFill/>
+          <a:ln>
+            <a:tailEnd type="oval"/>
+          </a:ln>
         </p:spPr>
-        <p:txBody>
-          <a:bodyPr wrap="square" rtlCol="0">
-            <a:spAutoFit/>
-          </a:bodyPr>
+        <p:style>
+          <a:lnRef idx="2">
+            <a:schemeClr val="accent1">
+              <a:shade val="50000"/>
+            </a:schemeClr>
+          </a:lnRef>
+          <a:fillRef idx="1">
+            <a:schemeClr val="accent1"/>
+          </a:fillRef>
+          <a:effectRef idx="0">
+            <a:schemeClr val="accent1"/>
+          </a:effectRef>
+          <a:fontRef idx="minor">
+            <a:schemeClr val="lt1"/>
+          </a:fontRef>
+        </p:style>
+        <p:txBody>
+          <a:bodyPr rtlCol="0" anchor="ctr"/>
           <a:lstStyle/>
           <a:p>
-            <a:r>
-              <a:rPr lang="ru-RU" sz="2000" dirty="0"/>
-              <a:t>Условие:</a:t>
-            </a:r>
-          </a:p>
-          <a:p>
-            <a:pPr marL="457200" indent="-457200">
-              <a:buFont typeface="Arial" pitchFamily="34" charset="0"/>
-              <a:buChar char="•"/>
-            </a:pPr>
-            <a:r>
-              <a:rPr lang="en-US" sz="2000" dirty="0"/>
-              <a:t>defined </a:t>
-            </a:r>
-            <a:r>
-              <a:rPr lang="ru-RU" sz="2000" dirty="0"/>
-              <a:t>макрос</a:t>
-            </a:r>
-            <a:endParaRPr lang="en-US" sz="2000" dirty="0"/>
-          </a:p>
-          <a:p>
-            <a:pPr marL="457200" indent="-457200">
-              <a:buFont typeface="Arial" pitchFamily="34" charset="0"/>
-              <a:buChar char="•"/>
-            </a:pPr>
-            <a:r>
-              <a:rPr lang="ru-RU" sz="2000" dirty="0"/>
-              <a:t>Арифметические, логические, побитовые операции, скобки</a:t>
-            </a:r>
-          </a:p>
-          <a:p>
-            <a:pPr marL="457200" indent="-457200">
-              <a:buFont typeface="Arial" pitchFamily="34" charset="0"/>
-              <a:buChar char="•"/>
-            </a:pPr>
-            <a:r>
-              <a:rPr lang="ru-RU" sz="2000" dirty="0"/>
-              <a:t>Символы, целые числа</a:t>
-            </a:r>
-          </a:p>
-          <a:p>
-            <a:pPr marL="457200" indent="-457200">
-              <a:buFont typeface="Arial" pitchFamily="34" charset="0"/>
-              <a:buChar char="•"/>
-            </a:pPr>
-            <a:r>
-              <a:rPr lang="ru-RU" sz="2000" dirty="0"/>
-              <a:t>Макросы, раскрывающиеся в символы или целые числа</a:t>
-            </a:r>
-            <a:endParaRPr lang="ru-RU" sz="2000" dirty="0"/>
+            <a:pPr algn="ctr"/>
+            <a:r>
+              <a:rPr lang="ru-RU" dirty="0" smtClean="0">
+                <a:solidFill>
+                  <a:schemeClr val="tx1"/>
+                </a:solidFill>
+              </a:rPr>
+              <a:t>… и выполнить </a:t>
+            </a:r>
+            <a:r>
+              <a:rPr lang="en-US" dirty="0" smtClean="0">
+                <a:solidFill>
+                  <a:schemeClr val="tx1"/>
+                </a:solidFill>
+              </a:rPr>
+              <a:t>##</a:t>
+            </a:r>
+            <a:r>
+              <a:rPr lang="ru-RU" dirty="0" smtClean="0">
+                <a:solidFill>
+                  <a:schemeClr val="tx1"/>
+                </a:solidFill>
+              </a:rPr>
+              <a:t> и </a:t>
+            </a:r>
+            <a:r>
+              <a:rPr lang="en-US" dirty="0" smtClean="0">
+                <a:solidFill>
+                  <a:schemeClr val="tx1"/>
+                </a:solidFill>
+              </a:rPr>
+              <a:t>#</a:t>
+            </a:r>
+            <a:endParaRPr lang="ru-RU" dirty="0">
+              <a:solidFill>
+                <a:schemeClr val="tx1"/>
+              </a:solidFill>
+            </a:endParaRPr>
+          </a:p>
+        </p:txBody>
+      </p:sp>
+      <p:sp>
+        <p:nvSpPr>
+          <p:cNvPr id="6" name="Выноска 1 5"/>
+          <p:cNvSpPr/>
+          <p:nvPr/>
+        </p:nvSpPr>
+        <p:spPr>
+          <a:xfrm>
+            <a:off x="8904312" y="2060848"/>
+            <a:ext cx="2664296" cy="1114532"/>
+          </a:xfrm>
+          <a:prstGeom prst="borderCallout1">
+            <a:avLst>
+              <a:gd name="adj1" fmla="val 74714"/>
+              <a:gd name="adj2" fmla="val -2963"/>
+              <a:gd name="adj3" fmla="val 99255"/>
+              <a:gd name="adj4" fmla="val -176750"/>
+            </a:avLst>
+          </a:prstGeom>
+          <a:noFill/>
+          <a:ln>
+            <a:tailEnd type="oval"/>
+          </a:ln>
+        </p:spPr>
+        <p:style>
+          <a:lnRef idx="2">
+            <a:schemeClr val="accent1">
+              <a:shade val="50000"/>
+            </a:schemeClr>
+          </a:lnRef>
+          <a:fillRef idx="1">
+            <a:schemeClr val="accent1"/>
+          </a:fillRef>
+          <a:effectRef idx="0">
+            <a:schemeClr val="accent1"/>
+          </a:effectRef>
+          <a:fontRef idx="minor">
+            <a:schemeClr val="lt1"/>
+          </a:fontRef>
+        </p:style>
+        <p:txBody>
+          <a:bodyPr rtlCol="0" anchor="ctr"/>
+          <a:lstStyle/>
+          <a:p>
+            <a:r>
+              <a:rPr lang="ru-RU" dirty="0" smtClean="0">
+                <a:solidFill>
+                  <a:schemeClr val="tx1"/>
+                </a:solidFill>
+              </a:rPr>
+              <a:t>… так, чтобы для каждого параметра соблюдался баланс скобок</a:t>
+            </a:r>
+            <a:endParaRPr lang="ru-RU" dirty="0">
+              <a:solidFill>
+                <a:schemeClr val="tx1"/>
+              </a:solidFill>
+            </a:endParaRPr>
           </a:p>
         </p:txBody>
       </p:sp>
     </p:spTree>
     <p:extLst>
       <p:ext uri="{BB962C8B-B14F-4D97-AF65-F5344CB8AC3E}">
-        <p14:creationId xmlns:p14="http://schemas.microsoft.com/office/powerpoint/2010/main" val="3492821328"/>
+        <p14:creationId xmlns:p14="http://schemas.microsoft.com/office/powerpoint/2010/main" val="2312605697"/>
+      </p:ext>
+    </p:extLst>
+  </p:cSld>
+  <p:clrMapOvr>
+    <a:masterClrMapping/>
+  </p:clrMapOvr>
+  <p:timing>
+    <p:tnLst>
+      <p:par>
+        <p:cTn id="1" dur="indefinite" restart="never" nodeType="tmRoot"/>
+      </p:par>
+    </p:tnLst>
+  </p:timing>
+</p:sld>
+</file>
+
+<file path=ppt/slides/slide21.xml><?xml version="1.0" encoding="utf-8"?>
+<p:sld xmlns:a="http://schemas.openxmlformats.org/drawingml/2006/main" xmlns:r="http://schemas.openxmlformats.org/officeDocument/2006/relationships" xmlns:p="http://schemas.openxmlformats.org/presentationml/2006/main">
+  <p:cSld>
+    <p:spTree>
+      <p:nvGrpSpPr>
+        <p:cNvPr id="1" name=""/>
+        <p:cNvGrpSpPr/>
+        <p:nvPr/>
+      </p:nvGrpSpPr>
+      <p:grpSpPr>
+        <a:xfrm>
+          <a:off x="0" y="0"/>
+          <a:ext cx="0" cy="0"/>
+          <a:chOff x="0" y="0"/>
+          <a:chExt cx="0" cy="0"/>
+        </a:xfrm>
+      </p:grpSpPr>
+      <p:sp>
+        <p:nvSpPr>
+          <p:cNvPr id="2" name="Title 1"/>
+          <p:cNvSpPr>
+            <a:spLocks noGrp="1"/>
+          </p:cNvSpPr>
+          <p:nvPr>
+            <p:ph type="title"/>
+          </p:nvPr>
+        </p:nvSpPr>
+        <p:spPr/>
+        <p:txBody>
+          <a:bodyPr>
+            <a:normAutofit/>
+          </a:bodyPr>
+          <a:lstStyle/>
+          <a:p>
+            <a:r>
+              <a:rPr lang="ru-RU" dirty="0" smtClean="0"/>
+              <a:t>Иногда полезные директивы</a:t>
+            </a:r>
+            <a:endParaRPr lang="ru-RU" dirty="0"/>
+          </a:p>
+        </p:txBody>
+      </p:sp>
+      <p:sp>
+        <p:nvSpPr>
+          <p:cNvPr id="4" name="Content Placeholder 3"/>
+          <p:cNvSpPr>
+            <a:spLocks noGrp="1"/>
+          </p:cNvSpPr>
+          <p:nvPr>
+            <p:ph sz="half" idx="1"/>
+          </p:nvPr>
+        </p:nvSpPr>
+        <p:spPr/>
+        <p:txBody>
+          <a:bodyPr>
+            <a:normAutofit fontScale="92500" lnSpcReduction="20000"/>
+          </a:bodyPr>
+          <a:lstStyle/>
+          <a:p>
+            <a:r>
+              <a:rPr lang="ru-RU" sz="1600" dirty="0" err="1" smtClean="0"/>
+              <a:t>line</a:t>
+            </a:r>
+            <a:r>
+              <a:rPr lang="ru-RU" sz="1600" dirty="0" smtClean="0"/>
+              <a:t> — установить служебный макрос </a:t>
+            </a:r>
+            <a:r>
+              <a:rPr lang="en-US" sz="1600" dirty="0" smtClean="0"/>
+              <a:t>__LINE__ (</a:t>
+            </a:r>
+            <a:r>
+              <a:rPr lang="ru-RU" sz="1600" dirty="0" smtClean="0"/>
+              <a:t>номер текущей строки</a:t>
+            </a:r>
+            <a:r>
+              <a:rPr lang="en-US" sz="1600" dirty="0" smtClean="0"/>
+              <a:t> </a:t>
+            </a:r>
+            <a:r>
+              <a:rPr lang="ru-RU" sz="1600" dirty="0" smtClean="0"/>
+              <a:t>на входе препроцессора</a:t>
+            </a:r>
+            <a:r>
+              <a:rPr lang="en-US" sz="1600" dirty="0" smtClean="0"/>
+              <a:t>)</a:t>
+            </a:r>
+            <a:r>
+              <a:rPr lang="ru-RU" sz="1600" dirty="0" smtClean="0"/>
+              <a:t> в заданное значение</a:t>
+            </a:r>
+            <a:endParaRPr lang="en-US" sz="1600" dirty="0" smtClean="0"/>
+          </a:p>
+          <a:p>
+            <a:endParaRPr lang="ru-RU" sz="1600" dirty="0"/>
+          </a:p>
+          <a:p>
+            <a:r>
+              <a:rPr lang="ru-RU" sz="1600" dirty="0"/>
+              <a:t>error — </a:t>
+            </a:r>
+            <a:r>
+              <a:rPr lang="ru-RU" sz="1600" dirty="0" smtClean="0"/>
+              <a:t>завершить работу с ошибкой</a:t>
+            </a:r>
+            <a:endParaRPr lang="en-US" sz="1600" dirty="0" smtClean="0"/>
+          </a:p>
+          <a:p>
+            <a:endParaRPr lang="ru-RU" sz="1600" dirty="0"/>
+          </a:p>
+          <a:p>
+            <a:r>
+              <a:rPr lang="ru-RU" sz="1600" dirty="0"/>
+              <a:t>pragma </a:t>
+            </a:r>
+            <a:r>
+              <a:rPr lang="ru-RU" sz="1600" dirty="0" smtClean="0"/>
+              <a:t>— </a:t>
+            </a:r>
+            <a:r>
+              <a:rPr lang="en-US" sz="1600" dirty="0" smtClean="0"/>
+              <a:t>implementation-specific </a:t>
+            </a:r>
+            <a:r>
+              <a:rPr lang="ru-RU" sz="1600" dirty="0" smtClean="0"/>
+              <a:t>действия на основе текста, следующего за директивой </a:t>
+            </a:r>
+            <a:r>
+              <a:rPr lang="en-US" sz="1600" dirty="0" smtClean="0"/>
+              <a:t>pragma</a:t>
+            </a:r>
+            <a:endParaRPr lang="ru-RU" sz="1600" dirty="0"/>
+          </a:p>
+          <a:p>
+            <a:endParaRPr lang="ru-RU" sz="1600" dirty="0"/>
+          </a:p>
+        </p:txBody>
+      </p:sp>
+      <p:sp>
+        <p:nvSpPr>
+          <p:cNvPr id="3" name="Объект 2"/>
+          <p:cNvSpPr>
+            <a:spLocks noGrp="1"/>
+          </p:cNvSpPr>
+          <p:nvPr>
+            <p:ph sz="half" idx="2"/>
+          </p:nvPr>
+        </p:nvSpPr>
+        <p:spPr/>
+        <p:txBody>
+          <a:bodyPr>
+            <a:normAutofit fontScale="92500" lnSpcReduction="20000"/>
+          </a:bodyPr>
+          <a:lstStyle/>
+          <a:p>
+            <a:pPr marL="0" indent="0">
+              <a:buNone/>
+            </a:pPr>
+            <a:r>
+              <a:rPr lang="en-US" sz="1600" dirty="0" err="1">
+                <a:solidFill>
+                  <a:srgbClr val="0000FF"/>
+                </a:solidFill>
+                <a:latin typeface="Consolas" panose="020B0609020204030204" pitchFamily="49" charset="0"/>
+              </a:rPr>
+              <a:t>int</a:t>
+            </a:r>
+            <a:r>
+              <a:rPr lang="en-US" sz="1600" dirty="0">
+                <a:solidFill>
+                  <a:srgbClr val="000000"/>
+                </a:solidFill>
+                <a:latin typeface="Consolas" panose="020B0609020204030204" pitchFamily="49" charset="0"/>
+              </a:rPr>
+              <a:t> a;</a:t>
+            </a:r>
+          </a:p>
+          <a:p>
+            <a:pPr marL="0" indent="0">
+              <a:buNone/>
+            </a:pPr>
+            <a:r>
+              <a:rPr lang="en-US" sz="1600" dirty="0" err="1">
+                <a:solidFill>
+                  <a:srgbClr val="0000FF"/>
+                </a:solidFill>
+                <a:latin typeface="Consolas" panose="020B0609020204030204" pitchFamily="49" charset="0"/>
+              </a:rPr>
+              <a:t>int</a:t>
+            </a:r>
+            <a:r>
+              <a:rPr lang="en-US" sz="1600" dirty="0">
+                <a:solidFill>
+                  <a:srgbClr val="000000"/>
+                </a:solidFill>
+                <a:latin typeface="Consolas" panose="020B0609020204030204" pitchFamily="49" charset="0"/>
+              </a:rPr>
+              <a:t> b;</a:t>
+            </a:r>
+          </a:p>
+          <a:p>
+            <a:pPr marL="0" indent="0">
+              <a:buNone/>
+            </a:pPr>
+            <a:r>
+              <a:rPr lang="en-US" sz="1600" dirty="0">
+                <a:solidFill>
+                  <a:srgbClr val="808080"/>
+                </a:solidFill>
+                <a:latin typeface="Consolas" panose="020B0609020204030204" pitchFamily="49" charset="0"/>
+              </a:rPr>
+              <a:t>#line</a:t>
+            </a:r>
+            <a:r>
+              <a:rPr lang="en-US" sz="1600" dirty="0">
+                <a:solidFill>
+                  <a:srgbClr val="000000"/>
+                </a:solidFill>
+                <a:latin typeface="Consolas" panose="020B0609020204030204" pitchFamily="49" charset="0"/>
+              </a:rPr>
+              <a:t> 2019</a:t>
+            </a:r>
+          </a:p>
+          <a:p>
+            <a:pPr marL="0" indent="0">
+              <a:buNone/>
+            </a:pPr>
+            <a:r>
+              <a:rPr lang="en-US" sz="1600" dirty="0">
+                <a:solidFill>
+                  <a:srgbClr val="808080"/>
+                </a:solidFill>
+                <a:latin typeface="Consolas" panose="020B0609020204030204" pitchFamily="49" charset="0"/>
+              </a:rPr>
+              <a:t>#if</a:t>
+            </a:r>
+            <a:r>
+              <a:rPr lang="en-US" sz="1600" dirty="0">
+                <a:solidFill>
+                  <a:srgbClr val="000000"/>
+                </a:solidFill>
+                <a:latin typeface="Consolas" panose="020B0609020204030204" pitchFamily="49" charset="0"/>
+              </a:rPr>
+              <a:t> </a:t>
+            </a:r>
+            <a:r>
+              <a:rPr lang="en-US" sz="1600" dirty="0">
+                <a:solidFill>
+                  <a:srgbClr val="6F008A"/>
+                </a:solidFill>
+                <a:latin typeface="Consolas" panose="020B0609020204030204" pitchFamily="49" charset="0"/>
+              </a:rPr>
+              <a:t>__LINE__</a:t>
+            </a:r>
+            <a:r>
+              <a:rPr lang="en-US" sz="1600" dirty="0">
+                <a:solidFill>
+                  <a:srgbClr val="000000"/>
+                </a:solidFill>
+                <a:latin typeface="Consolas" panose="020B0609020204030204" pitchFamily="49" charset="0"/>
+              </a:rPr>
+              <a:t> == 2019</a:t>
+            </a:r>
+          </a:p>
+          <a:p>
+            <a:pPr marL="0" indent="0">
+              <a:buNone/>
+            </a:pPr>
+            <a:r>
+              <a:rPr lang="en-US" sz="1600" dirty="0">
+                <a:solidFill>
+                  <a:srgbClr val="808080"/>
+                </a:solidFill>
+                <a:latin typeface="Consolas" panose="020B0609020204030204" pitchFamily="49" charset="0"/>
+              </a:rPr>
+              <a:t>#pragma</a:t>
+            </a:r>
+            <a:r>
+              <a:rPr lang="en-US" sz="1600" dirty="0">
+                <a:solidFill>
+                  <a:srgbClr val="000000"/>
+                </a:solidFill>
+                <a:latin typeface="Consolas" panose="020B0609020204030204" pitchFamily="49" charset="0"/>
+              </a:rPr>
+              <a:t> </a:t>
+            </a:r>
+            <a:r>
+              <a:rPr lang="en-US" sz="1600" dirty="0">
+                <a:solidFill>
+                  <a:srgbClr val="808080"/>
+                </a:solidFill>
+                <a:latin typeface="Consolas" panose="020B0609020204030204" pitchFamily="49" charset="0"/>
+              </a:rPr>
+              <a:t>message</a:t>
+            </a:r>
+            <a:r>
+              <a:rPr lang="en-US" sz="1600" dirty="0">
+                <a:solidFill>
+                  <a:srgbClr val="000000"/>
+                </a:solidFill>
+                <a:latin typeface="Consolas" panose="020B0609020204030204" pitchFamily="49" charset="0"/>
+              </a:rPr>
+              <a:t> </a:t>
+            </a:r>
+            <a:r>
+              <a:rPr lang="en-US" sz="1600" dirty="0">
+                <a:solidFill>
+                  <a:srgbClr val="A31515"/>
+                </a:solidFill>
+                <a:latin typeface="Consolas" panose="020B0609020204030204" pitchFamily="49" charset="0"/>
+              </a:rPr>
+              <a:t>"Happy New Year!"</a:t>
+            </a:r>
+            <a:endParaRPr lang="en-US" sz="1600" dirty="0">
+              <a:solidFill>
+                <a:srgbClr val="000000"/>
+              </a:solidFill>
+              <a:latin typeface="Consolas" panose="020B0609020204030204" pitchFamily="49" charset="0"/>
+            </a:endParaRPr>
+          </a:p>
+          <a:p>
+            <a:pPr marL="0" indent="0">
+              <a:buNone/>
+            </a:pPr>
+            <a:r>
+              <a:rPr lang="en-US" sz="1600" dirty="0" smtClean="0">
+                <a:solidFill>
+                  <a:srgbClr val="808080"/>
+                </a:solidFill>
+                <a:latin typeface="Consolas" panose="020B0609020204030204" pitchFamily="49" charset="0"/>
+              </a:rPr>
+              <a:t>#</a:t>
+            </a:r>
+            <a:r>
+              <a:rPr lang="en-US" sz="1600" dirty="0" err="1">
+                <a:solidFill>
+                  <a:srgbClr val="808080"/>
+                </a:solidFill>
+                <a:latin typeface="Consolas" panose="020B0609020204030204" pitchFamily="49" charset="0"/>
+              </a:rPr>
+              <a:t>endif</a:t>
+            </a:r>
+            <a:endParaRPr lang="en-US" sz="1600" dirty="0">
+              <a:solidFill>
+                <a:srgbClr val="000000"/>
+              </a:solidFill>
+              <a:latin typeface="Consolas" panose="020B0609020204030204" pitchFamily="49" charset="0"/>
+            </a:endParaRPr>
+          </a:p>
+          <a:p>
+            <a:pPr marL="0" indent="0">
+              <a:buNone/>
+            </a:pPr>
+            <a:r>
+              <a:rPr lang="en-US" sz="1600" dirty="0" err="1">
+                <a:solidFill>
+                  <a:srgbClr val="0000FF"/>
+                </a:solidFill>
+                <a:latin typeface="Consolas" panose="020B0609020204030204" pitchFamily="49" charset="0"/>
+              </a:rPr>
+              <a:t>int</a:t>
+            </a:r>
+            <a:r>
+              <a:rPr lang="en-US" sz="1600" dirty="0">
+                <a:solidFill>
+                  <a:srgbClr val="000000"/>
+                </a:solidFill>
+                <a:latin typeface="Consolas" panose="020B0609020204030204" pitchFamily="49" charset="0"/>
+              </a:rPr>
+              <a:t> c;</a:t>
+            </a:r>
+          </a:p>
+          <a:p>
+            <a:pPr marL="0" indent="0">
+              <a:buNone/>
+            </a:pPr>
+            <a:r>
+              <a:rPr lang="en-US" sz="1600" dirty="0" err="1">
+                <a:solidFill>
+                  <a:srgbClr val="0000FF"/>
+                </a:solidFill>
+                <a:latin typeface="Consolas" panose="020B0609020204030204" pitchFamily="49" charset="0"/>
+              </a:rPr>
+              <a:t>int</a:t>
+            </a:r>
+            <a:r>
+              <a:rPr lang="en-US" sz="1600" dirty="0">
+                <a:solidFill>
+                  <a:srgbClr val="000000"/>
+                </a:solidFill>
+                <a:latin typeface="Consolas" panose="020B0609020204030204" pitchFamily="49" charset="0"/>
+              </a:rPr>
+              <a:t> d;</a:t>
+            </a:r>
+          </a:p>
+          <a:p>
+            <a:pPr marL="0" indent="0">
+              <a:buNone/>
+            </a:pPr>
+            <a:r>
+              <a:rPr lang="en-US" sz="1600" dirty="0">
+                <a:solidFill>
+                  <a:srgbClr val="008000"/>
+                </a:solidFill>
+                <a:latin typeface="Consolas" panose="020B0609020204030204" pitchFamily="49" charset="0"/>
+              </a:rPr>
+              <a:t>//cl </a:t>
+            </a:r>
+            <a:r>
+              <a:rPr lang="en-US" sz="1600" dirty="0" smtClean="0">
+                <a:solidFill>
+                  <a:srgbClr val="008000"/>
+                </a:solidFill>
+                <a:latin typeface="Consolas" panose="020B0609020204030204" pitchFamily="49" charset="0"/>
+              </a:rPr>
+              <a:t>/</a:t>
+            </a:r>
+            <a:r>
+              <a:rPr lang="en-US" sz="1600" dirty="0" err="1" smtClean="0">
+                <a:solidFill>
+                  <a:srgbClr val="008000"/>
+                </a:solidFill>
+                <a:latin typeface="Consolas" panose="020B0609020204030204" pitchFamily="49" charset="0"/>
+              </a:rPr>
+              <a:t>nologo</a:t>
+            </a:r>
+            <a:r>
+              <a:rPr lang="en-US" sz="1600" dirty="0" smtClean="0">
+                <a:solidFill>
+                  <a:srgbClr val="008000"/>
+                </a:solidFill>
+                <a:latin typeface="Consolas" panose="020B0609020204030204" pitchFamily="49" charset="0"/>
+              </a:rPr>
+              <a:t> /E </a:t>
+            </a:r>
+            <a:r>
+              <a:rPr lang="en-US" sz="1600" dirty="0" err="1">
+                <a:solidFill>
+                  <a:srgbClr val="008000"/>
+                </a:solidFill>
+                <a:latin typeface="Consolas" panose="020B0609020204030204" pitchFamily="49" charset="0"/>
+              </a:rPr>
+              <a:t>prep.c</a:t>
+            </a:r>
+            <a:endParaRPr lang="en-US" sz="1600" dirty="0">
+              <a:solidFill>
+                <a:srgbClr val="000000"/>
+              </a:solidFill>
+              <a:latin typeface="Consolas" panose="020B0609020204030204" pitchFamily="49" charset="0"/>
+            </a:endParaRPr>
+          </a:p>
+          <a:p>
+            <a:pPr marL="0" indent="0">
+              <a:buNone/>
+            </a:pPr>
+            <a:r>
+              <a:rPr lang="en-US" sz="1600" dirty="0">
+                <a:solidFill>
+                  <a:srgbClr val="008000"/>
+                </a:solidFill>
+                <a:latin typeface="Consolas" panose="020B0609020204030204" pitchFamily="49" charset="0"/>
+              </a:rPr>
+              <a:t>//</a:t>
+            </a:r>
+            <a:r>
+              <a:rPr lang="en-US" sz="1600" dirty="0" err="1">
+                <a:solidFill>
+                  <a:srgbClr val="008000"/>
+                </a:solidFill>
+                <a:latin typeface="Consolas" panose="020B0609020204030204" pitchFamily="49" charset="0"/>
+              </a:rPr>
+              <a:t>prep.c</a:t>
+            </a:r>
+            <a:endParaRPr lang="en-US" sz="1600" dirty="0">
+              <a:solidFill>
+                <a:srgbClr val="000000"/>
+              </a:solidFill>
+              <a:latin typeface="Consolas" panose="020B0609020204030204" pitchFamily="49" charset="0"/>
+            </a:endParaRPr>
+          </a:p>
+          <a:p>
+            <a:pPr marL="0" indent="0">
+              <a:buNone/>
+            </a:pPr>
+            <a:r>
+              <a:rPr lang="en-US" sz="1600" dirty="0">
+                <a:solidFill>
+                  <a:srgbClr val="008000"/>
+                </a:solidFill>
+                <a:latin typeface="Consolas" panose="020B0609020204030204" pitchFamily="49" charset="0"/>
+              </a:rPr>
+              <a:t>//#line 1 "</a:t>
+            </a:r>
+            <a:r>
+              <a:rPr lang="en-US" sz="1600" dirty="0" err="1">
+                <a:solidFill>
+                  <a:srgbClr val="008000"/>
+                </a:solidFill>
+                <a:latin typeface="Consolas" panose="020B0609020204030204" pitchFamily="49" charset="0"/>
+              </a:rPr>
+              <a:t>prep.c</a:t>
+            </a:r>
+            <a:r>
+              <a:rPr lang="en-US" sz="1600" dirty="0">
+                <a:solidFill>
+                  <a:srgbClr val="008000"/>
+                </a:solidFill>
+                <a:latin typeface="Consolas" panose="020B0609020204030204" pitchFamily="49" charset="0"/>
+              </a:rPr>
+              <a:t>"</a:t>
+            </a:r>
+            <a:endParaRPr lang="en-US" sz="1600" dirty="0">
+              <a:solidFill>
+                <a:srgbClr val="000000"/>
+              </a:solidFill>
+              <a:latin typeface="Consolas" panose="020B0609020204030204" pitchFamily="49" charset="0"/>
+            </a:endParaRPr>
+          </a:p>
+          <a:p>
+            <a:pPr marL="0" indent="0">
+              <a:buNone/>
+            </a:pPr>
+            <a:r>
+              <a:rPr lang="en-US" sz="1600" dirty="0">
+                <a:solidFill>
+                  <a:srgbClr val="008000"/>
+                </a:solidFill>
+                <a:latin typeface="Consolas" panose="020B0609020204030204" pitchFamily="49" charset="0"/>
+              </a:rPr>
+              <a:t>//</a:t>
+            </a:r>
+            <a:r>
+              <a:rPr lang="en-US" sz="1600" dirty="0" err="1">
+                <a:solidFill>
+                  <a:srgbClr val="008000"/>
+                </a:solidFill>
+                <a:latin typeface="Consolas" panose="020B0609020204030204" pitchFamily="49" charset="0"/>
+              </a:rPr>
+              <a:t>int</a:t>
+            </a:r>
+            <a:r>
+              <a:rPr lang="en-US" sz="1600" dirty="0">
+                <a:solidFill>
+                  <a:srgbClr val="008000"/>
+                </a:solidFill>
+                <a:latin typeface="Consolas" panose="020B0609020204030204" pitchFamily="49" charset="0"/>
+              </a:rPr>
+              <a:t> a;</a:t>
+            </a:r>
+            <a:endParaRPr lang="en-US" sz="1600" dirty="0">
+              <a:solidFill>
+                <a:srgbClr val="000000"/>
+              </a:solidFill>
+              <a:latin typeface="Consolas" panose="020B0609020204030204" pitchFamily="49" charset="0"/>
+            </a:endParaRPr>
+          </a:p>
+          <a:p>
+            <a:pPr marL="0" indent="0">
+              <a:buNone/>
+            </a:pPr>
+            <a:r>
+              <a:rPr lang="en-US" sz="1600" dirty="0">
+                <a:solidFill>
+                  <a:srgbClr val="008000"/>
+                </a:solidFill>
+                <a:latin typeface="Consolas" panose="020B0609020204030204" pitchFamily="49" charset="0"/>
+              </a:rPr>
+              <a:t>//</a:t>
+            </a:r>
+            <a:r>
+              <a:rPr lang="en-US" sz="1600" dirty="0" err="1">
+                <a:solidFill>
+                  <a:srgbClr val="008000"/>
+                </a:solidFill>
+                <a:latin typeface="Consolas" panose="020B0609020204030204" pitchFamily="49" charset="0"/>
+              </a:rPr>
+              <a:t>int</a:t>
+            </a:r>
+            <a:r>
+              <a:rPr lang="en-US" sz="1600" dirty="0">
+                <a:solidFill>
+                  <a:srgbClr val="008000"/>
+                </a:solidFill>
+                <a:latin typeface="Consolas" panose="020B0609020204030204" pitchFamily="49" charset="0"/>
+              </a:rPr>
+              <a:t> b;</a:t>
+            </a:r>
+            <a:endParaRPr lang="en-US" sz="1600" dirty="0">
+              <a:solidFill>
+                <a:srgbClr val="000000"/>
+              </a:solidFill>
+              <a:latin typeface="Consolas" panose="020B0609020204030204" pitchFamily="49" charset="0"/>
+            </a:endParaRPr>
+          </a:p>
+          <a:p>
+            <a:pPr marL="0" indent="0">
+              <a:buNone/>
+            </a:pPr>
+            <a:r>
+              <a:rPr lang="en-US" sz="1600" dirty="0">
+                <a:solidFill>
+                  <a:srgbClr val="008000"/>
+                </a:solidFill>
+                <a:latin typeface="Consolas" panose="020B0609020204030204" pitchFamily="49" charset="0"/>
+              </a:rPr>
+              <a:t>//#line 2019 "</a:t>
+            </a:r>
+            <a:r>
+              <a:rPr lang="en-US" sz="1600" dirty="0" err="1">
+                <a:solidFill>
+                  <a:srgbClr val="008000"/>
+                </a:solidFill>
+                <a:latin typeface="Consolas" panose="020B0609020204030204" pitchFamily="49" charset="0"/>
+              </a:rPr>
+              <a:t>prep.c</a:t>
+            </a:r>
+            <a:r>
+              <a:rPr lang="en-US" sz="1600" dirty="0">
+                <a:solidFill>
+                  <a:srgbClr val="008000"/>
+                </a:solidFill>
+                <a:latin typeface="Consolas" panose="020B0609020204030204" pitchFamily="49" charset="0"/>
+              </a:rPr>
+              <a:t>"</a:t>
+            </a:r>
+            <a:endParaRPr lang="en-US" sz="1600" dirty="0">
+              <a:solidFill>
+                <a:srgbClr val="000000"/>
+              </a:solidFill>
+              <a:latin typeface="Consolas" panose="020B0609020204030204" pitchFamily="49" charset="0"/>
+            </a:endParaRPr>
+          </a:p>
+          <a:p>
+            <a:pPr marL="0" indent="0">
+              <a:buNone/>
+            </a:pPr>
+            <a:r>
+              <a:rPr lang="ru-RU" sz="1600" dirty="0">
+                <a:solidFill>
+                  <a:srgbClr val="008000"/>
+                </a:solidFill>
+                <a:latin typeface="Consolas" panose="020B0609020204030204" pitchFamily="49" charset="0"/>
+              </a:rPr>
+              <a:t>//</a:t>
+            </a:r>
+            <a:endParaRPr lang="ru-RU" sz="1600" dirty="0">
+              <a:solidFill>
+                <a:srgbClr val="000000"/>
+              </a:solidFill>
+              <a:latin typeface="Consolas" panose="020B0609020204030204" pitchFamily="49" charset="0"/>
+            </a:endParaRPr>
+          </a:p>
+          <a:p>
+            <a:pPr marL="0" indent="0">
+              <a:buNone/>
+            </a:pPr>
+            <a:r>
+              <a:rPr lang="en-US" sz="1600" dirty="0">
+                <a:solidFill>
+                  <a:srgbClr val="008000"/>
+                </a:solidFill>
+                <a:latin typeface="Consolas" panose="020B0609020204030204" pitchFamily="49" charset="0"/>
+              </a:rPr>
+              <a:t>//#pragma message "Happy New Year!"</a:t>
+            </a:r>
+            <a:endParaRPr lang="en-US" sz="1600" dirty="0">
+              <a:solidFill>
+                <a:srgbClr val="000000"/>
+              </a:solidFill>
+              <a:latin typeface="Consolas" panose="020B0609020204030204" pitchFamily="49" charset="0"/>
+            </a:endParaRPr>
+          </a:p>
+          <a:p>
+            <a:pPr marL="0" indent="0">
+              <a:buNone/>
+            </a:pPr>
+            <a:r>
+              <a:rPr lang="en-US" sz="1600" dirty="0">
+                <a:solidFill>
+                  <a:srgbClr val="008000"/>
+                </a:solidFill>
+                <a:latin typeface="Consolas" panose="020B0609020204030204" pitchFamily="49" charset="0"/>
+              </a:rPr>
+              <a:t>//#line 2022 "</a:t>
+            </a:r>
+            <a:r>
+              <a:rPr lang="en-US" sz="1600" dirty="0" err="1">
+                <a:solidFill>
+                  <a:srgbClr val="008000"/>
+                </a:solidFill>
+                <a:latin typeface="Consolas" panose="020B0609020204030204" pitchFamily="49" charset="0"/>
+              </a:rPr>
+              <a:t>prep.c</a:t>
+            </a:r>
+            <a:r>
+              <a:rPr lang="en-US" sz="1600" dirty="0">
+                <a:solidFill>
+                  <a:srgbClr val="008000"/>
+                </a:solidFill>
+                <a:latin typeface="Consolas" panose="020B0609020204030204" pitchFamily="49" charset="0"/>
+              </a:rPr>
+              <a:t>"</a:t>
+            </a:r>
+            <a:endParaRPr lang="en-US" sz="1600" dirty="0">
+              <a:solidFill>
+                <a:srgbClr val="000000"/>
+              </a:solidFill>
+              <a:latin typeface="Consolas" panose="020B0609020204030204" pitchFamily="49" charset="0"/>
+            </a:endParaRPr>
+          </a:p>
+          <a:p>
+            <a:pPr marL="0" indent="0">
+              <a:buNone/>
+            </a:pPr>
+            <a:r>
+              <a:rPr lang="en-US" sz="1600" dirty="0">
+                <a:solidFill>
+                  <a:srgbClr val="008000"/>
+                </a:solidFill>
+                <a:latin typeface="Consolas" panose="020B0609020204030204" pitchFamily="49" charset="0"/>
+              </a:rPr>
+              <a:t>//</a:t>
+            </a:r>
+            <a:r>
+              <a:rPr lang="en-US" sz="1600" dirty="0" err="1">
+                <a:solidFill>
+                  <a:srgbClr val="008000"/>
+                </a:solidFill>
+                <a:latin typeface="Consolas" panose="020B0609020204030204" pitchFamily="49" charset="0"/>
+              </a:rPr>
+              <a:t>int</a:t>
+            </a:r>
+            <a:r>
+              <a:rPr lang="en-US" sz="1600" dirty="0">
+                <a:solidFill>
+                  <a:srgbClr val="008000"/>
+                </a:solidFill>
+                <a:latin typeface="Consolas" panose="020B0609020204030204" pitchFamily="49" charset="0"/>
+              </a:rPr>
+              <a:t> c;</a:t>
+            </a:r>
+            <a:endParaRPr lang="en-US" sz="1600" dirty="0">
+              <a:solidFill>
+                <a:srgbClr val="000000"/>
+              </a:solidFill>
+              <a:latin typeface="Consolas" panose="020B0609020204030204" pitchFamily="49" charset="0"/>
+            </a:endParaRPr>
+          </a:p>
+          <a:p>
+            <a:pPr marL="0" indent="0">
+              <a:buNone/>
+            </a:pPr>
+            <a:r>
+              <a:rPr lang="en-US" sz="1600" dirty="0">
+                <a:solidFill>
+                  <a:srgbClr val="008000"/>
+                </a:solidFill>
+                <a:latin typeface="Consolas" panose="020B0609020204030204" pitchFamily="49" charset="0"/>
+              </a:rPr>
+              <a:t>//</a:t>
+            </a:r>
+            <a:r>
+              <a:rPr lang="en-US" sz="1600" dirty="0" err="1">
+                <a:solidFill>
+                  <a:srgbClr val="008000"/>
+                </a:solidFill>
+                <a:latin typeface="Consolas" panose="020B0609020204030204" pitchFamily="49" charset="0"/>
+              </a:rPr>
+              <a:t>int</a:t>
+            </a:r>
+            <a:r>
+              <a:rPr lang="en-US" sz="1600" dirty="0">
+                <a:solidFill>
+                  <a:srgbClr val="008000"/>
+                </a:solidFill>
+                <a:latin typeface="Consolas" panose="020B0609020204030204" pitchFamily="49" charset="0"/>
+              </a:rPr>
+              <a:t> d;</a:t>
+            </a:r>
+            <a:endParaRPr lang="en-US" sz="1600" dirty="0">
+              <a:solidFill>
+                <a:srgbClr val="000000"/>
+              </a:solidFill>
+              <a:latin typeface="Consolas" panose="020B0609020204030204" pitchFamily="49" charset="0"/>
+            </a:endParaRPr>
+          </a:p>
+          <a:p>
+            <a:endParaRPr lang="ru-RU" sz="1600" dirty="0"/>
+          </a:p>
+        </p:txBody>
+      </p:sp>
+    </p:spTree>
+    <p:extLst>
+      <p:ext uri="{BB962C8B-B14F-4D97-AF65-F5344CB8AC3E}">
+        <p14:creationId xmlns:p14="http://schemas.microsoft.com/office/powerpoint/2010/main" val="1956715117"/>
+      </p:ext>
+    </p:extLst>
+  </p:cSld>
+  <p:clrMapOvr>
+    <a:masterClrMapping/>
+  </p:clrMapOvr>
+  <p:timing>
+    <p:tnLst>
+      <p:par>
+        <p:cTn id="1" dur="indefinite" restart="never" nodeType="tmRoot"/>
+      </p:par>
+    </p:tnLst>
+  </p:timing>
+</p:sld>
+</file>
+
+<file path=ppt/slides/slide22.xml><?xml version="1.0" encoding="utf-8"?>
+<p:sld xmlns:a="http://schemas.openxmlformats.org/drawingml/2006/main" xmlns:r="http://schemas.openxmlformats.org/officeDocument/2006/relationships" xmlns:p="http://schemas.openxmlformats.org/presentationml/2006/main">
+  <p:cSld>
+    <p:spTree>
+      <p:nvGrpSpPr>
+        <p:cNvPr id="1" name=""/>
+        <p:cNvGrpSpPr/>
+        <p:nvPr/>
+      </p:nvGrpSpPr>
+      <p:grpSpPr>
+        <a:xfrm>
+          <a:off x="0" y="0"/>
+          <a:ext cx="0" cy="0"/>
+          <a:chOff x="0" y="0"/>
+          <a:chExt cx="0" cy="0"/>
+        </a:xfrm>
+      </p:grpSpPr>
+      <p:sp>
+        <p:nvSpPr>
+          <p:cNvPr id="2" name="Title 1"/>
+          <p:cNvSpPr>
+            <a:spLocks noGrp="1"/>
+          </p:cNvSpPr>
+          <p:nvPr>
+            <p:ph type="title"/>
+          </p:nvPr>
+        </p:nvSpPr>
+        <p:spPr/>
+        <p:txBody>
+          <a:bodyPr/>
+          <a:lstStyle/>
+          <a:p>
+            <a:r>
+              <a:rPr lang="ru-RU" dirty="0" smtClean="0"/>
+              <a:t>Заключение</a:t>
+            </a:r>
+            <a:endParaRPr lang="ru-RU" dirty="0"/>
+          </a:p>
+        </p:txBody>
+      </p:sp>
+      <p:sp>
+        <p:nvSpPr>
+          <p:cNvPr id="3" name="Content Placeholder 2"/>
+          <p:cNvSpPr>
+            <a:spLocks noGrp="1"/>
+          </p:cNvSpPr>
+          <p:nvPr>
+            <p:ph idx="1"/>
+          </p:nvPr>
+        </p:nvSpPr>
+        <p:spPr/>
+        <p:txBody>
+          <a:bodyPr>
+            <a:normAutofit/>
+          </a:bodyPr>
+          <a:lstStyle/>
+          <a:p>
+            <a:r>
+              <a:rPr lang="ru-RU" dirty="0"/>
+              <a:t>Препроцессор как часть компилятора</a:t>
+            </a:r>
+          </a:p>
+          <a:p>
+            <a:r>
+              <a:rPr lang="ru-RU" dirty="0"/>
+              <a:t>Этапы работы</a:t>
+            </a:r>
+            <a:endParaRPr lang="en-US" dirty="0"/>
+          </a:p>
+          <a:p>
+            <a:r>
+              <a:rPr lang="ru-RU" dirty="0" smtClean="0"/>
+              <a:t>Алгоритм </a:t>
+            </a:r>
+            <a:r>
+              <a:rPr lang="ru-RU" dirty="0"/>
+              <a:t>исполнения директив </a:t>
+            </a:r>
+            <a:r>
+              <a:rPr lang="ru-RU" dirty="0" smtClean="0"/>
+              <a:t>препроцессора</a:t>
+            </a:r>
+            <a:endParaRPr lang="ru-RU" dirty="0"/>
+          </a:p>
+          <a:p>
+            <a:pPr lvl="1"/>
+            <a:r>
+              <a:rPr lang="ru-RU" dirty="0"/>
+              <a:t>Условная компиляция</a:t>
+            </a:r>
+          </a:p>
+          <a:p>
+            <a:pPr lvl="1"/>
+            <a:r>
+              <a:rPr lang="ru-RU" dirty="0"/>
+              <a:t>Алгоритм макро подстановки</a:t>
+            </a:r>
+          </a:p>
+          <a:p>
+            <a:endParaRPr lang="ru-RU" dirty="0"/>
+          </a:p>
+        </p:txBody>
+      </p:sp>
+    </p:spTree>
+    <p:extLst>
+      <p:ext uri="{BB962C8B-B14F-4D97-AF65-F5344CB8AC3E}">
+        <p14:creationId xmlns:p14="http://schemas.microsoft.com/office/powerpoint/2010/main" val="4284340766"/>
       </p:ext>
     </p:extLst>
   </p:cSld>
@@ -5854,7 +8210,9 @@
         </p:nvSpPr>
         <p:spPr/>
         <p:txBody>
-          <a:bodyPr/>
+          <a:bodyPr>
+            <a:normAutofit lnSpcReduction="10000"/>
+          </a:bodyPr>
           <a:lstStyle/>
           <a:p>
             <a:r>
@@ -5886,6 +8244,9 @@
             <a:endParaRPr lang="en-US" dirty="0" smtClean="0"/>
           </a:p>
           <a:p>
+            <a:endParaRPr lang="en-US" dirty="0" smtClean="0"/>
+          </a:p>
+          <a:p>
             <a:r>
               <a:rPr lang="ru-RU" dirty="0" smtClean="0"/>
               <a:t>Стандарты</a:t>
@@ -5906,8 +8267,13 @@
             <a:pPr lvl="1"/>
             <a:r>
               <a:rPr lang="ru-RU" dirty="0" smtClean="0"/>
-              <a:t>С99 – //, описание переменных не в начале блока, массивы переменной длины</a:t>
-            </a:r>
+              <a:t>С99 – описание переменных не в начале блока, массивы переменной длины</a:t>
+            </a:r>
+            <a:r>
+              <a:rPr lang="en-US" dirty="0" smtClean="0"/>
+              <a:t>, …</a:t>
+            </a:r>
+            <a:endParaRPr lang="ru-RU" dirty="0" smtClean="0"/>
           </a:p>
           <a:p>
             <a:pPr lvl="1"/>
@@ -5992,56 +8358,42 @@
         <p:spPr/>
         <p:txBody>
           <a:bodyPr>
-            <a:normAutofit fontScale="92500" lnSpcReduction="20000"/>
+            <a:normAutofit fontScale="77500" lnSpcReduction="20000"/>
           </a:bodyPr>
           <a:lstStyle/>
           <a:p>
             <a:r>
               <a:rPr lang="ru-RU" sz="4000" dirty="0"/>
-              <a:t>Программа </a:t>
+              <a:t>Программа на Си -- одна или несколько единиц компиляции (файлов)</a:t>
+            </a:r>
+          </a:p>
+          <a:p>
+            <a:endParaRPr lang="en-US" sz="4000" dirty="0" smtClean="0"/>
+          </a:p>
+          <a:p>
+            <a:r>
+              <a:rPr lang="ru-RU" sz="4000" dirty="0" smtClean="0"/>
+              <a:t>Стадии </a:t>
             </a:r>
             <a:r>
               <a:rPr lang="ru-RU" sz="4000" dirty="0"/>
-              <a:t>на Си -- одна </a:t>
-            </a:r>
-            <a:r>
-              <a:rPr lang="ru-RU" sz="4000" dirty="0"/>
-              <a:t>или </a:t>
-            </a:r>
-            <a:r>
-              <a:rPr lang="ru-RU" sz="4000" dirty="0"/>
-              <a:t>несколько </a:t>
-            </a:r>
-            <a:r>
-              <a:rPr lang="ru-RU" sz="4000" i="1" dirty="0"/>
-              <a:t>единиц компиляции </a:t>
-            </a:r>
-            <a:r>
-              <a:rPr lang="ru-RU" sz="4000" dirty="0"/>
-              <a:t>(файлов)</a:t>
-            </a:r>
-          </a:p>
-          <a:p>
-            <a:r>
-              <a:rPr lang="ru-RU" sz="4000" dirty="0"/>
-              <a:t>Стадии работы компилятора</a:t>
+              <a:t>работы компилятора</a:t>
             </a:r>
           </a:p>
           <a:p>
             <a:pPr lvl="1"/>
             <a:r>
               <a:rPr lang="ru-RU" sz="3600" dirty="0"/>
-              <a:t>Формирование </a:t>
-            </a:r>
-            <a:r>
-              <a:rPr lang="ru-RU" sz="3600" i="1" dirty="0"/>
-              <a:t>лексем</a:t>
+              <a:t>Формирование лексем (в том числе работа </a:t>
+            </a:r>
+            <a:r>
+              <a:rPr lang="ru-RU" sz="3600" b="1" dirty="0"/>
+              <a:t>препроцессора</a:t>
             </a:r>
             <a:r>
               <a:rPr lang="ru-RU" sz="3600" dirty="0"/>
-              <a:t> (в том числе работа препроцессора)</a:t>
-            </a:r>
-            <a:endParaRPr lang="ru-RU" sz="3600" i="1" dirty="0"/>
+              <a:t>)</a:t>
+            </a:r>
           </a:p>
           <a:p>
             <a:pPr lvl="1"/>
@@ -6144,21 +8496,16 @@
             <p:ph idx="1"/>
           </p:nvPr>
         </p:nvSpPr>
-        <p:spPr>
-          <a:xfrm>
-            <a:off x="2438400" y="1484784"/>
-            <a:ext cx="7772400" cy="4870776"/>
-          </a:xfrm>
-        </p:spPr>
+        <p:spPr/>
         <p:txBody>
           <a:bodyPr>
-            <a:normAutofit fontScale="77500" lnSpcReduction="20000"/>
+            <a:normAutofit fontScale="85000" lnSpcReduction="20000"/>
           </a:bodyPr>
           <a:lstStyle/>
           <a:p>
             <a:r>
               <a:rPr lang="ru-RU" dirty="0" smtClean="0"/>
-              <a:t>Препроцессор – это интерпретатор специального языка преобразования текстов</a:t>
+              <a:t>Интерпретатор специального языка преобразования текстов</a:t>
             </a:r>
           </a:p>
           <a:p>
@@ -6168,7 +8515,7 @@
           <a:p>
             <a:r>
               <a:rPr lang="ru-RU" dirty="0" smtClean="0"/>
-              <a:t>Препроцессор языка Си – это часть компилятора</a:t>
+              <a:t>Часть компилятора</a:t>
             </a:r>
             <a:r>
               <a:rPr lang="ru-RU" dirty="0"/>
@@ -6209,18 +8556,14 @@
           <a:p>
             <a:r>
               <a:rPr lang="ru-RU" dirty="0" smtClean="0"/>
-              <a:t>Этапы работы препроцессора языка Си</a:t>
+              <a:t>Этапы работы:</a:t>
             </a:r>
           </a:p>
           <a:p>
             <a:pPr lvl="1"/>
             <a:r>
               <a:rPr lang="ru-RU" dirty="0" smtClean="0"/>
-              <a:t>Замена </a:t>
-            </a:r>
-            <a:r>
-              <a:rPr lang="ru-RU" i="1" dirty="0" smtClean="0"/>
-              <a:t>триграфов</a:t>
+              <a:t>Замена триграфов</a:t>
             </a:r>
           </a:p>
           <a:p>
@@ -6316,12 +8659,7 @@
             <p:ph idx="1"/>
           </p:nvPr>
         </p:nvSpPr>
-        <p:spPr>
-          <a:xfrm>
-            <a:off x="2438400" y="1556792"/>
-            <a:ext cx="7772400" cy="4798768"/>
-          </a:xfrm>
-        </p:spPr>
+        <p:spPr/>
         <p:txBody>
           <a:bodyPr/>
           <a:lstStyle/>
@@ -6330,6 +8668,41 @@
               <a:rPr lang="ru-RU" dirty="0" smtClean="0"/>
               <a:t>Триграфами языка Си называются следующие последовательности символов, начинающиеся с ??</a:t>
             </a:r>
+          </a:p>
+          <a:p>
+            <a:endParaRPr lang="ru-RU" dirty="0" smtClean="0"/>
+          </a:p>
+          <a:p>
+            <a:endParaRPr lang="ru-RU" dirty="0"/>
+          </a:p>
+          <a:p>
+            <a:endParaRPr lang="ru-RU" dirty="0" smtClean="0"/>
+          </a:p>
+          <a:p>
+            <a:endParaRPr lang="ru-RU" dirty="0"/>
+          </a:p>
+          <a:p>
+            <a:r>
+              <a:rPr lang="ru-RU" dirty="0" smtClean="0"/>
+              <a:t>Обычно </a:t>
+            </a:r>
+            <a:r>
+              <a:rPr lang="ru-RU" dirty="0"/>
+              <a:t>обработка </a:t>
+            </a:r>
+            <a:r>
+              <a:rPr lang="ru-RU" dirty="0" err="1"/>
+              <a:t>триграфов</a:t>
+            </a:r>
+            <a:r>
+              <a:rPr lang="ru-RU" dirty="0"/>
+              <a:t> </a:t>
+            </a:r>
+            <a:r>
+              <a:rPr lang="ru-RU" dirty="0" smtClean="0"/>
+              <a:t>отключена</a:t>
+            </a:r>
+            <a:endParaRPr lang="ru-RU" dirty="0"/>
           </a:p>
         </p:txBody>
       </p:sp>
@@ -6342,14 +8715,14 @@
           <p:nvPr>
             <p:extLst>
               <p:ext uri="{D42A27DB-BD31-4B8C-83A1-F6EECF244321}">
-                <p14:modId xmlns:p14="http://schemas.microsoft.com/office/powerpoint/2010/main" val="2015140641"/>
+                <p14:modId xmlns:p14="http://schemas.microsoft.com/office/powerpoint/2010/main" val="2407948760"/>
               </p:ext>
             </p:extLst>
           </p:nvPr>
         </p:nvGraphicFramePr>
         <p:xfrm>
-          <a:off x="2639616" y="4149080"/>
-          <a:ext cx="7200804" cy="1508760"/>
+          <a:off x="609600" y="2996952"/>
+          <a:ext cx="10972800" cy="1508760"/>
         </p:xfrm>
         <a:graphic>
           <a:graphicData uri="http://schemas.openxmlformats.org/drawingml/2006/table">
@@ -6358,45 +8731,45 @@
                 <a:tableStyleId>{5C22544A-7EE6-4342-B048-85BDC9FD1C3A}</a:tableStyleId>
               </a:tblPr>
               <a:tblGrid>
-                <a:gridCol w="1200134">
+                <a:gridCol w="1828800">
                   <a:extLst>
                     <a:ext uri="{9D8B030D-6E8A-4147-A177-3AD203B41FA5}">
-                      <a16:colId xmlns:a16="http://schemas.microsoft.com/office/drawing/2014/main" val="20000"/>
+                      <a16:colId xmlns="" xmlns:a16="http://schemas.microsoft.com/office/drawing/2014/main" val="20000"/>
                     </a:ext>
                   </a:extLst>
                 </a:gridCol>
-                <a:gridCol w="1200134">
+                <a:gridCol w="1828800">
                   <a:extLst>
                     <a:ext uri="{9D8B030D-6E8A-4147-A177-3AD203B41FA5}">
-                      <a16:colId xmlns:a16="http://schemas.microsoft.com/office/drawing/2014/main" val="20001"/>
+                      <a16:colId xmlns="" xmlns:a16="http://schemas.microsoft.com/office/drawing/2014/main" val="20001"/>
                     </a:ext>
                   </a:extLst>
                 </a:gridCol>
-                <a:gridCol w="1200134">
+                <a:gridCol w="1828800">
                   <a:extLst>
                     <a:ext uri="{9D8B030D-6E8A-4147-A177-3AD203B41FA5}">
-                      <a16:colId xmlns:a16="http://schemas.microsoft.com/office/drawing/2014/main" val="20002"/>
+                      <a16:colId xmlns="" xmlns:a16="http://schemas.microsoft.com/office/drawing/2014/main" val="20002"/>
                     </a:ext>
                   </a:extLst>
                 </a:gridCol>
-                <a:gridCol w="1200134">
+                <a:gridCol w="1828800">
                   <a:extLst>
                     <a:ext uri="{9D8B030D-6E8A-4147-A177-3AD203B41FA5}">
-                      <a16:colId xmlns:a16="http://schemas.microsoft.com/office/drawing/2014/main" val="20003"/>
+                      <a16:colId xmlns="" xmlns:a16="http://schemas.microsoft.com/office/drawing/2014/main" val="20003"/>
                     </a:ext>
                   </a:extLst>
                 </a:gridCol>
-                <a:gridCol w="1200134">
+                <a:gridCol w="1828800">
                   <a:extLst>
                     <a:ext uri="{9D8B030D-6E8A-4147-A177-3AD203B41FA5}">
-                      <a16:colId xmlns:a16="http://schemas.microsoft.com/office/drawing/2014/main" val="20004"/>
+                      <a16:colId xmlns="" xmlns:a16="http://schemas.microsoft.com/office/drawing/2014/main" val="20004"/>
                     </a:ext>
                   </a:extLst>
                 </a:gridCol>
-                <a:gridCol w="1200134">
+                <a:gridCol w="1828800">
                   <a:extLst>
                     <a:ext uri="{9D8B030D-6E8A-4147-A177-3AD203B41FA5}">
-                      <a16:colId xmlns:a16="http://schemas.microsoft.com/office/drawing/2014/main" val="20005"/>
+                      <a16:colId xmlns="" xmlns:a16="http://schemas.microsoft.com/office/drawing/2014/main" val="20005"/>
                     </a:ext>
                   </a:extLst>
                 </a:gridCol>
@@ -6407,6 +8780,7 @@
                     <a:bodyPr/>
                     <a:lstStyle/>
                     <a:p>
+                      <a:pPr algn="ctr"/>
                       <a:r>
                         <a:rPr lang="ru-RU" sz="2000" dirty="0" smtClean="0"/>
                         <a:t>Триграф</a:t>
@@ -6414,13 +8788,14 @@
                       <a:endParaRPr lang="ru-RU" sz="2000" dirty="0"/>
                     </a:p>
                   </a:txBody>
-                  <a:tcPr/>
+                  <a:tcPr anchor="ctr"/>
                 </a:tc>
                 <a:tc>
                   <a:txBody>
                     <a:bodyPr/>
                     <a:lstStyle/>
                     <a:p>
+                      <a:pPr algn="ctr"/>
                       <a:r>
                         <a:rPr lang="en-US" sz="2000" dirty="0" smtClean="0"/>
                         <a:t>ASCII</a:t>
@@ -6428,13 +8803,14 @@
                       <a:endParaRPr lang="ru-RU" sz="2000" dirty="0"/>
                     </a:p>
                   </a:txBody>
-                  <a:tcPr/>
+                  <a:tcPr anchor="ctr"/>
                 </a:tc>
                 <a:tc>
                   <a:txBody>
                     <a:bodyPr/>
                     <a:lstStyle/>
                     <a:p>
+                      <a:pPr algn="ctr"/>
                       <a:r>
                         <a:rPr lang="ru-RU" sz="2000" dirty="0" smtClean="0"/>
                         <a:t>Триграф</a:t>
@@ -6442,13 +8818,14 @@
                       <a:endParaRPr lang="ru-RU" sz="2000" dirty="0"/>
                     </a:p>
                   </a:txBody>
-                  <a:tcPr/>
+                  <a:tcPr anchor="ctr"/>
                 </a:tc>
                 <a:tc>
                   <a:txBody>
                     <a:bodyPr/>
                     <a:lstStyle/>
                     <a:p>
+                      <a:pPr algn="ctr"/>
                       <a:r>
                         <a:rPr lang="en-US" sz="2000" dirty="0" smtClean="0"/>
                         <a:t>ASCII</a:t>
@@ -6456,13 +8833,14 @@
                       <a:endParaRPr lang="ru-RU" sz="2000" dirty="0"/>
                     </a:p>
                   </a:txBody>
-                  <a:tcPr/>
+                  <a:tcPr anchor="ctr"/>
                 </a:tc>
                 <a:tc>
                   <a:txBody>
                     <a:bodyPr/>
                     <a:lstStyle/>
                     <a:p>
+                      <a:pPr algn="ctr"/>
                       <a:r>
                         <a:rPr lang="ru-RU" sz="2000" dirty="0" smtClean="0"/>
                         <a:t>Триграф</a:t>
@@ -6470,13 +8848,14 @@
                       <a:endParaRPr lang="ru-RU" sz="2000" dirty="0"/>
                     </a:p>
                   </a:txBody>
-                  <a:tcPr/>
+                  <a:tcPr anchor="ctr"/>
                 </a:tc>
                 <a:tc>
                   <a:txBody>
                     <a:bodyPr/>
                     <a:lstStyle/>
                     <a:p>
+                      <a:pPr algn="ctr"/>
                       <a:r>
                         <a:rPr lang="en-US" sz="2000" dirty="0" smtClean="0"/>
                         <a:t>ASCII</a:t>
@@ -6484,11 +8863,11 @@
                       <a:endParaRPr lang="ru-RU" sz="2000" dirty="0"/>
                     </a:p>
                   </a:txBody>
-                  <a:tcPr/>
+                  <a:tcPr anchor="ctr"/>
                 </a:tc>
                 <a:extLst>
                   <a:ext uri="{0D108BD9-81ED-4DB2-BD59-A6C34878D82A}">
-                    <a16:rowId xmlns:a16="http://schemas.microsoft.com/office/drawing/2014/main" val="10000"/>
+                    <a16:rowId xmlns="" xmlns:a16="http://schemas.microsoft.com/office/drawing/2014/main" val="10000"/>
                   </a:ext>
                 </a:extLst>
               </a:tr>
@@ -6498,7 +8877,7 @@
                     <a:bodyPr/>
                     <a:lstStyle/>
                     <a:p>
-                      <a:pPr algn="l" fontAlgn="b"/>
+                      <a:pPr algn="ctr" fontAlgn="b"/>
                       <a:r>
                         <a:rPr lang="ru-RU" sz="2000" b="0" i="0" u="none" strike="noStrike" dirty="0">
                           <a:solidFill>
@@ -6511,14 +8890,14 @@
                       </a:r>
                     </a:p>
                   </a:txBody>
-                  <a:tcPr marL="7620" marR="7620" marT="7620" marB="0" anchor="b"/>
+                  <a:tcPr marL="7620" marR="7620" marT="7620" marB="0" anchor="ctr"/>
                 </a:tc>
                 <a:tc>
                   <a:txBody>
                     <a:bodyPr/>
                     <a:lstStyle/>
                     <a:p>
-                      <a:pPr algn="l" fontAlgn="b"/>
+                      <a:pPr algn="ctr" fontAlgn="b"/>
                       <a:r>
                         <a:rPr lang="ru-RU" sz="2000" b="0" i="0" u="none" strike="noStrike">
                           <a:solidFill>
@@ -6531,14 +8910,14 @@
                       </a:r>
                     </a:p>
                   </a:txBody>
-                  <a:tcPr marL="7620" marR="7620" marT="7620" marB="0" anchor="b"/>
+                  <a:tcPr marL="7620" marR="7620" marT="7620" marB="0" anchor="ctr"/>
                 </a:tc>
                 <a:tc>
                   <a:txBody>
                     <a:bodyPr/>
                     <a:lstStyle/>
                     <a:p>
-                      <a:pPr algn="l" fontAlgn="b"/>
+                      <a:pPr algn="ctr" fontAlgn="b"/>
                       <a:r>
                         <a:rPr lang="ru-RU" sz="2000" b="0" i="0" u="none" strike="noStrike">
                           <a:solidFill>
@@ -6551,14 +8930,14 @@
                       </a:r>
                     </a:p>
                   </a:txBody>
-                  <a:tcPr marL="7620" marR="7620" marT="7620" marB="0" anchor="b"/>
+                  <a:tcPr marL="7620" marR="7620" marT="7620" marB="0" anchor="ctr"/>
                 </a:tc>
                 <a:tc>
                   <a:txBody>
                     <a:bodyPr/>
                     <a:lstStyle/>
                     <a:p>
-                      <a:pPr algn="l" fontAlgn="b"/>
+                      <a:pPr algn="ctr" fontAlgn="b"/>
                       <a:r>
                         <a:rPr lang="ru-RU" sz="2000" b="0" i="0" u="none" strike="noStrike" dirty="0">
                           <a:solidFill>
@@ -6571,14 +8950,14 @@
                       </a:r>
                     </a:p>
                   </a:txBody>
-                  <a:tcPr marL="7620" marR="7620" marT="7620" marB="0" anchor="b"/>
+                  <a:tcPr marL="7620" marR="7620" marT="7620" marB="0" anchor="ctr"/>
                 </a:tc>
                 <a:tc>
                   <a:txBody>
                     <a:bodyPr/>
                     <a:lstStyle/>
                     <a:p>
-                      <a:pPr algn="l" fontAlgn="b"/>
+                      <a:pPr algn="ctr" fontAlgn="b"/>
                       <a:r>
                         <a:rPr lang="ru-RU" sz="2000" b="0" i="0" u="none" strike="noStrike">
                           <a:solidFill>
@@ -6591,14 +8970,14 @@
                       </a:r>
                     </a:p>
                   </a:txBody>
-                  <a:tcPr marL="7620" marR="7620" marT="7620" marB="0" anchor="b"/>
+                  <a:tcPr marL="7620" marR="7620" marT="7620" marB="0" anchor="ctr"/>
                 </a:tc>
                 <a:tc>
                   <a:txBody>
                     <a:bodyPr/>
                     <a:lstStyle/>
                     <a:p>
-                      <a:pPr algn="l" fontAlgn="b"/>
+                      <a:pPr algn="ctr" fontAlgn="b"/>
                       <a:r>
                         <a:rPr lang="ru-RU" sz="2000" b="0" i="0" u="none" strike="noStrike">
                           <a:solidFill>
@@ -6611,11 +8990,11 @@
                       </a:r>
                     </a:p>
                   </a:txBody>
-                  <a:tcPr marL="7620" marR="7620" marT="7620" marB="0" anchor="b"/>
+                  <a:tcPr marL="7620" marR="7620" marT="7620" marB="0" anchor="ctr"/>
                 </a:tc>
                 <a:extLst>
                   <a:ext uri="{0D108BD9-81ED-4DB2-BD59-A6C34878D82A}">
-                    <a16:rowId xmlns:a16="http://schemas.microsoft.com/office/drawing/2014/main" val="10001"/>
+                    <a16:rowId xmlns="" xmlns:a16="http://schemas.microsoft.com/office/drawing/2014/main" val="10001"/>
                   </a:ext>
                 </a:extLst>
               </a:tr>
@@ -6625,7 +9004,7 @@
                     <a:bodyPr/>
                     <a:lstStyle/>
                     <a:p>
-                      <a:pPr algn="l" fontAlgn="b"/>
+                      <a:pPr algn="ctr" fontAlgn="b"/>
                       <a:r>
                         <a:rPr lang="ru-RU" sz="2000" b="0" i="0" u="none" strike="noStrike">
                           <a:solidFill>
@@ -6638,14 +9017,14 @@
                       </a:r>
                     </a:p>
                   </a:txBody>
-                  <a:tcPr marL="7620" marR="7620" marT="7620" marB="0" anchor="b"/>
+                  <a:tcPr marL="7620" marR="7620" marT="7620" marB="0" anchor="ctr"/>
                 </a:tc>
                 <a:tc>
                   <a:txBody>
                     <a:bodyPr/>
                     <a:lstStyle/>
                     <a:p>
-                      <a:pPr algn="l" fontAlgn="b"/>
+                      <a:pPr algn="ctr" fontAlgn="b"/>
                       <a:r>
                         <a:rPr lang="ru-RU" sz="2000" b="0" i="0" u="none" strike="noStrike">
                           <a:solidFill>
@@ -6658,14 +9037,14 @@
                       </a:r>
                     </a:p>
                   </a:txBody>
-                  <a:tcPr marL="7620" marR="7620" marT="7620" marB="0" anchor="b"/>
+                  <a:tcPr marL="7620" marR="7620" marT="7620" marB="0" anchor="ctr"/>
                 </a:tc>
                 <a:tc>
                   <a:txBody>
                     <a:bodyPr/>
                     <a:lstStyle/>
                     <a:p>
-                      <a:pPr algn="l" fontAlgn="b"/>
+                      <a:pPr algn="ctr" fontAlgn="b"/>
                       <a:r>
                         <a:rPr lang="ru-RU" sz="2000" b="0" i="0" u="none" strike="noStrike">
                           <a:solidFill>
@@ -6678,14 +9057,14 @@
                       </a:r>
                     </a:p>
                   </a:txBody>
-                  <a:tcPr marL="7620" marR="7620" marT="7620" marB="0" anchor="b"/>
+                  <a:tcPr marL="7620" marR="7620" marT="7620" marB="0" anchor="ctr"/>
                 </a:tc>
                 <a:tc>
                   <a:txBody>
                     <a:bodyPr/>
                     <a:lstStyle/>
                     <a:p>
-                      <a:pPr algn="l" fontAlgn="b"/>
+                      <a:pPr algn="ctr" fontAlgn="b"/>
                       <a:r>
                         <a:rPr lang="ru-RU" sz="2000" b="0" i="0" u="none" strike="noStrike">
                           <a:solidFill>
@@ -6698,14 +9077,14 @@
                       </a:r>
                     </a:p>
                   </a:txBody>
-                  <a:tcPr marL="7620" marR="7620" marT="7620" marB="0" anchor="b"/>
+                  <a:tcPr marL="7620" marR="7620" marT="7620" marB="0" anchor="ctr"/>
                 </a:tc>
                 <a:tc>
                   <a:txBody>
                     <a:bodyPr/>
                     <a:lstStyle/>
                     <a:p>
-                      <a:pPr algn="l" fontAlgn="b"/>
+                      <a:pPr algn="ctr" fontAlgn="b"/>
                       <a:r>
                         <a:rPr lang="ru-RU" sz="2000" b="0" i="0" u="none" strike="noStrike">
                           <a:solidFill>
@@ -6718,14 +9097,14 @@
                       </a:r>
                     </a:p>
                   </a:txBody>
-                  <a:tcPr marL="7620" marR="7620" marT="7620" marB="0" anchor="b"/>
+                  <a:tcPr marL="7620" marR="7620" marT="7620" marB="0" anchor="ctr"/>
                 </a:tc>
                 <a:tc>
                   <a:txBody>
                     <a:bodyPr/>
                     <a:lstStyle/>
                     <a:p>
-                      <a:pPr algn="l" fontAlgn="b"/>
+                      <a:pPr algn="ctr" fontAlgn="b"/>
                       <a:r>
                         <a:rPr lang="ru-RU" sz="2000" b="0" i="0" u="none" strike="noStrike">
                           <a:solidFill>
@@ -6738,11 +9117,11 @@
                       </a:r>
                     </a:p>
                   </a:txBody>
-                  <a:tcPr marL="7620" marR="7620" marT="7620" marB="0" anchor="b"/>
+                  <a:tcPr marL="7620" marR="7620" marT="7620" marB="0" anchor="ctr"/>
                 </a:tc>
                 <a:extLst>
                   <a:ext uri="{0D108BD9-81ED-4DB2-BD59-A6C34878D82A}">
-                    <a16:rowId xmlns:a16="http://schemas.microsoft.com/office/drawing/2014/main" val="10002"/>
+                    <a16:rowId xmlns="" xmlns:a16="http://schemas.microsoft.com/office/drawing/2014/main" val="10002"/>
                   </a:ext>
                 </a:extLst>
               </a:tr>
@@ -6752,7 +9131,7 @@
                     <a:bodyPr/>
                     <a:lstStyle/>
                     <a:p>
-                      <a:pPr algn="l" fontAlgn="b"/>
+                      <a:pPr algn="ctr" fontAlgn="b"/>
                       <a:r>
                         <a:rPr lang="ru-RU" sz="2000" b="0" i="0" u="none" strike="noStrike">
                           <a:solidFill>
@@ -6765,14 +9144,14 @@
                       </a:r>
                     </a:p>
                   </a:txBody>
-                  <a:tcPr marL="7620" marR="7620" marT="7620" marB="0" anchor="b"/>
+                  <a:tcPr marL="7620" marR="7620" marT="7620" marB="0" anchor="ctr"/>
                 </a:tc>
                 <a:tc>
                   <a:txBody>
                     <a:bodyPr/>
                     <a:lstStyle/>
                     <a:p>
-                      <a:pPr algn="l" fontAlgn="b"/>
+                      <a:pPr algn="ctr" fontAlgn="b"/>
                       <a:r>
                         <a:rPr lang="ru-RU" sz="2000" b="0" i="0" u="none" strike="noStrike">
                           <a:solidFill>
@@ -6785,16 +9164,16 @@
                       </a:r>
                     </a:p>
                   </a:txBody>
-                  <a:tcPr marL="7620" marR="7620" marT="7620" marB="0" anchor="b"/>
+                  <a:tcPr marL="7620" marR="7620" marT="7620" marB="0" anchor="ctr"/>
                 </a:tc>
                 <a:tc>
                   <a:txBody>
                     <a:bodyPr/>
                     <a:lstStyle/>
                     <a:p>
-                      <a:pPr algn="l" fontAlgn="b"/>
+                      <a:pPr algn="ctr" fontAlgn="b"/>
                       <a:r>
-                        <a:rPr lang="ru-RU" sz="2000" b="0" i="0" u="none" strike="noStrike">
+                        <a:rPr lang="ru-RU" sz="2000" b="0" i="0" u="none" strike="noStrike" dirty="0">
                           <a:solidFill>
                             <a:srgbClr val="000000"/>
                           </a:solidFill>
@@ -6805,14 +9184,14 @@
                       </a:r>
                     </a:p>
                   </a:txBody>
-                  <a:tcPr marL="7620" marR="7620" marT="7620" marB="0" anchor="b"/>
+                  <a:tcPr marL="7620" marR="7620" marT="7620" marB="0" anchor="ctr"/>
                 </a:tc>
                 <a:tc>
                   <a:txBody>
                     <a:bodyPr/>
                     <a:lstStyle/>
                     <a:p>
-                      <a:pPr algn="l" fontAlgn="b"/>
+                      <a:pPr algn="ctr" fontAlgn="b"/>
                       <a:r>
                         <a:rPr lang="ru-RU" sz="2000" b="0" i="0" u="none" strike="noStrike">
                           <a:solidFill>
@@ -6825,14 +9204,14 @@
                       </a:r>
                     </a:p>
                   </a:txBody>
-                  <a:tcPr marL="7620" marR="7620" marT="7620" marB="0" anchor="b"/>
+                  <a:tcPr marL="7620" marR="7620" marT="7620" marB="0" anchor="ctr"/>
                 </a:tc>
                 <a:tc>
                   <a:txBody>
                     <a:bodyPr/>
                     <a:lstStyle/>
                     <a:p>
-                      <a:pPr algn="l" fontAlgn="b"/>
+                      <a:pPr algn="ctr" fontAlgn="b"/>
                       <a:r>
                         <a:rPr lang="ru-RU" sz="2000" b="0" i="0" u="none" strike="noStrike">
                           <a:solidFill>
@@ -6845,14 +9224,14 @@
                       </a:r>
                     </a:p>
                   </a:txBody>
-                  <a:tcPr marL="7620" marR="7620" marT="7620" marB="0" anchor="b"/>
+                  <a:tcPr marL="7620" marR="7620" marT="7620" marB="0" anchor="ctr"/>
                 </a:tc>
                 <a:tc>
                   <a:txBody>
                     <a:bodyPr/>
                     <a:lstStyle/>
                     <a:p>
-                      <a:pPr algn="l" fontAlgn="b"/>
+                      <a:pPr algn="ctr" fontAlgn="b"/>
                       <a:r>
                         <a:rPr lang="ru-RU" sz="2000" b="0" i="0" u="none" strike="noStrike" dirty="0">
                           <a:solidFill>
@@ -6865,11 +9244,11 @@
                       </a:r>
                     </a:p>
                   </a:txBody>
-                  <a:tcPr marL="7620" marR="7620" marT="7620" marB="0" anchor="b"/>
+                  <a:tcPr marL="7620" marR="7620" marT="7620" marB="0" anchor="ctr"/>
                 </a:tc>
                 <a:extLst>
                   <a:ext uri="{0D108BD9-81ED-4DB2-BD59-A6C34878D82A}">
-                    <a16:rowId xmlns:a16="http://schemas.microsoft.com/office/drawing/2014/main" val="10003"/>
+                    <a16:rowId xmlns="" xmlns:a16="http://schemas.microsoft.com/office/drawing/2014/main" val="10003"/>
                   </a:ext>
                 </a:extLst>
               </a:tr>
@@ -6931,7 +9310,11 @@
           <a:p>
             <a:r>
               <a:rPr lang="ru-RU" dirty="0" smtClean="0"/>
-              <a:t>Пример</a:t>
+              <a:t>Пример использования </a:t>
+            </a:r>
+            <a:r>
+              <a:rPr lang="ru-RU" dirty="0" err="1" smtClean="0"/>
+              <a:t>триграфов</a:t>
             </a:r>
             <a:endParaRPr lang="ru-RU" dirty="0"/>
           </a:p>
@@ -6954,412 +9337,494 @@
           </a:bodyPr>
           <a:lstStyle/>
           <a:p>
-            <a:pPr marL="68580" indent="0">
+            <a:pPr marL="0" indent="0">
               <a:buNone/>
             </a:pPr>
             <a:r>
+              <a:rPr lang="en-US" sz="1800" dirty="0" smtClean="0">
+                <a:solidFill>
+                  <a:srgbClr val="000000"/>
+                </a:solidFill>
+                <a:latin typeface="Consolas" panose="020B0609020204030204" pitchFamily="49" charset="0"/>
+              </a:rPr>
+              <a:t>??= </a:t>
+            </a:r>
+            <a:r>
               <a:rPr lang="en-US" sz="1800" dirty="0">
-                <a:latin typeface="Consolas" pitchFamily="49" charset="0"/>
-                <a:cs typeface="Consolas" pitchFamily="49" charset="0"/>
-              </a:rPr>
-              <a:t>??=include &lt;</a:t>
+                <a:solidFill>
+                  <a:srgbClr val="000000"/>
+                </a:solidFill>
+                <a:latin typeface="Consolas" panose="020B0609020204030204" pitchFamily="49" charset="0"/>
+              </a:rPr>
+              <a:t>include &lt;</a:t>
             </a:r>
             <a:r>
               <a:rPr lang="en-US" sz="1800" dirty="0" err="1">
-                <a:latin typeface="Consolas" pitchFamily="49" charset="0"/>
-                <a:cs typeface="Consolas" pitchFamily="49" charset="0"/>
+                <a:solidFill>
+                  <a:srgbClr val="000000"/>
+                </a:solidFill>
+                <a:latin typeface="Consolas" panose="020B0609020204030204" pitchFamily="49" charset="0"/>
               </a:rPr>
               <a:t>stdio.h</a:t>
             </a:r>
             <a:r>
               <a:rPr lang="en-US" sz="1800" dirty="0">
-                <a:latin typeface="Consolas" pitchFamily="49" charset="0"/>
-                <a:cs typeface="Consolas" pitchFamily="49" charset="0"/>
-              </a:rPr>
-              <a:t>&gt;   </a:t>
+                <a:solidFill>
+                  <a:srgbClr val="000000"/>
+                </a:solidFill>
+                <a:latin typeface="Consolas" panose="020B0609020204030204" pitchFamily="49" charset="0"/>
+              </a:rPr>
+              <a:t>&gt;                    </a:t>
+            </a:r>
+            <a:r>
+              <a:rPr lang="ru-RU" sz="1800" dirty="0" smtClean="0">
+                <a:solidFill>
+                  <a:srgbClr val="000000"/>
+                </a:solidFill>
+                <a:latin typeface="Consolas" panose="020B0609020204030204" pitchFamily="49" charset="0"/>
+              </a:rPr>
+              <a:t>		</a:t>
+            </a:r>
+            <a:r>
+              <a:rPr lang="en-US" sz="1800" dirty="0" smtClean="0">
+                <a:solidFill>
+                  <a:srgbClr val="008000"/>
+                </a:solidFill>
+                <a:latin typeface="Consolas" panose="020B0609020204030204" pitchFamily="49" charset="0"/>
+              </a:rPr>
+              <a:t>/* </a:t>
+            </a:r>
+            <a:r>
+              <a:rPr lang="en-US" sz="1800" dirty="0">
+                <a:solidFill>
+                  <a:srgbClr val="008000"/>
+                </a:solidFill>
+                <a:latin typeface="Consolas" panose="020B0609020204030204" pitchFamily="49" charset="0"/>
+              </a:rPr>
+              <a:t>#          */</a:t>
+            </a:r>
+            <a:endParaRPr lang="en-US" sz="1800" dirty="0">
+              <a:solidFill>
+                <a:srgbClr val="000000"/>
+              </a:solidFill>
+              <a:latin typeface="Consolas" panose="020B0609020204030204" pitchFamily="49" charset="0"/>
+            </a:endParaRPr>
+          </a:p>
+          <a:p>
+            <a:pPr marL="0" indent="0">
+              <a:buNone/>
+            </a:pPr>
+            <a:r>
+              <a:rPr lang="en-US" sz="1800" dirty="0" err="1">
+                <a:solidFill>
+                  <a:srgbClr val="0000FF"/>
+                </a:solidFill>
+                <a:latin typeface="Consolas" panose="020B0609020204030204" pitchFamily="49" charset="0"/>
+              </a:rPr>
+              <a:t>int</a:t>
+            </a:r>
+            <a:r>
+              <a:rPr lang="en-US" sz="1800" dirty="0">
+                <a:solidFill>
+                  <a:srgbClr val="000000"/>
+                </a:solidFill>
+                <a:latin typeface="Consolas" panose="020B0609020204030204" pitchFamily="49" charset="0"/>
+              </a:rPr>
+              <a:t> main(</a:t>
+            </a:r>
+            <a:r>
+              <a:rPr lang="en-US" sz="1800" dirty="0">
+                <a:solidFill>
+                  <a:srgbClr val="0000FF"/>
+                </a:solidFill>
+                <a:latin typeface="Consolas" panose="020B0609020204030204" pitchFamily="49" charset="0"/>
+              </a:rPr>
+              <a:t>void</a:t>
+            </a:r>
+            <a:r>
+              <a:rPr lang="en-US" sz="1800" dirty="0">
+                <a:solidFill>
+                  <a:srgbClr val="000000"/>
+                </a:solidFill>
+                <a:latin typeface="Consolas" panose="020B0609020204030204" pitchFamily="49" charset="0"/>
+              </a:rPr>
+              <a:t>) </a:t>
+            </a:r>
+          </a:p>
+          <a:p>
+            <a:pPr marL="0" indent="0">
+              <a:buNone/>
+            </a:pPr>
+            <a:r>
+              <a:rPr lang="ru-RU" sz="1800" dirty="0" smtClean="0">
+                <a:solidFill>
+                  <a:srgbClr val="000000"/>
+                </a:solidFill>
+                <a:latin typeface="Consolas" panose="020B0609020204030204" pitchFamily="49" charset="0"/>
+              </a:rPr>
+              <a:t>??&lt;                                      		</a:t>
+            </a:r>
+            <a:r>
+              <a:rPr lang="ru-RU" sz="1800" dirty="0" smtClean="0">
+                <a:solidFill>
+                  <a:srgbClr val="008000"/>
+                </a:solidFill>
+                <a:latin typeface="Consolas" panose="020B0609020204030204" pitchFamily="49" charset="0"/>
+              </a:rPr>
+              <a:t>/* </a:t>
             </a:r>
             <a:r>
               <a:rPr lang="ru-RU" sz="1800" dirty="0">
-                <a:latin typeface="Consolas" pitchFamily="49" charset="0"/>
-                <a:cs typeface="Consolas" pitchFamily="49" charset="0"/>
-              </a:rPr>
-              <a:t>                  </a:t>
-            </a:r>
+                <a:solidFill>
+                  <a:srgbClr val="008000"/>
+                </a:solidFill>
+                <a:latin typeface="Consolas" panose="020B0609020204030204" pitchFamily="49" charset="0"/>
+              </a:rPr>
+              <a:t>{          */</a:t>
+            </a:r>
+            <a:endParaRPr lang="ru-RU" sz="1800" dirty="0">
+              <a:solidFill>
+                <a:srgbClr val="000000"/>
+              </a:solidFill>
+              <a:latin typeface="Consolas" panose="020B0609020204030204" pitchFamily="49" charset="0"/>
+            </a:endParaRPr>
+          </a:p>
+          <a:p>
+            <a:pPr marL="0" indent="0">
+              <a:buNone/>
+            </a:pPr>
             <a:r>
               <a:rPr lang="en-US" sz="1800" dirty="0">
-                <a:latin typeface="Consolas" pitchFamily="49" charset="0"/>
-                <a:cs typeface="Consolas" pitchFamily="49" charset="0"/>
-              </a:rPr>
-              <a:t>/* #          */</a:t>
+                <a:solidFill>
+                  <a:srgbClr val="000000"/>
+                </a:solidFill>
+                <a:latin typeface="Consolas" panose="020B0609020204030204" pitchFamily="49" charset="0"/>
+              </a:rPr>
+              <a:t>    </a:t>
+            </a:r>
+            <a:r>
+              <a:rPr lang="en-US" sz="1800" dirty="0">
+                <a:solidFill>
+                  <a:srgbClr val="0000FF"/>
+                </a:solidFill>
+                <a:latin typeface="Consolas" panose="020B0609020204030204" pitchFamily="49" charset="0"/>
+              </a:rPr>
+              <a:t>char</a:t>
+            </a:r>
+            <a:r>
+              <a:rPr lang="en-US" sz="1800" dirty="0">
+                <a:solidFill>
+                  <a:srgbClr val="000000"/>
+                </a:solidFill>
+                <a:latin typeface="Consolas" panose="020B0609020204030204" pitchFamily="49" charset="0"/>
+              </a:rPr>
+              <a:t> n </a:t>
+            </a:r>
+            <a:r>
+              <a:rPr lang="en-US" sz="1800" dirty="0" smtClean="0">
+                <a:solidFill>
+                  <a:srgbClr val="000000"/>
+                </a:solidFill>
+                <a:latin typeface="Consolas" panose="020B0609020204030204" pitchFamily="49" charset="0"/>
+              </a:rPr>
+              <a:t>??(</a:t>
+            </a:r>
+            <a:r>
+              <a:rPr lang="en-US" sz="1800" dirty="0">
+                <a:solidFill>
+                  <a:srgbClr val="000000"/>
+                </a:solidFill>
+                <a:latin typeface="Consolas" panose="020B0609020204030204" pitchFamily="49" charset="0"/>
+              </a:rPr>
+              <a:t>5 </a:t>
+            </a:r>
+            <a:r>
+              <a:rPr lang="en-US" sz="1800" dirty="0" smtClean="0">
+                <a:solidFill>
+                  <a:srgbClr val="000000"/>
+                </a:solidFill>
+                <a:latin typeface="Consolas" panose="020B0609020204030204" pitchFamily="49" charset="0"/>
+              </a:rPr>
+              <a:t>??);                   </a:t>
+            </a:r>
+            <a:r>
+              <a:rPr lang="ru-RU" sz="1800" dirty="0" smtClean="0">
+                <a:solidFill>
+                  <a:srgbClr val="000000"/>
+                </a:solidFill>
+                <a:latin typeface="Consolas" panose="020B0609020204030204" pitchFamily="49" charset="0"/>
+              </a:rPr>
+              <a:t>		</a:t>
+            </a:r>
+            <a:r>
+              <a:rPr lang="en-US" sz="1800" dirty="0" smtClean="0">
+                <a:solidFill>
+                  <a:srgbClr val="008000"/>
+                </a:solidFill>
+                <a:latin typeface="Consolas" panose="020B0609020204030204" pitchFamily="49" charset="0"/>
+              </a:rPr>
+              <a:t>/* </a:t>
+            </a:r>
+            <a:r>
+              <a:rPr lang="en-US" sz="1800" dirty="0">
+                <a:solidFill>
+                  <a:srgbClr val="008000"/>
+                </a:solidFill>
+                <a:latin typeface="Consolas" panose="020B0609020204030204" pitchFamily="49" charset="0"/>
+              </a:rPr>
+              <a:t>[ </a:t>
             </a:r>
             <a:r>
               <a:rPr lang="ru-RU" sz="1800" dirty="0">
-                <a:latin typeface="Consolas" pitchFamily="49" charset="0"/>
-                <a:cs typeface="Consolas" pitchFamily="49" charset="0"/>
-              </a:rPr>
-              <a:t/>
-            </a:r>
-            <a:br>
+                <a:solidFill>
+                  <a:srgbClr val="008000"/>
+                </a:solidFill>
+                <a:latin typeface="Consolas" panose="020B0609020204030204" pitchFamily="49" charset="0"/>
+              </a:rPr>
+              <a:t>и ]      */</a:t>
+            </a:r>
+            <a:endParaRPr lang="ru-RU" sz="1800" dirty="0">
+              <a:solidFill>
+                <a:srgbClr val="000000"/>
+              </a:solidFill>
+              <a:latin typeface="Consolas" panose="020B0609020204030204" pitchFamily="49" charset="0"/>
+            </a:endParaRPr>
+          </a:p>
+          <a:p>
+            <a:pPr marL="0" indent="0">
+              <a:buNone/>
+            </a:pPr>
+            <a:r>
+              <a:rPr lang="pt-BR" sz="1800" dirty="0">
+                <a:solidFill>
+                  <a:srgbClr val="000000"/>
+                </a:solidFill>
+                <a:latin typeface="Consolas" panose="020B0609020204030204" pitchFamily="49" charset="0"/>
+              </a:rPr>
+              <a:t>    </a:t>
+            </a:r>
+            <a:r>
+              <a:rPr lang="pt-BR" sz="1800" dirty="0" smtClean="0">
+                <a:solidFill>
+                  <a:srgbClr val="000000"/>
+                </a:solidFill>
+                <a:latin typeface="Consolas" panose="020B0609020204030204" pitchFamily="49" charset="0"/>
+              </a:rPr>
+              <a:t>n??(4??) </a:t>
+            </a:r>
+            <a:r>
+              <a:rPr lang="pt-BR" sz="1800" dirty="0">
+                <a:solidFill>
+                  <a:srgbClr val="000000"/>
+                </a:solidFill>
+                <a:latin typeface="Consolas" panose="020B0609020204030204" pitchFamily="49" charset="0"/>
+              </a:rPr>
+              <a:t>= </a:t>
+            </a:r>
+            <a:r>
+              <a:rPr lang="pt-BR" sz="1800" dirty="0">
+                <a:solidFill>
+                  <a:srgbClr val="A31515"/>
+                </a:solidFill>
+                <a:latin typeface="Consolas" panose="020B0609020204030204" pitchFamily="49" charset="0"/>
+              </a:rPr>
+              <a:t>'0'</a:t>
+            </a:r>
+            <a:r>
+              <a:rPr lang="pt-BR" sz="1800" dirty="0">
+                <a:solidFill>
+                  <a:srgbClr val="000000"/>
+                </a:solidFill>
+                <a:latin typeface="Consolas" panose="020B0609020204030204" pitchFamily="49" charset="0"/>
+              </a:rPr>
+              <a:t> - </a:t>
+            </a:r>
+            <a:r>
+              <a:rPr lang="pt-BR" sz="1800" dirty="0" smtClean="0">
+                <a:solidFill>
+                  <a:srgbClr val="000000"/>
+                </a:solidFill>
+                <a:latin typeface="Consolas" panose="020B0609020204030204" pitchFamily="49" charset="0"/>
+              </a:rPr>
+              <a:t>(??-</a:t>
+            </a:r>
+            <a:r>
+              <a:rPr lang="ru-RU" sz="1800" dirty="0" smtClean="0">
+                <a:solidFill>
+                  <a:srgbClr val="000000"/>
+                </a:solidFill>
+                <a:latin typeface="Consolas" panose="020B0609020204030204" pitchFamily="49" charset="0"/>
+              </a:rPr>
+              <a:t> </a:t>
+            </a:r>
+            <a:r>
+              <a:rPr lang="pt-BR" sz="1800" dirty="0" smtClean="0">
+                <a:solidFill>
+                  <a:srgbClr val="000000"/>
+                </a:solidFill>
+                <a:latin typeface="Consolas" panose="020B0609020204030204" pitchFamily="49" charset="0"/>
+              </a:rPr>
+              <a:t>0 ??</a:t>
+            </a:r>
+            <a:r>
+              <a:rPr lang="pt-BR" sz="1800" dirty="0" smtClean="0">
+                <a:solidFill>
+                  <a:srgbClr val="A31515"/>
+                </a:solidFill>
+                <a:latin typeface="Consolas" panose="020B0609020204030204" pitchFamily="49" charset="0"/>
+              </a:rPr>
+              <a:t>' </a:t>
+            </a:r>
+            <a:r>
+              <a:rPr lang="pt-BR" sz="1800" dirty="0">
+                <a:solidFill>
+                  <a:srgbClr val="A31515"/>
+                </a:solidFill>
+                <a:latin typeface="Consolas" panose="020B0609020204030204" pitchFamily="49" charset="0"/>
+              </a:rPr>
+              <a:t>1 ??! 2); </a:t>
+            </a:r>
+            <a:r>
+              <a:rPr lang="ru-RU" sz="1800" dirty="0" smtClean="0">
+                <a:solidFill>
+                  <a:srgbClr val="A31515"/>
+                </a:solidFill>
+                <a:latin typeface="Consolas" panose="020B0609020204030204" pitchFamily="49" charset="0"/>
+              </a:rPr>
+              <a:t>		</a:t>
+            </a:r>
+            <a:r>
+              <a:rPr lang="pt-BR" sz="1800" dirty="0" smtClean="0">
+                <a:solidFill>
+                  <a:srgbClr val="A31515"/>
+                </a:solidFill>
+                <a:latin typeface="Consolas" panose="020B0609020204030204" pitchFamily="49" charset="0"/>
+              </a:rPr>
+              <a:t>/* </a:t>
+            </a:r>
+            <a:r>
+              <a:rPr lang="pt-BR" sz="1800" dirty="0">
+                <a:solidFill>
+                  <a:srgbClr val="A31515"/>
+                </a:solidFill>
+                <a:latin typeface="Consolas" panose="020B0609020204030204" pitchFamily="49" charset="0"/>
+              </a:rPr>
+              <a:t>~, ^ и|    */</a:t>
+            </a:r>
+            <a:endParaRPr lang="pt-BR" sz="1800" dirty="0">
+              <a:solidFill>
+                <a:srgbClr val="000000"/>
+              </a:solidFill>
+              <a:latin typeface="Consolas" panose="020B0609020204030204" pitchFamily="49" charset="0"/>
+            </a:endParaRPr>
+          </a:p>
+          <a:p>
+            <a:pPr marL="0" indent="0">
+              <a:buNone/>
+            </a:pPr>
+            <a:r>
+              <a:rPr lang="pt-BR" sz="1800" dirty="0">
+                <a:solidFill>
+                  <a:srgbClr val="000000"/>
+                </a:solidFill>
+                <a:latin typeface="Consolas" panose="020B0609020204030204" pitchFamily="49" charset="0"/>
+              </a:rPr>
+              <a:t>    printf(</a:t>
+            </a:r>
+            <a:r>
+              <a:rPr lang="pt-BR" sz="1800" dirty="0">
+                <a:solidFill>
+                  <a:srgbClr val="A31515"/>
+                </a:solidFill>
+                <a:latin typeface="Consolas" panose="020B0609020204030204" pitchFamily="49" charset="0"/>
+              </a:rPr>
+              <a:t>"%c??/n"</a:t>
+            </a:r>
+            <a:r>
+              <a:rPr lang="pt-BR" sz="1800" dirty="0">
+                <a:solidFill>
+                  <a:srgbClr val="000000"/>
+                </a:solidFill>
+                <a:latin typeface="Consolas" panose="020B0609020204030204" pitchFamily="49" charset="0"/>
+              </a:rPr>
+              <a:t>, n??(4??));            </a:t>
+            </a:r>
+            <a:r>
+              <a:rPr lang="ru-RU" sz="1800" dirty="0" smtClean="0">
+                <a:solidFill>
+                  <a:srgbClr val="000000"/>
+                </a:solidFill>
+                <a:latin typeface="Consolas" panose="020B0609020204030204" pitchFamily="49" charset="0"/>
+              </a:rPr>
+              <a:t>		</a:t>
+            </a:r>
+            <a:r>
+              <a:rPr lang="pt-BR" sz="1800" dirty="0" smtClean="0">
+                <a:solidFill>
+                  <a:srgbClr val="008000"/>
+                </a:solidFill>
+                <a:latin typeface="Consolas" panose="020B0609020204030204" pitchFamily="49" charset="0"/>
+              </a:rPr>
+              <a:t>/* </a:t>
+            </a:r>
+            <a:r>
+              <a:rPr lang="pt-BR" sz="1800" dirty="0">
+                <a:solidFill>
+                  <a:srgbClr val="008000"/>
+                </a:solidFill>
+                <a:latin typeface="Consolas" panose="020B0609020204030204" pitchFamily="49" charset="0"/>
+              </a:rPr>
+              <a:t>??/ = \    */</a:t>
+            </a:r>
+            <a:endParaRPr lang="pt-BR" sz="1800" dirty="0">
+              <a:solidFill>
+                <a:srgbClr val="000000"/>
+              </a:solidFill>
+              <a:latin typeface="Consolas" panose="020B0609020204030204" pitchFamily="49" charset="0"/>
+            </a:endParaRPr>
+          </a:p>
+          <a:p>
+            <a:pPr marL="0" indent="0">
+              <a:buNone/>
+            </a:pPr>
+            <a:r>
+              <a:rPr lang="en-US" sz="1800" dirty="0">
+                <a:solidFill>
+                  <a:srgbClr val="000000"/>
+                </a:solidFill>
+                <a:latin typeface="Consolas" panose="020B0609020204030204" pitchFamily="49" charset="0"/>
+              </a:rPr>
+              <a:t>    </a:t>
+            </a:r>
+            <a:r>
+              <a:rPr lang="en-US" sz="1800" dirty="0">
+                <a:solidFill>
+                  <a:srgbClr val="0000FF"/>
+                </a:solidFill>
+                <a:latin typeface="Consolas" panose="020B0609020204030204" pitchFamily="49" charset="0"/>
+              </a:rPr>
+              <a:t>return</a:t>
+            </a:r>
+            <a:r>
+              <a:rPr lang="en-US" sz="1800" dirty="0">
+                <a:solidFill>
+                  <a:srgbClr val="000000"/>
+                </a:solidFill>
+                <a:latin typeface="Consolas" panose="020B0609020204030204" pitchFamily="49" charset="0"/>
+              </a:rPr>
+              <a:t> 0;</a:t>
+            </a:r>
+          </a:p>
+          <a:p>
+            <a:pPr marL="0" indent="0">
+              <a:buNone/>
+            </a:pPr>
+            <a:r>
               <a:rPr lang="ru-RU" sz="1800" dirty="0">
-                <a:latin typeface="Consolas" pitchFamily="49" charset="0"/>
-                <a:cs typeface="Consolas" pitchFamily="49" charset="0"/>
-              </a:rPr>
-            </a:br>
-            <a:r>
-              <a:rPr lang="en-US" sz="1800" dirty="0" err="1">
-                <a:latin typeface="Consolas" pitchFamily="49" charset="0"/>
-                <a:cs typeface="Consolas" pitchFamily="49" charset="0"/>
-              </a:rPr>
-              <a:t>int</a:t>
-            </a:r>
-            <a:r>
-              <a:rPr lang="en-US" sz="1800" dirty="0">
-                <a:latin typeface="Consolas" pitchFamily="49" charset="0"/>
-                <a:cs typeface="Consolas" pitchFamily="49" charset="0"/>
-              </a:rPr>
-              <a:t> </a:t>
-            </a:r>
-            <a:r>
-              <a:rPr lang="en-US" sz="1800" dirty="0">
-                <a:latin typeface="Consolas" pitchFamily="49" charset="0"/>
-                <a:cs typeface="Consolas" pitchFamily="49" charset="0"/>
-              </a:rPr>
-              <a:t>main(void</a:t>
-            </a:r>
-            <a:r>
-              <a:rPr lang="en-US" sz="1800" dirty="0">
-                <a:latin typeface="Consolas" pitchFamily="49" charset="0"/>
-                <a:cs typeface="Consolas" pitchFamily="49" charset="0"/>
-              </a:rPr>
-              <a:t>)</a:t>
-            </a:r>
-            <a:r>
-              <a:rPr lang="ru-RU" sz="1800" dirty="0">
-                <a:latin typeface="Consolas" pitchFamily="49" charset="0"/>
-                <a:cs typeface="Consolas" pitchFamily="49" charset="0"/>
-              </a:rPr>
-              <a:t/>
-            </a:r>
-            <a:br>
-              <a:rPr lang="ru-RU" sz="1800" dirty="0">
-                <a:latin typeface="Consolas" pitchFamily="49" charset="0"/>
-                <a:cs typeface="Consolas" pitchFamily="49" charset="0"/>
-              </a:rPr>
-            </a:br>
-            <a:r>
-              <a:rPr lang="en-US" sz="1800" dirty="0">
-                <a:latin typeface="Consolas" pitchFamily="49" charset="0"/>
-                <a:cs typeface="Consolas" pitchFamily="49" charset="0"/>
-              </a:rPr>
-              <a:t>??&lt;                    </a:t>
-            </a:r>
-            <a:r>
-              <a:rPr lang="ru-RU" sz="1800" dirty="0">
-                <a:latin typeface="Consolas" pitchFamily="49" charset="0"/>
-                <a:cs typeface="Consolas" pitchFamily="49" charset="0"/>
-              </a:rPr>
-              <a:t>                  </a:t>
-            </a:r>
-            <a:r>
-              <a:rPr lang="en-US" sz="1800" dirty="0">
-                <a:latin typeface="Consolas" pitchFamily="49" charset="0"/>
-                <a:cs typeface="Consolas" pitchFamily="49" charset="0"/>
-              </a:rPr>
-              <a:t>/* </a:t>
-            </a:r>
-            <a:r>
-              <a:rPr lang="en-US" sz="1800" dirty="0">
-                <a:latin typeface="Consolas" pitchFamily="49" charset="0"/>
-                <a:cs typeface="Consolas" pitchFamily="49" charset="0"/>
-              </a:rPr>
-              <a:t>{          </a:t>
-            </a:r>
-            <a:r>
-              <a:rPr lang="en-US" sz="1800" dirty="0">
-                <a:latin typeface="Consolas" pitchFamily="49" charset="0"/>
-                <a:cs typeface="Consolas" pitchFamily="49" charset="0"/>
-              </a:rPr>
-              <a:t>*/</a:t>
-            </a:r>
-            <a:r>
-              <a:rPr lang="ru-RU" sz="1800" dirty="0">
-                <a:latin typeface="Consolas" pitchFamily="49" charset="0"/>
-                <a:cs typeface="Consolas" pitchFamily="49" charset="0"/>
-              </a:rPr>
-              <a:t/>
-            </a:r>
-            <a:br>
-              <a:rPr lang="ru-RU" sz="1800" dirty="0">
-                <a:latin typeface="Consolas" pitchFamily="49" charset="0"/>
-                <a:cs typeface="Consolas" pitchFamily="49" charset="0"/>
-              </a:rPr>
-            </a:br>
-            <a:r>
-              <a:rPr lang="ru-RU" sz="1800" dirty="0">
-                <a:latin typeface="Consolas" pitchFamily="49" charset="0"/>
-                <a:cs typeface="Consolas" pitchFamily="49" charset="0"/>
-              </a:rPr>
-              <a:t>    </a:t>
-            </a:r>
-            <a:r>
-              <a:rPr lang="en-US" sz="1800" dirty="0">
-                <a:latin typeface="Consolas" pitchFamily="49" charset="0"/>
-                <a:cs typeface="Consolas" pitchFamily="49" charset="0"/>
-              </a:rPr>
-              <a:t>char </a:t>
-            </a:r>
-            <a:r>
-              <a:rPr lang="en-US" sz="1800" dirty="0">
-                <a:latin typeface="Consolas" pitchFamily="49" charset="0"/>
-                <a:cs typeface="Consolas" pitchFamily="49" charset="0"/>
-              </a:rPr>
-              <a:t>n??(5??);  </a:t>
-            </a:r>
-            <a:r>
-              <a:rPr lang="en-US" sz="1800" dirty="0">
-                <a:latin typeface="Consolas" pitchFamily="49" charset="0"/>
-                <a:cs typeface="Consolas" pitchFamily="49" charset="0"/>
-              </a:rPr>
-              <a:t>  </a:t>
-            </a:r>
-            <a:r>
-              <a:rPr lang="ru-RU" sz="1800" dirty="0">
-                <a:latin typeface="Consolas" pitchFamily="49" charset="0"/>
-                <a:cs typeface="Consolas" pitchFamily="49" charset="0"/>
-              </a:rPr>
-              <a:t>                   </a:t>
-            </a:r>
-            <a:r>
-              <a:rPr lang="en-US" sz="1800" dirty="0">
-                <a:latin typeface="Consolas" pitchFamily="49" charset="0"/>
-                <a:cs typeface="Consolas" pitchFamily="49" charset="0"/>
-              </a:rPr>
-              <a:t>/* </a:t>
-            </a:r>
-            <a:r>
-              <a:rPr lang="en-US" sz="1800" dirty="0">
-                <a:latin typeface="Consolas" pitchFamily="49" charset="0"/>
-                <a:cs typeface="Consolas" pitchFamily="49" charset="0"/>
-              </a:rPr>
-              <a:t>[ </a:t>
-            </a:r>
-            <a:r>
-              <a:rPr lang="ru-RU" sz="1800" dirty="0">
-                <a:latin typeface="Consolas" pitchFamily="49" charset="0"/>
-                <a:cs typeface="Consolas" pitchFamily="49" charset="0"/>
-              </a:rPr>
-              <a:t>и</a:t>
-            </a:r>
-            <a:r>
-              <a:rPr lang="en-US" sz="1800" dirty="0">
-                <a:latin typeface="Consolas" pitchFamily="49" charset="0"/>
-                <a:cs typeface="Consolas" pitchFamily="49" charset="0"/>
-              </a:rPr>
-              <a:t> </a:t>
-            </a:r>
-            <a:r>
-              <a:rPr lang="en-US" sz="1800" dirty="0">
-                <a:latin typeface="Consolas" pitchFamily="49" charset="0"/>
-                <a:cs typeface="Consolas" pitchFamily="49" charset="0"/>
-              </a:rPr>
-              <a:t>]    </a:t>
-            </a:r>
-            <a:r>
-              <a:rPr lang="ru-RU" sz="1800" dirty="0">
-                <a:latin typeface="Consolas" pitchFamily="49" charset="0"/>
-                <a:cs typeface="Consolas" pitchFamily="49" charset="0"/>
-              </a:rPr>
-              <a:t>  </a:t>
-            </a:r>
-            <a:r>
-              <a:rPr lang="en-US" sz="1800" dirty="0">
-                <a:latin typeface="Consolas" pitchFamily="49" charset="0"/>
-                <a:cs typeface="Consolas" pitchFamily="49" charset="0"/>
-              </a:rPr>
-              <a:t>*/</a:t>
-            </a:r>
-            <a:r>
-              <a:rPr lang="ru-RU" sz="1800" dirty="0">
-                <a:latin typeface="Consolas" pitchFamily="49" charset="0"/>
-                <a:cs typeface="Consolas" pitchFamily="49" charset="0"/>
-              </a:rPr>
-              <a:t/>
-            </a:r>
-            <a:br>
-              <a:rPr lang="ru-RU" sz="1800" dirty="0">
-                <a:latin typeface="Consolas" pitchFamily="49" charset="0"/>
-                <a:cs typeface="Consolas" pitchFamily="49" charset="0"/>
-              </a:rPr>
-            </a:br>
-            <a:r>
-              <a:rPr lang="ru-RU" sz="1800" dirty="0">
-                <a:latin typeface="Consolas" pitchFamily="49" charset="0"/>
-                <a:cs typeface="Consolas" pitchFamily="49" charset="0"/>
-              </a:rPr>
-              <a:t>    </a:t>
-            </a:r>
-            <a:r>
-              <a:rPr lang="en-US" sz="1800" dirty="0">
-                <a:latin typeface="Consolas" pitchFamily="49" charset="0"/>
-                <a:cs typeface="Consolas" pitchFamily="49" charset="0"/>
-              </a:rPr>
-              <a:t>n</a:t>
-            </a:r>
-            <a:r>
-              <a:rPr lang="en-US" sz="1800" dirty="0">
-                <a:latin typeface="Consolas" pitchFamily="49" charset="0"/>
-                <a:cs typeface="Consolas" pitchFamily="49" charset="0"/>
-              </a:rPr>
-              <a:t>??(4??) = '0' - (??-0 ??' 1 ??! 2); /* ~, ^ </a:t>
-            </a:r>
-            <a:r>
-              <a:rPr lang="ru-RU" sz="1800" dirty="0">
-                <a:latin typeface="Consolas" pitchFamily="49" charset="0"/>
-                <a:cs typeface="Consolas" pitchFamily="49" charset="0"/>
-              </a:rPr>
-              <a:t>и</a:t>
-            </a:r>
-            <a:r>
-              <a:rPr lang="en-US" sz="1800" dirty="0">
-                <a:latin typeface="Consolas" pitchFamily="49" charset="0"/>
-                <a:cs typeface="Consolas" pitchFamily="49" charset="0"/>
-              </a:rPr>
-              <a:t>| </a:t>
-            </a:r>
-            <a:r>
-              <a:rPr lang="ru-RU" sz="1800" dirty="0">
-                <a:latin typeface="Consolas" pitchFamily="49" charset="0"/>
-                <a:cs typeface="Consolas" pitchFamily="49" charset="0"/>
-              </a:rPr>
-              <a:t>   </a:t>
-            </a:r>
-            <a:r>
-              <a:rPr lang="en-US" sz="1800" dirty="0">
-                <a:latin typeface="Consolas" pitchFamily="49" charset="0"/>
-                <a:cs typeface="Consolas" pitchFamily="49" charset="0"/>
-              </a:rPr>
-              <a:t>*/</a:t>
-            </a:r>
-            <a:r>
-              <a:rPr lang="ru-RU" sz="1800" dirty="0">
-                <a:latin typeface="Consolas" pitchFamily="49" charset="0"/>
-                <a:cs typeface="Consolas" pitchFamily="49" charset="0"/>
-              </a:rPr>
-              <a:t/>
-            </a:r>
-            <a:br>
-              <a:rPr lang="ru-RU" sz="1800" dirty="0">
-                <a:latin typeface="Consolas" pitchFamily="49" charset="0"/>
-                <a:cs typeface="Consolas" pitchFamily="49" charset="0"/>
-              </a:rPr>
-            </a:br>
-            <a:r>
-              <a:rPr lang="ru-RU" sz="1800" dirty="0">
-                <a:latin typeface="Consolas" pitchFamily="49" charset="0"/>
-                <a:cs typeface="Consolas" pitchFamily="49" charset="0"/>
-              </a:rPr>
-              <a:t>    </a:t>
-            </a:r>
-            <a:r>
-              <a:rPr lang="en-US" sz="1800" dirty="0" err="1">
-                <a:latin typeface="Consolas" pitchFamily="49" charset="0"/>
-                <a:cs typeface="Consolas" pitchFamily="49" charset="0"/>
-              </a:rPr>
-              <a:t>printf</a:t>
-            </a:r>
-            <a:r>
-              <a:rPr lang="en-US" sz="1800" dirty="0">
-                <a:latin typeface="Consolas" pitchFamily="49" charset="0"/>
-                <a:cs typeface="Consolas" pitchFamily="49" charset="0"/>
-              </a:rPr>
-              <a:t>("%c??/n", n??(4??)); </a:t>
-            </a:r>
-            <a:r>
-              <a:rPr lang="ru-RU" sz="1800" dirty="0">
-                <a:latin typeface="Consolas" pitchFamily="49" charset="0"/>
-                <a:cs typeface="Consolas" pitchFamily="49" charset="0"/>
-              </a:rPr>
-              <a:t>         /</a:t>
-            </a:r>
-            <a:r>
-              <a:rPr lang="en-US" sz="1800" dirty="0">
-                <a:latin typeface="Consolas" pitchFamily="49" charset="0"/>
-                <a:cs typeface="Consolas" pitchFamily="49" charset="0"/>
-              </a:rPr>
-              <a:t>* </a:t>
-            </a:r>
-            <a:r>
-              <a:rPr lang="en-US" sz="1800" dirty="0">
-                <a:latin typeface="Consolas" pitchFamily="49" charset="0"/>
-                <a:cs typeface="Consolas" pitchFamily="49" charset="0"/>
-              </a:rPr>
-              <a:t>??/ = \    </a:t>
-            </a:r>
-            <a:r>
-              <a:rPr lang="en-US" sz="1800" dirty="0">
-                <a:latin typeface="Consolas" pitchFamily="49" charset="0"/>
-                <a:cs typeface="Consolas" pitchFamily="49" charset="0"/>
-              </a:rPr>
-              <a:t>*/</a:t>
-            </a:r>
-            <a:r>
-              <a:rPr lang="ru-RU" sz="1800" dirty="0">
-                <a:latin typeface="Consolas" pitchFamily="49" charset="0"/>
-                <a:cs typeface="Consolas" pitchFamily="49" charset="0"/>
-              </a:rPr>
-              <a:t/>
-            </a:r>
-            <a:br>
-              <a:rPr lang="ru-RU" sz="1800" dirty="0">
-                <a:latin typeface="Consolas" pitchFamily="49" charset="0"/>
-                <a:cs typeface="Consolas" pitchFamily="49" charset="0"/>
-              </a:rPr>
-            </a:br>
-            <a:r>
-              <a:rPr lang="ru-RU" sz="1800" dirty="0">
-                <a:latin typeface="Consolas" pitchFamily="49" charset="0"/>
-                <a:cs typeface="Consolas" pitchFamily="49" charset="0"/>
-              </a:rPr>
-              <a:t>    </a:t>
-            </a:r>
-            <a:r>
-              <a:rPr lang="en-US" sz="1800" dirty="0">
-                <a:latin typeface="Consolas" pitchFamily="49" charset="0"/>
-                <a:cs typeface="Consolas" pitchFamily="49" charset="0"/>
-              </a:rPr>
-              <a:t>return </a:t>
-            </a:r>
-            <a:r>
-              <a:rPr lang="en-US" sz="1800" dirty="0">
-                <a:latin typeface="Consolas" pitchFamily="49" charset="0"/>
-                <a:cs typeface="Consolas" pitchFamily="49" charset="0"/>
-              </a:rPr>
-              <a:t>0</a:t>
-            </a:r>
-            <a:r>
-              <a:rPr lang="en-US" sz="1800" dirty="0">
-                <a:latin typeface="Consolas" pitchFamily="49" charset="0"/>
-                <a:cs typeface="Consolas" pitchFamily="49" charset="0"/>
-              </a:rPr>
-              <a:t>;</a:t>
-            </a:r>
-            <a:r>
-              <a:rPr lang="ru-RU" sz="1800" dirty="0">
-                <a:latin typeface="Consolas" pitchFamily="49" charset="0"/>
-                <a:cs typeface="Consolas" pitchFamily="49" charset="0"/>
-              </a:rPr>
-              <a:t/>
-            </a:r>
-            <a:br>
-              <a:rPr lang="ru-RU" sz="1800" dirty="0">
-                <a:latin typeface="Consolas" pitchFamily="49" charset="0"/>
-                <a:cs typeface="Consolas" pitchFamily="49" charset="0"/>
-              </a:rPr>
-            </a:br>
-            <a:r>
-              <a:rPr lang="en-US" sz="1800" dirty="0">
-                <a:latin typeface="Consolas" pitchFamily="49" charset="0"/>
-                <a:cs typeface="Consolas" pitchFamily="49" charset="0"/>
+                <a:solidFill>
+                  <a:srgbClr val="000000"/>
+                </a:solidFill>
+                <a:latin typeface="Consolas" panose="020B0609020204030204" pitchFamily="49" charset="0"/>
               </a:rPr>
               <a:t>??&gt; </a:t>
             </a:r>
@@ -7442,15 +9907,10 @@
             <p:ph idx="1"/>
           </p:nvPr>
         </p:nvSpPr>
-        <p:spPr>
-          <a:xfrm>
-            <a:off x="2438400" y="1844824"/>
-            <a:ext cx="7772400" cy="4510736"/>
-          </a:xfrm>
-        </p:spPr>
+        <p:spPr/>
         <p:txBody>
           <a:bodyPr>
-            <a:normAutofit lnSpcReduction="10000"/>
+            <a:normAutofit/>
           </a:bodyPr>
           <a:lstStyle/>
           <a:p>
@@ -7543,29 +10003,6 @@
         </p:nvSpPr>
         <p:spPr/>
         <p:txBody>
-          <a:bodyPr/>
-          <a:lstStyle/>
-          <a:p>
-            <a:r>
-              <a:rPr lang="ru-RU" dirty="0" smtClean="0"/>
-              <a:t>Пример</a:t>
-            </a:r>
-            <a:endParaRPr lang="ru-RU" dirty="0"/>
-          </a:p>
-        </p:txBody>
-      </p:sp>
-      <p:sp>
-        <p:nvSpPr>
-          <p:cNvPr id="5" name="Content Placeholder 4"/>
-          <p:cNvSpPr>
-            <a:spLocks noGrp="1"/>
-          </p:cNvSpPr>
-          <p:nvPr>
-            <p:ph idx="1"/>
-          </p:nvPr>
-        </p:nvSpPr>
-        <p:spPr/>
-        <p:txBody>
           <a:bodyPr>
             <a:normAutofit/>
           </a:bodyPr>
@@ -7573,53 +10010,133 @@
           <a:p>
             <a:r>
               <a:rPr lang="ru-RU" dirty="0" smtClean="0"/>
-              <a:t>/</a:t>
-            </a:r>
-            <a:r>
-              <a:rPr lang="ru-RU" sz="1800" dirty="0"/>
-              <a:t>/ Будет ли исполнена следующая строка????????????????/</a:t>
+              <a:t>Пример </a:t>
+            </a:r>
+            <a:r>
+              <a:rPr lang="ru-RU" dirty="0" err="1" smtClean="0"/>
+              <a:t>препроцессирования</a:t>
+            </a:r>
+            <a:endParaRPr lang="ru-RU" dirty="0"/>
+          </a:p>
+        </p:txBody>
+      </p:sp>
+      <p:sp>
+        <p:nvSpPr>
+          <p:cNvPr id="5" name="Content Placeholder 4"/>
+          <p:cNvSpPr>
+            <a:spLocks noGrp="1"/>
+          </p:cNvSpPr>
+          <p:nvPr>
+            <p:ph idx="1"/>
+          </p:nvPr>
+        </p:nvSpPr>
+        <p:spPr/>
+        <p:txBody>
+          <a:bodyPr>
+            <a:normAutofit/>
+          </a:bodyPr>
+          <a:lstStyle/>
+          <a:p>
+            <a:pPr marL="400050" lvl="1" indent="0">
+              <a:buNone/>
+            </a:pPr>
+            <a:r>
+              <a:rPr lang="ru-RU" dirty="0">
+                <a:solidFill>
+                  <a:srgbClr val="008000"/>
+                </a:solidFill>
+                <a:latin typeface="Consolas" panose="020B0609020204030204" pitchFamily="49" charset="0"/>
+              </a:rPr>
+              <a:t>// Будет ли исполнена следующая строка</a:t>
+            </a:r>
+            <a:r>
+              <a:rPr lang="ru-RU" dirty="0" smtClean="0">
+                <a:solidFill>
+                  <a:srgbClr val="008000"/>
+                </a:solidFill>
+                <a:latin typeface="Consolas" panose="020B0609020204030204" pitchFamily="49" charset="0"/>
+              </a:rPr>
+              <a:t>????????????????/</a:t>
             </a:r>
             <a:br>
-              <a:rPr lang="ru-RU" sz="1800" dirty="0"/>
+              <a:rPr lang="ru-RU" dirty="0" smtClean="0">
+                <a:solidFill>
+                  <a:srgbClr val="008000"/>
+                </a:solidFill>
+                <a:latin typeface="Consolas" panose="020B0609020204030204" pitchFamily="49" charset="0"/>
+              </a:rPr>
             </a:br>
             <a:r>
-              <a:rPr lang="ru-RU" sz="1800" dirty="0"/>
+              <a:rPr lang="en-US" dirty="0" smtClean="0">
+                <a:solidFill>
+                  <a:srgbClr val="000000"/>
+                </a:solidFill>
+                <a:latin typeface="Consolas" panose="020B0609020204030204" pitchFamily="49" charset="0"/>
+              </a:rPr>
               <a:t>a</a:t>
             </a:r>
             <a:r>
+              <a:rPr lang="en-US" dirty="0">
+                <a:solidFill>
+                  <a:srgbClr val="000000"/>
+                </a:solidFill>
+                <a:latin typeface="Consolas" panose="020B0609020204030204" pitchFamily="49" charset="0"/>
+              </a:rPr>
+              <a:t>++;</a:t>
+            </a:r>
+          </a:p>
+          <a:p>
+            <a:endParaRPr lang="ru-RU" dirty="0" smtClean="0"/>
+          </a:p>
+          <a:p>
+            <a:r>
+              <a:rPr lang="ru-RU" dirty="0" smtClean="0"/>
+              <a:t>Если включена обработка </a:t>
+            </a:r>
+            <a:r>
+              <a:rPr lang="ru-RU" dirty="0" err="1" smtClean="0"/>
+              <a:t>триграфов</a:t>
+            </a:r>
+            <a:r>
+              <a:rPr lang="ru-RU" dirty="0" smtClean="0"/>
+              <a:t>, то не будет:</a:t>
+            </a:r>
+          </a:p>
+          <a:p>
+            <a:pPr lvl="1"/>
+            <a:r>
+              <a:rPr lang="ru-RU" dirty="0" smtClean="0"/>
+              <a:t>??/ </a:t>
+            </a:r>
+            <a:r>
               <a:rPr lang="ru-RU" dirty="0"/>
-              <a:t>++;</a:t>
-            </a:r>
-          </a:p>
-          <a:p>
+              <a:t>будет проинтерпретирован как </a:t>
+            </a:r>
+            <a:r>
+              <a:rPr lang="ru-RU" dirty="0" smtClean="0"/>
+              <a:t>\ </a:t>
+            </a:r>
+            <a:r>
+              <a:rPr lang="ru-RU" dirty="0"/>
+              <a:t>в конце строки и продлит комментарий на следующую </a:t>
+            </a:r>
+            <a:r>
+              <a:rPr lang="ru-RU" dirty="0" smtClean="0"/>
+              <a:t>строку</a:t>
+            </a:r>
+          </a:p>
+          <a:p>
+            <a:pPr lvl="1"/>
+            <a:r>
+              <a:rPr lang="ru-RU" dirty="0" smtClean="0"/>
+              <a:t>a++ будет воспринято как комментарий</a:t>
+            </a:r>
+          </a:p>
+          <a:p>
+            <a:pPr marL="0" indent="0">
+              <a:buNone/>
+            </a:pPr>
             <a:endParaRPr lang="ru-RU" dirty="0" smtClean="0"/>
-          </a:p>
-          <a:p>
-            <a:r>
-              <a:rPr lang="ru-RU" dirty="0" smtClean="0"/>
-              <a:t>??/ </a:t>
-            </a:r>
-            <a:r>
-              <a:rPr lang="ru-RU" dirty="0"/>
-              <a:t>будет проинтерпретирован как '\' в конце строки и продлит комментарий на следующую </a:t>
-            </a:r>
-            <a:r>
-              <a:rPr lang="ru-RU" dirty="0" smtClean="0"/>
-              <a:t>строку</a:t>
-            </a:r>
-            <a:endParaRPr lang="ru-RU" dirty="0"/>
-          </a:p>
-          <a:p>
-            <a:r>
-              <a:rPr lang="ru-RU" dirty="0" smtClean="0"/>
-              <a:t>a++ будет воспринято как комментарий</a:t>
-            </a:r>
-          </a:p>
-          <a:p>
-            <a:endParaRPr lang="ru-RU" dirty="0"/>
-          </a:p>
-          <a:p>
-            <a:endParaRPr lang="ru-RU" dirty="0"/>
           </a:p>
         </p:txBody>
       </p:sp>
